--- a/trunk/OOPExam/03 Arrays and Collections.pptx
+++ b/trunk/OOPExam/03 Arrays and Collections.pptx
@@ -4,6 +4,9 @@
   <p:sldMasterIdLst>
     <p:sldMasterId id="2147483648" r:id="rId1"/>
   </p:sldMasterIdLst>
+  <p:notesMasterIdLst>
+    <p:notesMasterId r:id="rId11"/>
+  </p:notesMasterIdLst>
   <p:sldIdLst>
     <p:sldId id="256" r:id="rId2"/>
     <p:sldId id="257" r:id="rId3"/>
@@ -113,6 +116,631 @@
     </a:lvl9pPr>
   </p:defaultTextStyle>
 </p:presentation>
+</file>
+
+<file path=ppt/notesMasters/notesMaster1.xml><?xml version="1.0" encoding="utf-8"?>
+<p:notesMaster xmlns:a="http://schemas.openxmlformats.org/drawingml/2006/main" xmlns:r="http://schemas.openxmlformats.org/officeDocument/2006/relationships" xmlns:p="http://schemas.openxmlformats.org/presentationml/2006/main">
+  <p:cSld>
+    <p:bg>
+      <p:bgRef idx="1001">
+        <a:schemeClr val="bg1"/>
+      </p:bgRef>
+    </p:bg>
+    <p:spTree>
+      <p:nvGrpSpPr>
+        <p:cNvPr id="1" name=""/>
+        <p:cNvGrpSpPr/>
+        <p:nvPr/>
+      </p:nvGrpSpPr>
+      <p:grpSpPr>
+        <a:xfrm>
+          <a:off x="0" y="0"/>
+          <a:ext cx="0" cy="0"/>
+          <a:chOff x="0" y="0"/>
+          <a:chExt cx="0" cy="0"/>
+        </a:xfrm>
+      </p:grpSpPr>
+      <p:sp>
+        <p:nvSpPr>
+          <p:cNvPr id="2" name="Header Placeholder 1"/>
+          <p:cNvSpPr>
+            <a:spLocks noGrp="1"/>
+          </p:cNvSpPr>
+          <p:nvPr>
+            <p:ph type="hdr" sz="quarter"/>
+          </p:nvPr>
+        </p:nvSpPr>
+        <p:spPr>
+          <a:xfrm>
+            <a:off x="0" y="0"/>
+            <a:ext cx="2971800" cy="457200"/>
+          </a:xfrm>
+          <a:prstGeom prst="rect">
+            <a:avLst/>
+          </a:prstGeom>
+        </p:spPr>
+        <p:txBody>
+          <a:bodyPr vert="horz" lIns="91440" tIns="45720" rIns="91440" bIns="45720" rtlCol="0"/>
+          <a:lstStyle>
+            <a:lvl1pPr algn="l">
+              <a:defRPr sz="1200"/>
+            </a:lvl1pPr>
+          </a:lstStyle>
+          <a:p>
+            <a:endParaRPr lang="en-US"/>
+          </a:p>
+        </p:txBody>
+      </p:sp>
+      <p:sp>
+        <p:nvSpPr>
+          <p:cNvPr id="3" name="Date Placeholder 2"/>
+          <p:cNvSpPr>
+            <a:spLocks noGrp="1"/>
+          </p:cNvSpPr>
+          <p:nvPr>
+            <p:ph type="dt" idx="1"/>
+          </p:nvPr>
+        </p:nvSpPr>
+        <p:spPr>
+          <a:xfrm>
+            <a:off x="3884613" y="0"/>
+            <a:ext cx="2971800" cy="457200"/>
+          </a:xfrm>
+          <a:prstGeom prst="rect">
+            <a:avLst/>
+          </a:prstGeom>
+        </p:spPr>
+        <p:txBody>
+          <a:bodyPr vert="horz" lIns="91440" tIns="45720" rIns="91440" bIns="45720" rtlCol="0"/>
+          <a:lstStyle>
+            <a:lvl1pPr algn="r">
+              <a:defRPr sz="1200"/>
+            </a:lvl1pPr>
+          </a:lstStyle>
+          <a:p>
+            <a:fld id="{28D99349-0304-4654-BB42-E73EAD9BEBC1}" type="datetimeFigureOut">
+              <a:rPr lang="en-US" smtClean="0"/>
+              <a:t>1/12/2010</a:t>
+            </a:fld>
+            <a:endParaRPr lang="en-US"/>
+          </a:p>
+        </p:txBody>
+      </p:sp>
+      <p:sp>
+        <p:nvSpPr>
+          <p:cNvPr id="4" name="Slide Image Placeholder 3"/>
+          <p:cNvSpPr>
+            <a:spLocks noGrp="1" noRot="1" noChangeAspect="1"/>
+          </p:cNvSpPr>
+          <p:nvPr>
+            <p:ph type="sldImg" idx="2"/>
+          </p:nvPr>
+        </p:nvSpPr>
+        <p:spPr>
+          <a:xfrm>
+            <a:off x="1143000" y="685800"/>
+            <a:ext cx="4572000" cy="3429000"/>
+          </a:xfrm>
+          <a:prstGeom prst="rect">
+            <a:avLst/>
+          </a:prstGeom>
+          <a:noFill/>
+          <a:ln w="12700">
+            <a:solidFill>
+              <a:prstClr val="black"/>
+            </a:solidFill>
+          </a:ln>
+        </p:spPr>
+        <p:txBody>
+          <a:bodyPr vert="horz" lIns="91440" tIns="45720" rIns="91440" bIns="45720" rtlCol="0" anchor="ctr"/>
+          <a:lstStyle/>
+          <a:p>
+            <a:endParaRPr lang="en-US"/>
+          </a:p>
+        </p:txBody>
+      </p:sp>
+      <p:sp>
+        <p:nvSpPr>
+          <p:cNvPr id="5" name="Notes Placeholder 4"/>
+          <p:cNvSpPr>
+            <a:spLocks noGrp="1"/>
+          </p:cNvSpPr>
+          <p:nvPr>
+            <p:ph type="body" sz="quarter" idx="3"/>
+          </p:nvPr>
+        </p:nvSpPr>
+        <p:spPr>
+          <a:xfrm>
+            <a:off x="685800" y="4343400"/>
+            <a:ext cx="5486400" cy="4114800"/>
+          </a:xfrm>
+          <a:prstGeom prst="rect">
+            <a:avLst/>
+          </a:prstGeom>
+        </p:spPr>
+        <p:txBody>
+          <a:bodyPr vert="horz" lIns="91440" tIns="45720" rIns="91440" bIns="45720" rtlCol="0">
+            <a:normAutofit/>
+          </a:bodyPr>
+          <a:lstStyle/>
+          <a:p>
+            <a:pPr lvl="0"/>
+            <a:r>
+              <a:rPr lang="en-US" smtClean="0"/>
+              <a:t>Click to edit Master text styles</a:t>
+            </a:r>
+          </a:p>
+          <a:p>
+            <a:pPr lvl="1"/>
+            <a:r>
+              <a:rPr lang="en-US" smtClean="0"/>
+              <a:t>Second level</a:t>
+            </a:r>
+          </a:p>
+          <a:p>
+            <a:pPr lvl="2"/>
+            <a:r>
+              <a:rPr lang="en-US" smtClean="0"/>
+              <a:t>Third level</a:t>
+            </a:r>
+          </a:p>
+          <a:p>
+            <a:pPr lvl="3"/>
+            <a:r>
+              <a:rPr lang="en-US" smtClean="0"/>
+              <a:t>Fourth level</a:t>
+            </a:r>
+          </a:p>
+          <a:p>
+            <a:pPr lvl="4"/>
+            <a:r>
+              <a:rPr lang="en-US" smtClean="0"/>
+              <a:t>Fifth level</a:t>
+            </a:r>
+            <a:endParaRPr lang="en-US"/>
+          </a:p>
+        </p:txBody>
+      </p:sp>
+      <p:sp>
+        <p:nvSpPr>
+          <p:cNvPr id="6" name="Footer Placeholder 5"/>
+          <p:cNvSpPr>
+            <a:spLocks noGrp="1"/>
+          </p:cNvSpPr>
+          <p:nvPr>
+            <p:ph type="ftr" sz="quarter" idx="4"/>
+          </p:nvPr>
+        </p:nvSpPr>
+        <p:spPr>
+          <a:xfrm>
+            <a:off x="0" y="8685213"/>
+            <a:ext cx="2971800" cy="457200"/>
+          </a:xfrm>
+          <a:prstGeom prst="rect">
+            <a:avLst/>
+          </a:prstGeom>
+        </p:spPr>
+        <p:txBody>
+          <a:bodyPr vert="horz" lIns="91440" tIns="45720" rIns="91440" bIns="45720" rtlCol="0" anchor="b"/>
+          <a:lstStyle>
+            <a:lvl1pPr algn="l">
+              <a:defRPr sz="1200"/>
+            </a:lvl1pPr>
+          </a:lstStyle>
+          <a:p>
+            <a:endParaRPr lang="en-US"/>
+          </a:p>
+        </p:txBody>
+      </p:sp>
+      <p:sp>
+        <p:nvSpPr>
+          <p:cNvPr id="7" name="Slide Number Placeholder 6"/>
+          <p:cNvSpPr>
+            <a:spLocks noGrp="1"/>
+          </p:cNvSpPr>
+          <p:nvPr>
+            <p:ph type="sldNum" sz="quarter" idx="5"/>
+          </p:nvPr>
+        </p:nvSpPr>
+        <p:spPr>
+          <a:xfrm>
+            <a:off x="3884613" y="8685213"/>
+            <a:ext cx="2971800" cy="457200"/>
+          </a:xfrm>
+          <a:prstGeom prst="rect">
+            <a:avLst/>
+          </a:prstGeom>
+        </p:spPr>
+        <p:txBody>
+          <a:bodyPr vert="horz" lIns="91440" tIns="45720" rIns="91440" bIns="45720" rtlCol="0" anchor="b"/>
+          <a:lstStyle>
+            <a:lvl1pPr algn="r">
+              <a:defRPr sz="1200"/>
+            </a:lvl1pPr>
+          </a:lstStyle>
+          <a:p>
+            <a:fld id="{41BD0771-8E2D-46E3-8723-C8AF04A84B8E}" type="slidenum">
+              <a:rPr lang="en-US" smtClean="0"/>
+              <a:t>‹#›</a:t>
+            </a:fld>
+            <a:endParaRPr lang="en-US"/>
+          </a:p>
+        </p:txBody>
+      </p:sp>
+    </p:spTree>
+  </p:cSld>
+  <p:clrMap bg1="lt1" tx1="dk1" bg2="lt2" tx2="dk2" accent1="accent1" accent2="accent2" accent3="accent3" accent4="accent4" accent5="accent5" accent6="accent6" hlink="hlink" folHlink="folHlink"/>
+  <p:notesStyle>
+    <a:lvl1pPr marL="0" algn="l" defTabSz="914400" rtl="0" eaLnBrk="1" latinLnBrk="0" hangingPunct="1">
+      <a:defRPr sz="1200" kern="1200">
+        <a:solidFill>
+          <a:schemeClr val="tx1"/>
+        </a:solidFill>
+        <a:latin typeface="+mn-lt"/>
+        <a:ea typeface="+mn-ea"/>
+        <a:cs typeface="+mn-cs"/>
+      </a:defRPr>
+    </a:lvl1pPr>
+    <a:lvl2pPr marL="457200" algn="l" defTabSz="914400" rtl="0" eaLnBrk="1" latinLnBrk="0" hangingPunct="1">
+      <a:defRPr sz="1200" kern="1200">
+        <a:solidFill>
+          <a:schemeClr val="tx1"/>
+        </a:solidFill>
+        <a:latin typeface="+mn-lt"/>
+        <a:ea typeface="+mn-ea"/>
+        <a:cs typeface="+mn-cs"/>
+      </a:defRPr>
+    </a:lvl2pPr>
+    <a:lvl3pPr marL="914400" algn="l" defTabSz="914400" rtl="0" eaLnBrk="1" latinLnBrk="0" hangingPunct="1">
+      <a:defRPr sz="1200" kern="1200">
+        <a:solidFill>
+          <a:schemeClr val="tx1"/>
+        </a:solidFill>
+        <a:latin typeface="+mn-lt"/>
+        <a:ea typeface="+mn-ea"/>
+        <a:cs typeface="+mn-cs"/>
+      </a:defRPr>
+    </a:lvl3pPr>
+    <a:lvl4pPr marL="1371600" algn="l" defTabSz="914400" rtl="0" eaLnBrk="1" latinLnBrk="0" hangingPunct="1">
+      <a:defRPr sz="1200" kern="1200">
+        <a:solidFill>
+          <a:schemeClr val="tx1"/>
+        </a:solidFill>
+        <a:latin typeface="+mn-lt"/>
+        <a:ea typeface="+mn-ea"/>
+        <a:cs typeface="+mn-cs"/>
+      </a:defRPr>
+    </a:lvl4pPr>
+    <a:lvl5pPr marL="1828800" algn="l" defTabSz="914400" rtl="0" eaLnBrk="1" latinLnBrk="0" hangingPunct="1">
+      <a:defRPr sz="1200" kern="1200">
+        <a:solidFill>
+          <a:schemeClr val="tx1"/>
+        </a:solidFill>
+        <a:latin typeface="+mn-lt"/>
+        <a:ea typeface="+mn-ea"/>
+        <a:cs typeface="+mn-cs"/>
+      </a:defRPr>
+    </a:lvl5pPr>
+    <a:lvl6pPr marL="2286000" algn="l" defTabSz="914400" rtl="0" eaLnBrk="1" latinLnBrk="0" hangingPunct="1">
+      <a:defRPr sz="1200" kern="1200">
+        <a:solidFill>
+          <a:schemeClr val="tx1"/>
+        </a:solidFill>
+        <a:latin typeface="+mn-lt"/>
+        <a:ea typeface="+mn-ea"/>
+        <a:cs typeface="+mn-cs"/>
+      </a:defRPr>
+    </a:lvl6pPr>
+    <a:lvl7pPr marL="2743200" algn="l" defTabSz="914400" rtl="0" eaLnBrk="1" latinLnBrk="0" hangingPunct="1">
+      <a:defRPr sz="1200" kern="1200">
+        <a:solidFill>
+          <a:schemeClr val="tx1"/>
+        </a:solidFill>
+        <a:latin typeface="+mn-lt"/>
+        <a:ea typeface="+mn-ea"/>
+        <a:cs typeface="+mn-cs"/>
+      </a:defRPr>
+    </a:lvl7pPr>
+    <a:lvl8pPr marL="3200400" algn="l" defTabSz="914400" rtl="0" eaLnBrk="1" latinLnBrk="0" hangingPunct="1">
+      <a:defRPr sz="1200" kern="1200">
+        <a:solidFill>
+          <a:schemeClr val="tx1"/>
+        </a:solidFill>
+        <a:latin typeface="+mn-lt"/>
+        <a:ea typeface="+mn-ea"/>
+        <a:cs typeface="+mn-cs"/>
+      </a:defRPr>
+    </a:lvl8pPr>
+    <a:lvl9pPr marL="3657600" algn="l" defTabSz="914400" rtl="0" eaLnBrk="1" latinLnBrk="0" hangingPunct="1">
+      <a:defRPr sz="1200" kern="1200">
+        <a:solidFill>
+          <a:schemeClr val="tx1"/>
+        </a:solidFill>
+        <a:latin typeface="+mn-lt"/>
+        <a:ea typeface="+mn-ea"/>
+        <a:cs typeface="+mn-cs"/>
+      </a:defRPr>
+    </a:lvl9pPr>
+  </p:notesStyle>
+</p:notesMaster>
+</file>
+
+<file path=ppt/notesSlides/notesSlide1.xml><?xml version="1.0" encoding="utf-8"?>
+<p:notes xmlns:a="http://schemas.openxmlformats.org/drawingml/2006/main" xmlns:r="http://schemas.openxmlformats.org/officeDocument/2006/relationships" xmlns:p="http://schemas.openxmlformats.org/presentationml/2006/main">
+  <p:cSld>
+    <p:spTree>
+      <p:nvGrpSpPr>
+        <p:cNvPr id="1" name=""/>
+        <p:cNvGrpSpPr/>
+        <p:nvPr/>
+      </p:nvGrpSpPr>
+      <p:grpSpPr>
+        <a:xfrm>
+          <a:off x="0" y="0"/>
+          <a:ext cx="0" cy="0"/>
+          <a:chOff x="0" y="0"/>
+          <a:chExt cx="0" cy="0"/>
+        </a:xfrm>
+      </p:grpSpPr>
+      <p:sp>
+        <p:nvSpPr>
+          <p:cNvPr id="2" name="Slide Image Placeholder 1"/>
+          <p:cNvSpPr>
+            <a:spLocks noGrp="1" noRot="1" noChangeAspect="1"/>
+          </p:cNvSpPr>
+          <p:nvPr>
+            <p:ph type="sldImg"/>
+          </p:nvPr>
+        </p:nvSpPr>
+        <p:spPr/>
+      </p:sp>
+      <p:sp>
+        <p:nvSpPr>
+          <p:cNvPr id="3" name="Notes Placeholder 2"/>
+          <p:cNvSpPr>
+            <a:spLocks noGrp="1"/>
+          </p:cNvSpPr>
+          <p:nvPr>
+            <p:ph type="body" idx="1"/>
+          </p:nvPr>
+        </p:nvSpPr>
+        <p:spPr/>
+        <p:txBody>
+          <a:bodyPr>
+            <a:normAutofit/>
+          </a:bodyPr>
+          <a:lstStyle/>
+          <a:p>
+            <a:r>
+              <a:rPr lang="en-US" sz="1200" kern="1200" dirty="0" smtClean="0">
+                <a:solidFill>
+                  <a:schemeClr val="tx1"/>
+                </a:solidFill>
+                <a:latin typeface="+mn-lt"/>
+                <a:ea typeface="+mn-ea"/>
+                <a:cs typeface="+mn-cs"/>
+              </a:rPr>
+              <a:t>Give an explanation for the concepts array and collections</a:t>
+            </a:r>
+          </a:p>
+          <a:p>
+            <a:r>
+              <a:rPr lang="en-US" sz="1200" kern="1200" dirty="0" smtClean="0">
+                <a:solidFill>
+                  <a:schemeClr val="tx1"/>
+                </a:solidFill>
+                <a:latin typeface="+mn-lt"/>
+                <a:ea typeface="+mn-ea"/>
+                <a:cs typeface="+mn-cs"/>
+              </a:rPr>
+              <a:t> </a:t>
+            </a:r>
+          </a:p>
+          <a:p>
+            <a:r>
+              <a:rPr lang="en-US" sz="1200" kern="1200" dirty="0" smtClean="0">
+                <a:solidFill>
+                  <a:schemeClr val="tx1"/>
+                </a:solidFill>
+                <a:latin typeface="+mn-lt"/>
+                <a:ea typeface="+mn-ea"/>
+                <a:cs typeface="+mn-cs"/>
+              </a:rPr>
+              <a:t>Relevant theoretical decisions</a:t>
+            </a:r>
+          </a:p>
+          <a:p>
+            <a:pPr lvl="0"/>
+            <a:r>
+              <a:rPr lang="en-US" sz="1200" kern="1200" dirty="0" smtClean="0">
+                <a:solidFill>
+                  <a:schemeClr val="tx1"/>
+                </a:solidFill>
+                <a:latin typeface="+mn-lt"/>
+                <a:ea typeface="+mn-ea"/>
+                <a:cs typeface="+mn-cs"/>
+              </a:rPr>
+              <a:t>What is an array, for what and how is it used?</a:t>
+            </a:r>
+          </a:p>
+          <a:p>
+            <a:pPr lvl="0"/>
+            <a:r>
+              <a:rPr lang="en-US" sz="1200" kern="1200" dirty="0" smtClean="0">
+                <a:solidFill>
+                  <a:schemeClr val="tx1"/>
+                </a:solidFill>
+                <a:latin typeface="+mn-lt"/>
+                <a:ea typeface="+mn-ea"/>
+                <a:cs typeface="+mn-cs"/>
+              </a:rPr>
+              <a:t>What is an </a:t>
+            </a:r>
+            <a:r>
+              <a:rPr lang="en-US" sz="1200" kern="1200" dirty="0" err="1" smtClean="0">
+                <a:solidFill>
+                  <a:schemeClr val="tx1"/>
+                </a:solidFill>
+                <a:latin typeface="+mn-lt"/>
+                <a:ea typeface="+mn-ea"/>
+                <a:cs typeface="+mn-cs"/>
+              </a:rPr>
+              <a:t>ArrayList</a:t>
+            </a:r>
+            <a:r>
+              <a:rPr lang="en-US" sz="1200" kern="1200" dirty="0" smtClean="0">
+                <a:solidFill>
+                  <a:schemeClr val="tx1"/>
+                </a:solidFill>
+                <a:latin typeface="+mn-lt"/>
+                <a:ea typeface="+mn-ea"/>
+                <a:cs typeface="+mn-cs"/>
+              </a:rPr>
+              <a:t>, for what and how is it used?</a:t>
+            </a:r>
+          </a:p>
+          <a:p>
+            <a:pPr lvl="0"/>
+            <a:r>
+              <a:rPr lang="en-US" sz="1200" kern="1200" dirty="0" smtClean="0">
+                <a:solidFill>
+                  <a:schemeClr val="tx1"/>
+                </a:solidFill>
+                <a:latin typeface="+mn-lt"/>
+                <a:ea typeface="+mn-ea"/>
+                <a:cs typeface="+mn-cs"/>
+              </a:rPr>
+              <a:t>What is the difference between an </a:t>
+            </a:r>
+            <a:r>
+              <a:rPr lang="en-US" sz="1200" kern="1200" dirty="0" err="1" smtClean="0">
+                <a:solidFill>
+                  <a:schemeClr val="tx1"/>
+                </a:solidFill>
+                <a:latin typeface="+mn-lt"/>
+                <a:ea typeface="+mn-ea"/>
+                <a:cs typeface="+mn-cs"/>
+              </a:rPr>
+              <a:t>ArrayList</a:t>
+            </a:r>
+            <a:r>
+              <a:rPr lang="en-US" sz="1200" kern="1200" dirty="0" smtClean="0">
+                <a:solidFill>
+                  <a:schemeClr val="tx1"/>
+                </a:solidFill>
+                <a:latin typeface="+mn-lt"/>
+                <a:ea typeface="+mn-ea"/>
+                <a:cs typeface="+mn-cs"/>
+              </a:rPr>
+              <a:t> and an array?</a:t>
+            </a:r>
+          </a:p>
+          <a:p>
+            <a:pPr lvl="0"/>
+            <a:r>
+              <a:rPr lang="en-US" sz="1200" kern="1200" dirty="0" smtClean="0">
+                <a:solidFill>
+                  <a:schemeClr val="tx1"/>
+                </a:solidFill>
+                <a:latin typeface="+mn-lt"/>
+                <a:ea typeface="+mn-ea"/>
+                <a:cs typeface="+mn-cs"/>
+              </a:rPr>
+              <a:t>Which other collections (Map, List, ...) have you knowledge about?</a:t>
+            </a:r>
+          </a:p>
+          <a:p>
+            <a:pPr lvl="0"/>
+            <a:r>
+              <a:rPr lang="en-US" sz="1200" kern="1200" dirty="0" smtClean="0">
+                <a:solidFill>
+                  <a:schemeClr val="tx1"/>
+                </a:solidFill>
+                <a:latin typeface="+mn-lt"/>
+                <a:ea typeface="+mn-ea"/>
+                <a:cs typeface="+mn-cs"/>
+              </a:rPr>
+              <a:t>What do you understand by the concept generic type, how is it used and what is its purpose?</a:t>
+            </a:r>
+          </a:p>
+          <a:p>
+            <a:pPr lvl="0"/>
+            <a:r>
+              <a:rPr lang="en-US" sz="1200" kern="1200" dirty="0" smtClean="0">
+                <a:solidFill>
+                  <a:schemeClr val="tx1"/>
+                </a:solidFill>
+                <a:latin typeface="+mn-lt"/>
+                <a:ea typeface="+mn-ea"/>
+                <a:cs typeface="+mn-cs"/>
+              </a:rPr>
+              <a:t>What is a </a:t>
+            </a:r>
+            <a:r>
+              <a:rPr lang="en-US" sz="1200" kern="1200" dirty="0" err="1" smtClean="0">
+                <a:solidFill>
+                  <a:schemeClr val="tx1"/>
+                </a:solidFill>
+                <a:latin typeface="+mn-lt"/>
+                <a:ea typeface="+mn-ea"/>
+                <a:cs typeface="+mn-cs"/>
+              </a:rPr>
+              <a:t>foreach</a:t>
+            </a:r>
+            <a:r>
+              <a:rPr lang="en-US" sz="1200" kern="1200" dirty="0" smtClean="0">
+                <a:solidFill>
+                  <a:schemeClr val="tx1"/>
+                </a:solidFill>
+                <a:latin typeface="+mn-lt"/>
+                <a:ea typeface="+mn-ea"/>
+                <a:cs typeface="+mn-cs"/>
+              </a:rPr>
+              <a:t> loop and what is its </a:t>
+            </a:r>
+            <a:r>
+              <a:rPr lang="en-US" sz="1200" kern="1200" smtClean="0">
+                <a:solidFill>
+                  <a:schemeClr val="tx1"/>
+                </a:solidFill>
+                <a:latin typeface="+mn-lt"/>
+                <a:ea typeface="+mn-ea"/>
+                <a:cs typeface="+mn-cs"/>
+              </a:rPr>
+              <a:t>purpose?</a:t>
+            </a:r>
+          </a:p>
+        </p:txBody>
+      </p:sp>
+      <p:sp>
+        <p:nvSpPr>
+          <p:cNvPr id="4" name="Slide Number Placeholder 3"/>
+          <p:cNvSpPr>
+            <a:spLocks noGrp="1"/>
+          </p:cNvSpPr>
+          <p:nvPr>
+            <p:ph type="sldNum" sz="quarter" idx="10"/>
+          </p:nvPr>
+        </p:nvSpPr>
+        <p:spPr/>
+        <p:txBody>
+          <a:bodyPr/>
+          <a:lstStyle/>
+          <a:p>
+            <a:fld id="{41BD0771-8E2D-46E3-8723-C8AF04A84B8E}" type="slidenum">
+              <a:rPr lang="en-US" smtClean="0"/>
+              <a:t>1</a:t>
+            </a:fld>
+            <a:endParaRPr lang="en-US"/>
+          </a:p>
+        </p:txBody>
+      </p:sp>
+    </p:spTree>
+  </p:cSld>
+  <p:clrMapOvr>
+    <a:masterClrMapping/>
+  </p:clrMapOvr>
+</p:notes>
 </file>
 
 <file path=ppt/slideLayouts/slideLayout1.xml><?xml version="1.0" encoding="utf-8"?>
@@ -4091,4 +4719,287 @@
   <a:objectDefaults/>
   <a:extraClrSchemeLst/>
 </a:theme>
+</file>
+
+<file path=ppt/theme/theme2.xml><?xml version="1.0" encoding="utf-8"?>
+<a:theme xmlns:a="http://schemas.openxmlformats.org/drawingml/2006/main" name="Office Theme">
+  <a:themeElements>
+    <a:clrScheme name="Office">
+      <a:dk1>
+        <a:sysClr val="windowText" lastClr="000000"/>
+      </a:dk1>
+      <a:lt1>
+        <a:sysClr val="window" lastClr="FFFFFF"/>
+      </a:lt1>
+      <a:dk2>
+        <a:srgbClr val="1F497D"/>
+      </a:dk2>
+      <a:lt2>
+        <a:srgbClr val="EEECE1"/>
+      </a:lt2>
+      <a:accent1>
+        <a:srgbClr val="4F81BD"/>
+      </a:accent1>
+      <a:accent2>
+        <a:srgbClr val="C0504D"/>
+      </a:accent2>
+      <a:accent3>
+        <a:srgbClr val="9BBB59"/>
+      </a:accent3>
+      <a:accent4>
+        <a:srgbClr val="8064A2"/>
+      </a:accent4>
+      <a:accent5>
+        <a:srgbClr val="4BACC6"/>
+      </a:accent5>
+      <a:accent6>
+        <a:srgbClr val="F79646"/>
+      </a:accent6>
+      <a:hlink>
+        <a:srgbClr val="0000FF"/>
+      </a:hlink>
+      <a:folHlink>
+        <a:srgbClr val="800080"/>
+      </a:folHlink>
+    </a:clrScheme>
+    <a:fontScheme name="Office">
+      <a:majorFont>
+        <a:latin typeface="Calibri"/>
+        <a:ea typeface=""/>
+        <a:cs typeface=""/>
+        <a:font script="Jpan" typeface="ＭＳ Ｐゴシック"/>
+        <a:font script="Hang" typeface="맑은 고딕"/>
+        <a:font script="Hans" typeface="宋体"/>
+        <a:font script="Hant" typeface="新細明體"/>
+        <a:font script="Arab" typeface="Times New Roman"/>
+        <a:font script="Hebr" typeface="Times New Roman"/>
+        <a:font script="Thai" typeface="Angsana New"/>
+        <a:font script="Ethi" typeface="Nyala"/>
+        <a:font script="Beng" typeface="Vrinda"/>
+        <a:font script="Gujr" typeface="Shruti"/>
+        <a:font script="Khmr" typeface="MoolBoran"/>
+        <a:font script="Knda" typeface="Tunga"/>
+        <a:font script="Guru" typeface="Raavi"/>
+        <a:font script="Cans" typeface="Euphemia"/>
+        <a:font script="Cher" typeface="Plantagenet Cherokee"/>
+        <a:font script="Yiii" typeface="Microsoft Yi Baiti"/>
+        <a:font script="Tibt" typeface="Microsoft Himalaya"/>
+        <a:font script="Thaa" typeface="MV Boli"/>
+        <a:font script="Deva" typeface="Mangal"/>
+        <a:font script="Telu" typeface="Gautami"/>
+        <a:font script="Taml" typeface="Latha"/>
+        <a:font script="Syrc" typeface="Estrangelo Edessa"/>
+        <a:font script="Orya" typeface="Kalinga"/>
+        <a:font script="Mlym" typeface="Kartika"/>
+        <a:font script="Laoo" typeface="DokChampa"/>
+        <a:font script="Sinh" typeface="Iskoola Pota"/>
+        <a:font script="Mong" typeface="Mongolian Baiti"/>
+        <a:font script="Viet" typeface="Times New Roman"/>
+        <a:font script="Uigh" typeface="Microsoft Uighur"/>
+      </a:majorFont>
+      <a:minorFont>
+        <a:latin typeface="Calibri"/>
+        <a:ea typeface=""/>
+        <a:cs typeface=""/>
+        <a:font script="Jpan" typeface="ＭＳ Ｐゴシック"/>
+        <a:font script="Hang" typeface="맑은 고딕"/>
+        <a:font script="Hans" typeface="宋体"/>
+        <a:font script="Hant" typeface="新細明體"/>
+        <a:font script="Arab" typeface="Arial"/>
+        <a:font script="Hebr" typeface="Arial"/>
+        <a:font script="Thai" typeface="Cordia New"/>
+        <a:font script="Ethi" typeface="Nyala"/>
+        <a:font script="Beng" typeface="Vrinda"/>
+        <a:font script="Gujr" typeface="Shruti"/>
+        <a:font script="Khmr" typeface="DaunPenh"/>
+        <a:font script="Knda" typeface="Tunga"/>
+        <a:font script="Guru" typeface="Raavi"/>
+        <a:font script="Cans" typeface="Euphemia"/>
+        <a:font script="Cher" typeface="Plantagenet Cherokee"/>
+        <a:font script="Yiii" typeface="Microsoft Yi Baiti"/>
+        <a:font script="Tibt" typeface="Microsoft Himalaya"/>
+        <a:font script="Thaa" typeface="MV Boli"/>
+        <a:font script="Deva" typeface="Mangal"/>
+        <a:font script="Telu" typeface="Gautami"/>
+        <a:font script="Taml" typeface="Latha"/>
+        <a:font script="Syrc" typeface="Estrangelo Edessa"/>
+        <a:font script="Orya" typeface="Kalinga"/>
+        <a:font script="Mlym" typeface="Kartika"/>
+        <a:font script="Laoo" typeface="DokChampa"/>
+        <a:font script="Sinh" typeface="Iskoola Pota"/>
+        <a:font script="Mong" typeface="Mongolian Baiti"/>
+        <a:font script="Viet" typeface="Arial"/>
+        <a:font script="Uigh" typeface="Microsoft Uighur"/>
+      </a:minorFont>
+    </a:fontScheme>
+    <a:fmtScheme name="Office">
+      <a:fillStyleLst>
+        <a:solidFill>
+          <a:schemeClr val="phClr"/>
+        </a:solidFill>
+        <a:gradFill rotWithShape="1">
+          <a:gsLst>
+            <a:gs pos="0">
+              <a:schemeClr val="phClr">
+                <a:tint val="50000"/>
+                <a:satMod val="300000"/>
+              </a:schemeClr>
+            </a:gs>
+            <a:gs pos="35000">
+              <a:schemeClr val="phClr">
+                <a:tint val="37000"/>
+                <a:satMod val="300000"/>
+              </a:schemeClr>
+            </a:gs>
+            <a:gs pos="100000">
+              <a:schemeClr val="phClr">
+                <a:tint val="15000"/>
+                <a:satMod val="350000"/>
+              </a:schemeClr>
+            </a:gs>
+          </a:gsLst>
+          <a:lin ang="16200000" scaled="1"/>
+        </a:gradFill>
+        <a:gradFill rotWithShape="1">
+          <a:gsLst>
+            <a:gs pos="0">
+              <a:schemeClr val="phClr">
+                <a:shade val="51000"/>
+                <a:satMod val="130000"/>
+              </a:schemeClr>
+            </a:gs>
+            <a:gs pos="80000">
+              <a:schemeClr val="phClr">
+                <a:shade val="93000"/>
+                <a:satMod val="130000"/>
+              </a:schemeClr>
+            </a:gs>
+            <a:gs pos="100000">
+              <a:schemeClr val="phClr">
+                <a:shade val="94000"/>
+                <a:satMod val="135000"/>
+              </a:schemeClr>
+            </a:gs>
+          </a:gsLst>
+          <a:lin ang="16200000" scaled="0"/>
+        </a:gradFill>
+      </a:fillStyleLst>
+      <a:lnStyleLst>
+        <a:ln w="9525" cap="flat" cmpd="sng" algn="ctr">
+          <a:solidFill>
+            <a:schemeClr val="phClr">
+              <a:shade val="95000"/>
+              <a:satMod val="105000"/>
+            </a:schemeClr>
+          </a:solidFill>
+          <a:prstDash val="solid"/>
+        </a:ln>
+        <a:ln w="25400" cap="flat" cmpd="sng" algn="ctr">
+          <a:solidFill>
+            <a:schemeClr val="phClr"/>
+          </a:solidFill>
+          <a:prstDash val="solid"/>
+        </a:ln>
+        <a:ln w="38100" cap="flat" cmpd="sng" algn="ctr">
+          <a:solidFill>
+            <a:schemeClr val="phClr"/>
+          </a:solidFill>
+          <a:prstDash val="solid"/>
+        </a:ln>
+      </a:lnStyleLst>
+      <a:effectStyleLst>
+        <a:effectStyle>
+          <a:effectLst>
+            <a:outerShdw blurRad="40000" dist="20000" dir="5400000" rotWithShape="0">
+              <a:srgbClr val="000000">
+                <a:alpha val="38000"/>
+              </a:srgbClr>
+            </a:outerShdw>
+          </a:effectLst>
+        </a:effectStyle>
+        <a:effectStyle>
+          <a:effectLst>
+            <a:outerShdw blurRad="40000" dist="23000" dir="5400000" rotWithShape="0">
+              <a:srgbClr val="000000">
+                <a:alpha val="35000"/>
+              </a:srgbClr>
+            </a:outerShdw>
+          </a:effectLst>
+        </a:effectStyle>
+        <a:effectStyle>
+          <a:effectLst>
+            <a:outerShdw blurRad="40000" dist="23000" dir="5400000" rotWithShape="0">
+              <a:srgbClr val="000000">
+                <a:alpha val="35000"/>
+              </a:srgbClr>
+            </a:outerShdw>
+          </a:effectLst>
+          <a:scene3d>
+            <a:camera prst="orthographicFront">
+              <a:rot lat="0" lon="0" rev="0"/>
+            </a:camera>
+            <a:lightRig rig="threePt" dir="t">
+              <a:rot lat="0" lon="0" rev="1200000"/>
+            </a:lightRig>
+          </a:scene3d>
+          <a:sp3d>
+            <a:bevelT w="63500" h="25400"/>
+          </a:sp3d>
+        </a:effectStyle>
+      </a:effectStyleLst>
+      <a:bgFillStyleLst>
+        <a:solidFill>
+          <a:schemeClr val="phClr"/>
+        </a:solidFill>
+        <a:gradFill rotWithShape="1">
+          <a:gsLst>
+            <a:gs pos="0">
+              <a:schemeClr val="phClr">
+                <a:tint val="40000"/>
+                <a:satMod val="350000"/>
+              </a:schemeClr>
+            </a:gs>
+            <a:gs pos="40000">
+              <a:schemeClr val="phClr">
+                <a:tint val="45000"/>
+                <a:shade val="99000"/>
+                <a:satMod val="350000"/>
+              </a:schemeClr>
+            </a:gs>
+            <a:gs pos="100000">
+              <a:schemeClr val="phClr">
+                <a:shade val="20000"/>
+                <a:satMod val="255000"/>
+              </a:schemeClr>
+            </a:gs>
+          </a:gsLst>
+          <a:path path="circle">
+            <a:fillToRect l="50000" t="-80000" r="50000" b="180000"/>
+          </a:path>
+        </a:gradFill>
+        <a:gradFill rotWithShape="1">
+          <a:gsLst>
+            <a:gs pos="0">
+              <a:schemeClr val="phClr">
+                <a:tint val="80000"/>
+                <a:satMod val="300000"/>
+              </a:schemeClr>
+            </a:gs>
+            <a:gs pos="100000">
+              <a:schemeClr val="phClr">
+                <a:shade val="30000"/>
+                <a:satMod val="200000"/>
+              </a:schemeClr>
+            </a:gs>
+          </a:gsLst>
+          <a:path path="circle">
+            <a:fillToRect l="50000" t="50000" r="50000" b="50000"/>
+          </a:path>
+        </a:gradFill>
+      </a:bgFillStyleLst>
+    </a:fmtScheme>
+  </a:themeElements>
+  <a:objectDefaults/>
+  <a:extraClrSchemeLst/>
+</a:theme>
 </file>
--- a/trunk/OOPExam/03 Arrays and Collections.pptx
+++ b/trunk/OOPExam/03 Arrays and Collections.pptx
@@ -5,7 +5,7 @@
     <p:sldMasterId id="2147483648" r:id="rId1"/>
   </p:sldMasterIdLst>
   <p:notesMasterIdLst>
-    <p:notesMasterId r:id="rId11"/>
+    <p:notesMasterId r:id="rId12"/>
   </p:notesMasterIdLst>
   <p:sldIdLst>
     <p:sldId id="256" r:id="rId2"/>
@@ -17,6 +17,7 @@
     <p:sldId id="262" r:id="rId8"/>
     <p:sldId id="260" r:id="rId9"/>
     <p:sldId id="263" r:id="rId10"/>
+    <p:sldId id="265" r:id="rId11"/>
   </p:sldIdLst>
   <p:sldSz cx="9144000" cy="6858000" type="screen4x3"/>
   <p:notesSz cx="6858000" cy="9144000"/>
@@ -200,7 +201,8 @@
           <a:p>
             <a:fld id="{28D99349-0304-4654-BB42-E73EAD9BEBC1}" type="datetimeFigureOut">
               <a:rPr lang="en-US" smtClean="0"/>
-              <a:t>1/12/2010</a:t>
+              <a:pPr/>
+              <a:t>1/17/2010</a:t>
             </a:fld>
             <a:endParaRPr lang="en-US"/>
           </a:p>
@@ -361,7 +363,8 @@
           <a:p>
             <a:fld id="{41BD0771-8E2D-46E3-8723-C8AF04A84B8E}" type="slidenum">
               <a:rPr lang="en-US" smtClean="0"/>
-              <a:t>‹#›</a:t>
+              <a:pPr/>
+              <a:t>‹nr.›</a:t>
             </a:fld>
             <a:endParaRPr lang="en-US"/>
           </a:p>
@@ -574,19 +577,11 @@
                 <a:ea typeface="+mn-ea"/>
                 <a:cs typeface="+mn-cs"/>
               </a:rPr>
-              <a:t>What is an </a:t>
-            </a:r>
-            <a:r>
-              <a:rPr lang="en-US" sz="1200" kern="1200" dirty="0" err="1" smtClean="0">
-                <a:solidFill>
-                  <a:schemeClr val="tx1"/>
-                </a:solidFill>
-                <a:latin typeface="+mn-lt"/>
-                <a:ea typeface="+mn-ea"/>
-                <a:cs typeface="+mn-cs"/>
-              </a:rPr>
-              <a:t>ArrayList</a:t>
-            </a:r>
+              <a:t>What is an ArrayList, for what and how is it used?</a:t>
+            </a:r>
+          </a:p>
+          <a:p>
+            <a:pPr lvl="0"/>
             <a:r>
               <a:rPr lang="en-US" sz="1200" kern="1200" dirty="0" smtClean="0">
                 <a:solidFill>
@@ -596,43 +591,7 @@
                 <a:ea typeface="+mn-ea"/>
                 <a:cs typeface="+mn-cs"/>
               </a:rPr>
-              <a:t>, for what and how is it used?</a:t>
-            </a:r>
-          </a:p>
-          <a:p>
-            <a:pPr lvl="0"/>
-            <a:r>
-              <a:rPr lang="en-US" sz="1200" kern="1200" dirty="0" smtClean="0">
-                <a:solidFill>
-                  <a:schemeClr val="tx1"/>
-                </a:solidFill>
-                <a:latin typeface="+mn-lt"/>
-                <a:ea typeface="+mn-ea"/>
-                <a:cs typeface="+mn-cs"/>
-              </a:rPr>
-              <a:t>What is the difference between an </a:t>
-            </a:r>
-            <a:r>
-              <a:rPr lang="en-US" sz="1200" kern="1200" dirty="0" err="1" smtClean="0">
-                <a:solidFill>
-                  <a:schemeClr val="tx1"/>
-                </a:solidFill>
-                <a:latin typeface="+mn-lt"/>
-                <a:ea typeface="+mn-ea"/>
-                <a:cs typeface="+mn-cs"/>
-              </a:rPr>
-              <a:t>ArrayList</a:t>
-            </a:r>
-            <a:r>
-              <a:rPr lang="en-US" sz="1200" kern="1200" dirty="0" smtClean="0">
-                <a:solidFill>
-                  <a:schemeClr val="tx1"/>
-                </a:solidFill>
-                <a:latin typeface="+mn-lt"/>
-                <a:ea typeface="+mn-ea"/>
-                <a:cs typeface="+mn-cs"/>
-              </a:rPr>
-              <a:t> and an array?</a:t>
+              <a:t>What is the difference between an ArrayList and an array?</a:t>
             </a:r>
           </a:p>
           <a:p>
@@ -696,18 +655,7 @@
                 <a:ea typeface="+mn-ea"/>
                 <a:cs typeface="+mn-cs"/>
               </a:rPr>
-              <a:t> loop and what is its </a:t>
-            </a:r>
-            <a:r>
-              <a:rPr lang="en-US" sz="1200" kern="1200" smtClean="0">
-                <a:solidFill>
-                  <a:schemeClr val="tx1"/>
-                </a:solidFill>
-                <a:latin typeface="+mn-lt"/>
-                <a:ea typeface="+mn-ea"/>
-                <a:cs typeface="+mn-cs"/>
-              </a:rPr>
-              <a:t>purpose?</a:t>
+              <a:t> loop and what is its purpose?</a:t>
             </a:r>
           </a:p>
         </p:txBody>
@@ -729,6 +677,7 @@
           <a:p>
             <a:fld id="{41BD0771-8E2D-46E3-8723-C8AF04A84B8E}" type="slidenum">
               <a:rPr lang="en-US" smtClean="0"/>
+              <a:pPr/>
               <a:t>1</a:t>
             </a:fld>
             <a:endParaRPr lang="en-US"/>
@@ -925,7 +874,7 @@
             <a:fld id="{3E57D7DC-7299-43C9-BAE2-F335855B8707}" type="datetimeFigureOut">
               <a:rPr lang="en-US" smtClean="0"/>
               <a:pPr/>
-              <a:t>1/12/2010</a:t>
+              <a:t>1/17/2010</a:t>
             </a:fld>
             <a:endParaRPr lang="da-DK"/>
           </a:p>
@@ -968,7 +917,7 @@
             <a:fld id="{DD09C360-10AD-4B5E-BF9F-FAB61C3D4D92}" type="slidenum">
               <a:rPr lang="da-DK" smtClean="0"/>
               <a:pPr/>
-              <a:t>‹#›</a:t>
+              <a:t>‹nr.›</a:t>
             </a:fld>
             <a:endParaRPr lang="da-DK"/>
           </a:p>
@@ -1092,7 +1041,7 @@
             <a:fld id="{3E57D7DC-7299-43C9-BAE2-F335855B8707}" type="datetimeFigureOut">
               <a:rPr lang="en-US" smtClean="0"/>
               <a:pPr/>
-              <a:t>1/12/2010</a:t>
+              <a:t>1/17/2010</a:t>
             </a:fld>
             <a:endParaRPr lang="da-DK"/>
           </a:p>
@@ -1135,7 +1084,7 @@
             <a:fld id="{DD09C360-10AD-4B5E-BF9F-FAB61C3D4D92}" type="slidenum">
               <a:rPr lang="da-DK" smtClean="0"/>
               <a:pPr/>
-              <a:t>‹#›</a:t>
+              <a:t>‹nr.›</a:t>
             </a:fld>
             <a:endParaRPr lang="da-DK"/>
           </a:p>
@@ -1269,7 +1218,7 @@
             <a:fld id="{3E57D7DC-7299-43C9-BAE2-F335855B8707}" type="datetimeFigureOut">
               <a:rPr lang="en-US" smtClean="0"/>
               <a:pPr/>
-              <a:t>1/12/2010</a:t>
+              <a:t>1/17/2010</a:t>
             </a:fld>
             <a:endParaRPr lang="da-DK"/>
           </a:p>
@@ -1312,7 +1261,7 @@
             <a:fld id="{DD09C360-10AD-4B5E-BF9F-FAB61C3D4D92}" type="slidenum">
               <a:rPr lang="da-DK" smtClean="0"/>
               <a:pPr/>
-              <a:t>‹#›</a:t>
+              <a:t>‹nr.›</a:t>
             </a:fld>
             <a:endParaRPr lang="da-DK"/>
           </a:p>
@@ -1436,7 +1385,7 @@
             <a:fld id="{3E57D7DC-7299-43C9-BAE2-F335855B8707}" type="datetimeFigureOut">
               <a:rPr lang="en-US" smtClean="0"/>
               <a:pPr/>
-              <a:t>1/12/2010</a:t>
+              <a:t>1/17/2010</a:t>
             </a:fld>
             <a:endParaRPr lang="da-DK"/>
           </a:p>
@@ -1479,7 +1428,7 @@
             <a:fld id="{DD09C360-10AD-4B5E-BF9F-FAB61C3D4D92}" type="slidenum">
               <a:rPr lang="da-DK" smtClean="0"/>
               <a:pPr/>
-              <a:t>‹#›</a:t>
+              <a:t>‹nr.›</a:t>
             </a:fld>
             <a:endParaRPr lang="da-DK"/>
           </a:p>
@@ -1679,7 +1628,7 @@
             <a:fld id="{3E57D7DC-7299-43C9-BAE2-F335855B8707}" type="datetimeFigureOut">
               <a:rPr lang="en-US" smtClean="0"/>
               <a:pPr/>
-              <a:t>1/12/2010</a:t>
+              <a:t>1/17/2010</a:t>
             </a:fld>
             <a:endParaRPr lang="da-DK"/>
           </a:p>
@@ -1722,7 +1671,7 @@
             <a:fld id="{DD09C360-10AD-4B5E-BF9F-FAB61C3D4D92}" type="slidenum">
               <a:rPr lang="da-DK" smtClean="0"/>
               <a:pPr/>
-              <a:t>‹#›</a:t>
+              <a:t>‹nr.›</a:t>
             </a:fld>
             <a:endParaRPr lang="da-DK"/>
           </a:p>
@@ -1964,7 +1913,7 @@
             <a:fld id="{3E57D7DC-7299-43C9-BAE2-F335855B8707}" type="datetimeFigureOut">
               <a:rPr lang="en-US" smtClean="0"/>
               <a:pPr/>
-              <a:t>1/12/2010</a:t>
+              <a:t>1/17/2010</a:t>
             </a:fld>
             <a:endParaRPr lang="da-DK"/>
           </a:p>
@@ -2007,7 +1956,7 @@
             <a:fld id="{DD09C360-10AD-4B5E-BF9F-FAB61C3D4D92}" type="slidenum">
               <a:rPr lang="da-DK" smtClean="0"/>
               <a:pPr/>
-              <a:t>‹#›</a:t>
+              <a:t>‹nr.›</a:t>
             </a:fld>
             <a:endParaRPr lang="da-DK"/>
           </a:p>
@@ -2383,7 +2332,7 @@
             <a:fld id="{3E57D7DC-7299-43C9-BAE2-F335855B8707}" type="datetimeFigureOut">
               <a:rPr lang="en-US" smtClean="0"/>
               <a:pPr/>
-              <a:t>1/12/2010</a:t>
+              <a:t>1/17/2010</a:t>
             </a:fld>
             <a:endParaRPr lang="da-DK"/>
           </a:p>
@@ -2426,7 +2375,7 @@
             <a:fld id="{DD09C360-10AD-4B5E-BF9F-FAB61C3D4D92}" type="slidenum">
               <a:rPr lang="da-DK" smtClean="0"/>
               <a:pPr/>
-              <a:t>‹#›</a:t>
+              <a:t>‹nr.›</a:t>
             </a:fld>
             <a:endParaRPr lang="da-DK"/>
           </a:p>
@@ -2498,7 +2447,7 @@
             <a:fld id="{3E57D7DC-7299-43C9-BAE2-F335855B8707}" type="datetimeFigureOut">
               <a:rPr lang="en-US" smtClean="0"/>
               <a:pPr/>
-              <a:t>1/12/2010</a:t>
+              <a:t>1/17/2010</a:t>
             </a:fld>
             <a:endParaRPr lang="da-DK"/>
           </a:p>
@@ -2541,7 +2490,7 @@
             <a:fld id="{DD09C360-10AD-4B5E-BF9F-FAB61C3D4D92}" type="slidenum">
               <a:rPr lang="da-DK" smtClean="0"/>
               <a:pPr/>
-              <a:t>‹#›</a:t>
+              <a:t>‹nr.›</a:t>
             </a:fld>
             <a:endParaRPr lang="da-DK"/>
           </a:p>
@@ -2590,7 +2539,7 @@
             <a:fld id="{3E57D7DC-7299-43C9-BAE2-F335855B8707}" type="datetimeFigureOut">
               <a:rPr lang="en-US" smtClean="0"/>
               <a:pPr/>
-              <a:t>1/12/2010</a:t>
+              <a:t>1/17/2010</a:t>
             </a:fld>
             <a:endParaRPr lang="da-DK"/>
           </a:p>
@@ -2633,7 +2582,7 @@
             <a:fld id="{DD09C360-10AD-4B5E-BF9F-FAB61C3D4D92}" type="slidenum">
               <a:rPr lang="da-DK" smtClean="0"/>
               <a:pPr/>
-              <a:t>‹#›</a:t>
+              <a:t>‹nr.›</a:t>
             </a:fld>
             <a:endParaRPr lang="da-DK"/>
           </a:p>
@@ -2864,7 +2813,7 @@
             <a:fld id="{3E57D7DC-7299-43C9-BAE2-F335855B8707}" type="datetimeFigureOut">
               <a:rPr lang="en-US" smtClean="0"/>
               <a:pPr/>
-              <a:t>1/12/2010</a:t>
+              <a:t>1/17/2010</a:t>
             </a:fld>
             <a:endParaRPr lang="da-DK"/>
           </a:p>
@@ -2907,7 +2856,7 @@
             <a:fld id="{DD09C360-10AD-4B5E-BF9F-FAB61C3D4D92}" type="slidenum">
               <a:rPr lang="da-DK" smtClean="0"/>
               <a:pPr/>
-              <a:t>‹#›</a:t>
+              <a:t>‹nr.›</a:t>
             </a:fld>
             <a:endParaRPr lang="da-DK"/>
           </a:p>
@@ -3114,7 +3063,7 @@
             <a:fld id="{3E57D7DC-7299-43C9-BAE2-F335855B8707}" type="datetimeFigureOut">
               <a:rPr lang="en-US" smtClean="0"/>
               <a:pPr/>
-              <a:t>1/12/2010</a:t>
+              <a:t>1/17/2010</a:t>
             </a:fld>
             <a:endParaRPr lang="da-DK"/>
           </a:p>
@@ -3157,7 +3106,7 @@
             <a:fld id="{DD09C360-10AD-4B5E-BF9F-FAB61C3D4D92}" type="slidenum">
               <a:rPr lang="da-DK" smtClean="0"/>
               <a:pPr/>
-              <a:t>‹#›</a:t>
+              <a:t>‹nr.›</a:t>
             </a:fld>
             <a:endParaRPr lang="da-DK"/>
           </a:p>
@@ -3324,7 +3273,7 @@
             <a:fld id="{3E57D7DC-7299-43C9-BAE2-F335855B8707}" type="datetimeFigureOut">
               <a:rPr lang="en-US" smtClean="0"/>
               <a:pPr/>
-              <a:t>1/12/2010</a:t>
+              <a:t>1/17/2010</a:t>
             </a:fld>
             <a:endParaRPr lang="da-DK"/>
           </a:p>
@@ -3403,7 +3352,7 @@
             <a:fld id="{DD09C360-10AD-4B5E-BF9F-FAB61C3D4D92}" type="slidenum">
               <a:rPr lang="da-DK" smtClean="0"/>
               <a:pPr/>
-              <a:t>‹#›</a:t>
+              <a:t>‹nr.›</a:t>
             </a:fld>
             <a:endParaRPr lang="da-DK"/>
           </a:p>
@@ -3747,6 +3696,77 @@
 </p:sld>
 </file>
 
+<file path=ppt/slides/slide10.xml><?xml version="1.0" encoding="utf-8"?>
+<p:sld xmlns:a="http://schemas.openxmlformats.org/drawingml/2006/main" xmlns:r="http://schemas.openxmlformats.org/officeDocument/2006/relationships" xmlns:p="http://schemas.openxmlformats.org/presentationml/2006/main">
+  <p:cSld>
+    <p:spTree>
+      <p:nvGrpSpPr>
+        <p:cNvPr id="1" name=""/>
+        <p:cNvGrpSpPr/>
+        <p:nvPr/>
+      </p:nvGrpSpPr>
+      <p:grpSpPr>
+        <a:xfrm>
+          <a:off x="0" y="0"/>
+          <a:ext cx="0" cy="0"/>
+          <a:chOff x="0" y="0"/>
+          <a:chExt cx="0" cy="0"/>
+        </a:xfrm>
+      </p:grpSpPr>
+      <p:sp>
+        <p:nvSpPr>
+          <p:cNvPr id="2" name="Title 1"/>
+          <p:cNvSpPr>
+            <a:spLocks noGrp="1"/>
+          </p:cNvSpPr>
+          <p:nvPr>
+            <p:ph type="title"/>
+          </p:nvPr>
+        </p:nvSpPr>
+        <p:spPr/>
+        <p:txBody>
+          <a:bodyPr/>
+          <a:lstStyle/>
+          <a:p>
+            <a:r>
+              <a:rPr lang="en-US" dirty="0" smtClean="0"/>
+              <a:t>Questions</a:t>
+            </a:r>
+            <a:r>
+              <a:rPr lang="en-US" dirty="0" smtClean="0"/>
+              <a:t>?</a:t>
+            </a:r>
+            <a:endParaRPr lang="en-US" dirty="0"/>
+          </a:p>
+        </p:txBody>
+      </p:sp>
+      <p:sp>
+        <p:nvSpPr>
+          <p:cNvPr id="3" name="Content Placeholder 2"/>
+          <p:cNvSpPr>
+            <a:spLocks noGrp="1"/>
+          </p:cNvSpPr>
+          <p:nvPr>
+            <p:ph idx="1"/>
+          </p:nvPr>
+        </p:nvSpPr>
+        <p:spPr/>
+        <p:txBody>
+          <a:bodyPr/>
+          <a:lstStyle/>
+          <a:p>
+            <a:endParaRPr lang="da-DK" dirty="0"/>
+          </a:p>
+        </p:txBody>
+      </p:sp>
+    </p:spTree>
+  </p:cSld>
+  <p:clrMapOvr>
+    <a:masterClrMapping/>
+  </p:clrMapOvr>
+</p:sld>
+</file>
+
 <file path=ppt/slides/slide2.xml><?xml version="1.0" encoding="utf-8"?>
 <p:sld xmlns:a="http://schemas.openxmlformats.org/drawingml/2006/main" xmlns:r="http://schemas.openxmlformats.org/officeDocument/2006/relationships" xmlns:p="http://schemas.openxmlformats.org/presentationml/2006/main">
   <p:cSld>
@@ -3781,7 +3801,7 @@
           <a:p>
             <a:r>
               <a:rPr lang="en-US" dirty="0" smtClean="0"/>
-              <a:t>Class</a:t>
+              <a:t>.Net Framework and Arrays</a:t>
             </a:r>
             <a:endParaRPr lang="en-US" dirty="0"/>
           </a:p>
@@ -3848,7 +3868,7 @@
           <a:p>
             <a:r>
               <a:rPr lang="en-US" dirty="0" smtClean="0"/>
-              <a:t>Class Example and Visibility</a:t>
+              <a:t>Array</a:t>
             </a:r>
             <a:endParaRPr lang="en-US" dirty="0"/>
           </a:p>
@@ -3899,39 +3919,6 @@
           </a:p>
         </p:txBody>
       </p:sp>
-      <p:pic>
-        <p:nvPicPr>
-          <p:cNvPr id="1028" name="Picture 4"/>
-          <p:cNvPicPr>
-            <a:picLocks noChangeAspect="1" noChangeArrowheads="1"/>
-          </p:cNvPicPr>
-          <p:nvPr/>
-        </p:nvPicPr>
-        <p:blipFill>
-          <a:blip r:embed="rId2"/>
-          <a:srcRect/>
-          <a:stretch>
-            <a:fillRect/>
-          </a:stretch>
-        </p:blipFill>
-        <p:spPr bwMode="auto">
-          <a:xfrm>
-            <a:off x="571472" y="2143116"/>
-            <a:ext cx="5648325" cy="4505325"/>
-          </a:xfrm>
-          <a:prstGeom prst="rect">
-            <a:avLst/>
-          </a:prstGeom>
-          <a:noFill/>
-          <a:ln w="9525">
-            <a:noFill/>
-            <a:miter lim="800000"/>
-            <a:headEnd/>
-            <a:tailEnd/>
-          </a:ln>
-          <a:effectLst/>
-        </p:spPr>
-      </p:pic>
     </p:spTree>
   </p:cSld>
   <p:clrMapOvr>
@@ -3974,7 +3961,7 @@
           <a:p>
             <a:r>
               <a:rPr lang="en-US" dirty="0" smtClean="0"/>
-              <a:t>Interfaces</a:t>
+              <a:t>ArrayList</a:t>
             </a:r>
             <a:endParaRPr lang="en-US" dirty="0"/>
           </a:p>
@@ -3995,65 +3982,10 @@
           <a:bodyPr/>
           <a:lstStyle/>
           <a:p>
-            <a:r>
-              <a:rPr lang="en-US" dirty="0" smtClean="0"/>
-              <a:t>“An </a:t>
-            </a:r>
-            <a:r>
-              <a:rPr lang="en-US" i="1" dirty="0" smtClean="0"/>
-              <a:t>interface is a contract that guarantees to a client how a class will behave”</a:t>
-            </a:r>
-          </a:p>
-          <a:p>
-            <a:endParaRPr lang="en-US" i="1" dirty="0" smtClean="0"/>
-          </a:p>
-          <a:p>
-            <a:r>
-              <a:rPr lang="en-US" dirty="0" smtClean="0"/>
-              <a:t>A Class can implement more the one interface</a:t>
-            </a:r>
-          </a:p>
-          <a:p>
-            <a:r>
-              <a:rPr lang="en-US" dirty="0" smtClean="0"/>
-              <a:t>Interfaces can be extended and combined</a:t>
-            </a:r>
-          </a:p>
-        </p:txBody>
-      </p:sp>
-      <p:pic>
-        <p:nvPicPr>
-          <p:cNvPr id="2050" name="Picture 2"/>
-          <p:cNvPicPr>
-            <a:picLocks noChangeAspect="1" noChangeArrowheads="1"/>
-          </p:cNvPicPr>
-          <p:nvPr/>
-        </p:nvPicPr>
-        <p:blipFill>
-          <a:blip r:embed="rId2"/>
-          <a:srcRect/>
-          <a:stretch>
-            <a:fillRect/>
-          </a:stretch>
-        </p:blipFill>
-        <p:spPr bwMode="auto">
-          <a:xfrm>
-            <a:off x="3000364" y="5286388"/>
-            <a:ext cx="2967818" cy="1104902"/>
-          </a:xfrm>
-          <a:prstGeom prst="rect">
-            <a:avLst/>
-          </a:prstGeom>
-          <a:noFill/>
-          <a:ln w="9525">
-            <a:noFill/>
-            <a:miter lim="800000"/>
-            <a:headEnd/>
-            <a:tailEnd/>
-          </a:ln>
-          <a:effectLst/>
-        </p:spPr>
-      </p:pic>
+            <a:endParaRPr lang="en-US" dirty="0" smtClean="0"/>
+          </a:p>
+        </p:txBody>
+      </p:sp>
     </p:spTree>
   </p:cSld>
   <p:clrMapOvr>
@@ -4096,7 +4028,7 @@
           <a:p>
             <a:r>
               <a:rPr lang="en-US" dirty="0" smtClean="0"/>
-              <a:t>Abstract Class</a:t>
+              <a:t>ArrayList</a:t>
             </a:r>
             <a:endParaRPr lang="en-US" dirty="0"/>
           </a:p>
@@ -4163,7 +4095,7 @@
           <a:p>
             <a:r>
               <a:rPr lang="en-US" dirty="0" smtClean="0"/>
-              <a:t>Abstract Class Vs Interface</a:t>
+              <a:t>Collections</a:t>
             </a:r>
             <a:endParaRPr lang="en-US" dirty="0"/>
           </a:p>
@@ -4225,12 +4157,14 @@
         </p:nvSpPr>
         <p:spPr/>
         <p:txBody>
-          <a:bodyPr/>
+          <a:bodyPr>
+            <a:normAutofit/>
+          </a:bodyPr>
           <a:lstStyle/>
           <a:p>
             <a:r>
               <a:rPr lang="en-US" dirty="0" smtClean="0"/>
-              <a:t>Garbage Collector</a:t>
+              <a:t>Indexers, Stack and Dictionaries</a:t>
             </a:r>
             <a:endParaRPr lang="en-US" dirty="0"/>
           </a:p>
@@ -4251,31 +4185,6 @@
           <a:bodyPr/>
           <a:lstStyle/>
           <a:p>
-            <a:r>
-              <a:rPr lang="en-US" dirty="0" smtClean="0"/>
-              <a:t>C# performs automatic garbage collection</a:t>
-            </a:r>
-          </a:p>
-          <a:p>
-            <a:pPr lvl="1"/>
-            <a:r>
-              <a:rPr lang="en-US" dirty="0" smtClean="0"/>
-              <a:t>Collection/removing objects that are marked as garbage</a:t>
-            </a:r>
-          </a:p>
-          <a:p>
-            <a:pPr lvl="1"/>
-            <a:r>
-              <a:rPr lang="en-US" dirty="0" smtClean="0"/>
-              <a:t>Object that no longer has a reference</a:t>
-            </a:r>
-          </a:p>
-          <a:p>
-            <a:pPr lvl="1"/>
-            <a:r>
-              <a:rPr lang="en-US" dirty="0" smtClean="0"/>
-              <a:t>C# programmers don’t need to worry about explicitly reclaiming memory that has become garbage </a:t>
-            </a:r>
             <a:endParaRPr lang="en-US" dirty="0"/>
           </a:p>
         </p:txBody>
@@ -4322,15 +4231,15 @@
           <a:p>
             <a:r>
               <a:rPr lang="en-US" dirty="0" smtClean="0"/>
-              <a:t>Use</a:t>
-            </a:r>
-            <a:r>
-              <a:rPr lang="da-DK" dirty="0" smtClean="0"/>
-              <a:t> i</a:t>
+              <a:t>O</a:t>
             </a:r>
             <a:r>
               <a:rPr lang="en-US" dirty="0" smtClean="0"/>
-              <a:t>n our program</a:t>
+              <a:t>ur </a:t>
+            </a:r>
+            <a:r>
+              <a:rPr lang="en-US" dirty="0" smtClean="0"/>
+              <a:t>program</a:t>
             </a:r>
             <a:endParaRPr lang="en-US" dirty="0"/>
           </a:p>

--- a/trunk/OOPExam/03 Arrays and Collections.pptx
+++ b/trunk/OOPExam/03 Arrays and Collections.pptx
@@ -679,6 +679,121 @@
               <a:rPr lang="en-US" smtClean="0"/>
               <a:pPr/>
               <a:t>1</a:t>
+            </a:fld>
+            <a:endParaRPr lang="en-US"/>
+          </a:p>
+        </p:txBody>
+      </p:sp>
+    </p:spTree>
+  </p:cSld>
+  <p:clrMapOvr>
+    <a:masterClrMapping/>
+  </p:clrMapOvr>
+</p:notes>
+</file>
+
+<file path=ppt/notesSlides/notesSlide2.xml><?xml version="1.0" encoding="utf-8"?>
+<p:notes xmlns:a="http://schemas.openxmlformats.org/drawingml/2006/main" xmlns:r="http://schemas.openxmlformats.org/officeDocument/2006/relationships" xmlns:p="http://schemas.openxmlformats.org/presentationml/2006/main">
+  <p:cSld>
+    <p:spTree>
+      <p:nvGrpSpPr>
+        <p:cNvPr id="1" name=""/>
+        <p:cNvGrpSpPr/>
+        <p:nvPr/>
+      </p:nvGrpSpPr>
+      <p:grpSpPr>
+        <a:xfrm>
+          <a:off x="0" y="0"/>
+          <a:ext cx="0" cy="0"/>
+          <a:chOff x="0" y="0"/>
+          <a:chExt cx="0" cy="0"/>
+        </a:xfrm>
+      </p:grpSpPr>
+      <p:sp>
+        <p:nvSpPr>
+          <p:cNvPr id="2" name="Pladsholder til diasbillede 1"/>
+          <p:cNvSpPr>
+            <a:spLocks noGrp="1" noRot="1" noChangeAspect="1"/>
+          </p:cNvSpPr>
+          <p:nvPr>
+            <p:ph type="sldImg"/>
+          </p:nvPr>
+        </p:nvSpPr>
+        <p:spPr/>
+      </p:sp>
+      <p:sp>
+        <p:nvSpPr>
+          <p:cNvPr id="3" name="Pladsholder til noter 2"/>
+          <p:cNvSpPr>
+            <a:spLocks noGrp="1"/>
+          </p:cNvSpPr>
+          <p:nvPr>
+            <p:ph type="body" idx="1"/>
+          </p:nvPr>
+        </p:nvSpPr>
+        <p:spPr/>
+        <p:txBody>
+          <a:bodyPr>
+            <a:normAutofit/>
+          </a:bodyPr>
+          <a:lstStyle/>
+          <a:p>
+            <a:r>
+              <a:rPr lang="en-US" sz="1200" kern="1200" baseline="0" dirty="0" smtClean="0">
+                <a:solidFill>
+                  <a:schemeClr val="tx1"/>
+                </a:solidFill>
+                <a:latin typeface="+mn-lt"/>
+                <a:ea typeface="+mn-ea"/>
+                <a:cs typeface="+mn-cs"/>
+              </a:rPr>
+              <a:t>An </a:t>
+            </a:r>
+            <a:r>
+              <a:rPr lang="en-US" sz="1200" i="1" kern="1200" baseline="0" dirty="0" smtClean="0">
+                <a:solidFill>
+                  <a:schemeClr val="tx1"/>
+                </a:solidFill>
+                <a:latin typeface="+mn-lt"/>
+                <a:ea typeface="+mn-ea"/>
+                <a:cs typeface="+mn-cs"/>
+              </a:rPr>
+              <a:t>array is an indexed collection of objects, all of the same type. C# arrays are </a:t>
+            </a:r>
+            <a:r>
+              <a:rPr lang="en-US" sz="1200" kern="1200" baseline="0" dirty="0" smtClean="0">
+                <a:solidFill>
+                  <a:schemeClr val="tx1"/>
+                </a:solidFill>
+                <a:latin typeface="+mn-lt"/>
+                <a:ea typeface="+mn-ea"/>
+                <a:cs typeface="+mn-cs"/>
+              </a:rPr>
+              <a:t>somewhat different from arrays in C++ because they are objects. This provides them with useful methods and properties.</a:t>
+            </a:r>
+            <a:endParaRPr lang="en-US" dirty="0"/>
+          </a:p>
+        </p:txBody>
+      </p:sp>
+      <p:sp>
+        <p:nvSpPr>
+          <p:cNvPr id="4" name="Pladsholder til diasnummer 3"/>
+          <p:cNvSpPr>
+            <a:spLocks noGrp="1"/>
+          </p:cNvSpPr>
+          <p:nvPr>
+            <p:ph type="sldNum" sz="quarter" idx="10"/>
+          </p:nvPr>
+        </p:nvSpPr>
+        <p:spPr/>
+        <p:txBody>
+          <a:bodyPr/>
+          <a:lstStyle/>
+          <a:p>
+            <a:fld id="{41BD0771-8E2D-46E3-8723-C8AF04A84B8E}" type="slidenum">
+              <a:rPr lang="en-US" smtClean="0"/>
+              <a:pPr/>
+              <a:t>2</a:t>
             </a:fld>
             <a:endParaRPr lang="en-US"/>
           </a:p>
@@ -3684,7 +3799,7 @@
           <a:bodyPr/>
           <a:lstStyle/>
           <a:p>
-            <a:endParaRPr lang="da-DK" dirty="0"/>
+            <a:endParaRPr lang="en-US"/>
           </a:p>
         </p:txBody>
       </p:sp>
@@ -3801,7 +3916,7 @@
           <a:p>
             <a:r>
               <a:rPr lang="en-US" dirty="0" smtClean="0"/>
-              <a:t>.Net Framework and Arrays</a:t>
+              <a:t>Array</a:t>
             </a:r>
             <a:endParaRPr lang="en-US" dirty="0"/>
           </a:p>
@@ -3822,7 +3937,40 @@
           <a:bodyPr/>
           <a:lstStyle/>
           <a:p>
-            <a:endParaRPr lang="da-DK"/>
+            <a:r>
+              <a:rPr lang="en-US" dirty="0" smtClean="0"/>
+              <a:t>Array is a Object</a:t>
+            </a:r>
+          </a:p>
+          <a:p>
+            <a:r>
+              <a:rPr lang="en-US" dirty="0" smtClean="0"/>
+              <a:t>Indexed Collection of Objects, all of the same type</a:t>
+            </a:r>
+            <a:endParaRPr lang="en-US" dirty="0" smtClean="0"/>
+          </a:p>
+          <a:p>
+            <a:r>
+              <a:rPr lang="en-US" sz="2400" i="1" dirty="0" smtClean="0"/>
+              <a:t>type[] array-name</a:t>
+            </a:r>
+            <a:r>
+              <a:rPr lang="en-US" sz="2400" i="1" dirty="0" smtClean="0"/>
+              <a:t>;</a:t>
+            </a:r>
+          </a:p>
+          <a:p>
+            <a:r>
+              <a:rPr lang="en-US" sz="2400" dirty="0" smtClean="0"/>
+              <a:t>int[] myIntArray</a:t>
+            </a:r>
+            <a:r>
+              <a:rPr lang="en-US" sz="2400" dirty="0" smtClean="0"/>
+              <a:t>;</a:t>
+            </a:r>
+          </a:p>
+          <a:p>
+            <a:endParaRPr lang="en-US" dirty="0"/>
           </a:p>
         </p:txBody>
       </p:sp>
@@ -3867,8 +4015,12 @@
           <a:lstStyle/>
           <a:p>
             <a:r>
+              <a:rPr lang="en-US" dirty="0" err="1" smtClean="0"/>
+              <a:t>.Net</a:t>
+            </a:r>
+            <a:r>
               <a:rPr lang="en-US" dirty="0" smtClean="0"/>
-              <a:t>Array</a:t>
+              <a:t> Framework and Arrays</a:t>
             </a:r>
             <a:endParaRPr lang="en-US" dirty="0"/>
           </a:p>
@@ -3889,7 +4041,7 @@
           <a:bodyPr/>
           <a:lstStyle/>
           <a:p>
-            <a:endParaRPr lang="da-DK" dirty="0"/>
+            <a:endParaRPr lang="en-US"/>
           </a:p>
         </p:txBody>
       </p:sp>
@@ -3915,7 +4067,7 @@
           </a:bodyPr>
           <a:lstStyle/>
           <a:p>
-            <a:endParaRPr lang="en-US" dirty="0"/>
+            <a:endParaRPr lang="en-US"/>
           </a:p>
         </p:txBody>
       </p:sp>
@@ -3960,10 +4112,10 @@
           <a:lstStyle/>
           <a:p>
             <a:r>
-              <a:rPr lang="en-US" dirty="0" smtClean="0"/>
+              <a:rPr lang="en-US" smtClean="0"/>
               <a:t>ArrayList</a:t>
             </a:r>
-            <a:endParaRPr lang="en-US" dirty="0"/>
+            <a:endParaRPr lang="en-US"/>
           </a:p>
         </p:txBody>
       </p:sp>
@@ -3982,7 +4134,7 @@
           <a:bodyPr/>
           <a:lstStyle/>
           <a:p>
-            <a:endParaRPr lang="en-US" dirty="0" smtClean="0"/>
+            <a:endParaRPr lang="en-US" smtClean="0"/>
           </a:p>
         </p:txBody>
       </p:sp>
@@ -4027,10 +4179,10 @@
           <a:lstStyle/>
           <a:p>
             <a:r>
-              <a:rPr lang="en-US" dirty="0" smtClean="0"/>
+              <a:rPr lang="en-US" smtClean="0"/>
               <a:t>ArrayList</a:t>
             </a:r>
-            <a:endParaRPr lang="en-US" dirty="0"/>
+            <a:endParaRPr lang="en-US"/>
           </a:p>
         </p:txBody>
       </p:sp>
@@ -4049,7 +4201,7 @@
           <a:bodyPr/>
           <a:lstStyle/>
           <a:p>
-            <a:endParaRPr lang="da-DK"/>
+            <a:endParaRPr lang="en-US"/>
           </a:p>
         </p:txBody>
       </p:sp>

--- a/trunk/OOPExam/03 Arrays and Collections.pptx
+++ b/trunk/OOPExam/03 Arrays and Collections.pptx
@@ -202,7 +202,7 @@
             <a:fld id="{28D99349-0304-4654-BB42-E73EAD9BEBC1}" type="datetimeFigureOut">
               <a:rPr lang="en-US" smtClean="0"/>
               <a:pPr/>
-              <a:t>1/17/2010</a:t>
+              <a:t>1/18/2010</a:t>
             </a:fld>
             <a:endParaRPr lang="en-US"/>
           </a:p>
@@ -769,7 +769,130 @@
                 <a:ea typeface="+mn-ea"/>
                 <a:cs typeface="+mn-cs"/>
               </a:rPr>
-              <a:t>somewhat different from arrays in C++ because they are objects. This provides them with useful methods and properties.</a:t>
+              <a:t>somewhat different from arrays in C++ because they are objects. This provides them with useful methods and properties</a:t>
+            </a:r>
+            <a:r>
+              <a:rPr lang="en-US" sz="1200" kern="1200" baseline="0" dirty="0" smtClean="0">
+                <a:solidFill>
+                  <a:schemeClr val="tx1"/>
+                </a:solidFill>
+                <a:latin typeface="+mn-lt"/>
+                <a:ea typeface="+mn-ea"/>
+                <a:cs typeface="+mn-cs"/>
+              </a:rPr>
+              <a:t>.</a:t>
+            </a:r>
+          </a:p>
+          <a:p>
+            <a:endParaRPr lang="en-US" sz="1200" kern="1200" baseline="0" dirty="0" smtClean="0">
+              <a:solidFill>
+                <a:schemeClr val="tx1"/>
+              </a:solidFill>
+              <a:latin typeface="+mn-lt"/>
+              <a:ea typeface="+mn-ea"/>
+              <a:cs typeface="+mn-cs"/>
+            </a:endParaRPr>
+          </a:p>
+          <a:p>
+            <a:r>
+              <a:rPr lang="en-US" sz="1200" kern="1200" baseline="0" dirty="0" smtClean="0">
+                <a:solidFill>
+                  <a:schemeClr val="tx1"/>
+                </a:solidFill>
+                <a:latin typeface="+mn-lt"/>
+                <a:ea typeface="+mn-ea"/>
+                <a:cs typeface="+mn-cs"/>
+              </a:rPr>
+              <a:t>Technically, you are declaring a variable (</a:t>
+            </a:r>
+            <a:r>
+              <a:rPr lang="en-US" sz="1200" kern="1200" baseline="0" dirty="0" err="1" smtClean="0">
+                <a:solidFill>
+                  <a:schemeClr val="tx1"/>
+                </a:solidFill>
+                <a:latin typeface="+mn-lt"/>
+                <a:ea typeface="+mn-ea"/>
+                <a:cs typeface="+mn-cs"/>
+              </a:rPr>
+              <a:t>myIntArray</a:t>
+            </a:r>
+            <a:r>
+              <a:rPr lang="en-US" sz="1200" kern="1200" baseline="0" dirty="0" smtClean="0">
+                <a:solidFill>
+                  <a:schemeClr val="tx1"/>
+                </a:solidFill>
+                <a:latin typeface="+mn-lt"/>
+                <a:ea typeface="+mn-ea"/>
+                <a:cs typeface="+mn-cs"/>
+              </a:rPr>
+              <a:t>) that will hold a reference to an array of integers. As always, we’ll use the shorthand and refer to </a:t>
+            </a:r>
+            <a:r>
+              <a:rPr lang="en-US" sz="1200" kern="1200" baseline="0" dirty="0" err="1" smtClean="0">
+                <a:solidFill>
+                  <a:schemeClr val="tx1"/>
+                </a:solidFill>
+                <a:latin typeface="+mn-lt"/>
+                <a:ea typeface="+mn-ea"/>
+                <a:cs typeface="+mn-cs"/>
+              </a:rPr>
+              <a:t>myIntArray</a:t>
+            </a:r>
+            <a:r>
+              <a:rPr lang="en-US" sz="1200" kern="1200" baseline="0" dirty="0" smtClean="0">
+                <a:solidFill>
+                  <a:schemeClr val="tx1"/>
+                </a:solidFill>
+                <a:latin typeface="+mn-lt"/>
+                <a:ea typeface="+mn-ea"/>
+                <a:cs typeface="+mn-cs"/>
+              </a:rPr>
+              <a:t> as the array, knowing that we really mean a variable that  olds a reference to an (unnamed) array.</a:t>
+            </a:r>
+          </a:p>
+          <a:p>
+            <a:endParaRPr lang="en-US" sz="1200" kern="1200" baseline="0" dirty="0" smtClean="0">
+              <a:solidFill>
+                <a:schemeClr val="tx1"/>
+              </a:solidFill>
+              <a:latin typeface="+mn-lt"/>
+              <a:ea typeface="+mn-ea"/>
+              <a:cs typeface="+mn-cs"/>
+            </a:endParaRPr>
+          </a:p>
+          <a:p>
+            <a:r>
+              <a:rPr lang="en-US" sz="1200" kern="1200" baseline="0" dirty="0" smtClean="0">
+                <a:solidFill>
+                  <a:schemeClr val="tx1"/>
+                </a:solidFill>
+                <a:latin typeface="+mn-lt"/>
+                <a:ea typeface="+mn-ea"/>
+                <a:cs typeface="+mn-cs"/>
+              </a:rPr>
+              <a:t>It is possible to initialize the contents of an array at the time it is instantiated </a:t>
+            </a:r>
+            <a:r>
+              <a:rPr lang="en-US" sz="1200" kern="1200" baseline="0" smtClean="0">
+                <a:solidFill>
+                  <a:schemeClr val="tx1"/>
+                </a:solidFill>
+                <a:latin typeface="+mn-lt"/>
+                <a:ea typeface="+mn-ea"/>
+                <a:cs typeface="+mn-cs"/>
+              </a:rPr>
+              <a:t>by providing a </a:t>
+            </a:r>
+            <a:r>
+              <a:rPr lang="en-US" sz="1200" kern="1200" baseline="0" dirty="0" smtClean="0">
+                <a:solidFill>
+                  <a:schemeClr val="tx1"/>
+                </a:solidFill>
+                <a:latin typeface="+mn-lt"/>
+                <a:ea typeface="+mn-ea"/>
+                <a:cs typeface="+mn-cs"/>
+              </a:rPr>
+              <a:t>list of values delimited by curly brackets ({}).</a:t>
             </a:r>
             <a:endParaRPr lang="en-US" dirty="0"/>
           </a:p>
@@ -989,7 +1112,7 @@
             <a:fld id="{3E57D7DC-7299-43C9-BAE2-F335855B8707}" type="datetimeFigureOut">
               <a:rPr lang="en-US" smtClean="0"/>
               <a:pPr/>
-              <a:t>1/17/2010</a:t>
+              <a:t>1/18/2010</a:t>
             </a:fld>
             <a:endParaRPr lang="da-DK"/>
           </a:p>
@@ -1156,7 +1279,7 @@
             <a:fld id="{3E57D7DC-7299-43C9-BAE2-F335855B8707}" type="datetimeFigureOut">
               <a:rPr lang="en-US" smtClean="0"/>
               <a:pPr/>
-              <a:t>1/17/2010</a:t>
+              <a:t>1/18/2010</a:t>
             </a:fld>
             <a:endParaRPr lang="da-DK"/>
           </a:p>
@@ -1333,7 +1456,7 @@
             <a:fld id="{3E57D7DC-7299-43C9-BAE2-F335855B8707}" type="datetimeFigureOut">
               <a:rPr lang="en-US" smtClean="0"/>
               <a:pPr/>
-              <a:t>1/17/2010</a:t>
+              <a:t>1/18/2010</a:t>
             </a:fld>
             <a:endParaRPr lang="da-DK"/>
           </a:p>
@@ -1500,7 +1623,7 @@
             <a:fld id="{3E57D7DC-7299-43C9-BAE2-F335855B8707}" type="datetimeFigureOut">
               <a:rPr lang="en-US" smtClean="0"/>
               <a:pPr/>
-              <a:t>1/17/2010</a:t>
+              <a:t>1/18/2010</a:t>
             </a:fld>
             <a:endParaRPr lang="da-DK"/>
           </a:p>
@@ -1743,7 +1866,7 @@
             <a:fld id="{3E57D7DC-7299-43C9-BAE2-F335855B8707}" type="datetimeFigureOut">
               <a:rPr lang="en-US" smtClean="0"/>
               <a:pPr/>
-              <a:t>1/17/2010</a:t>
+              <a:t>1/18/2010</a:t>
             </a:fld>
             <a:endParaRPr lang="da-DK"/>
           </a:p>
@@ -2028,7 +2151,7 @@
             <a:fld id="{3E57D7DC-7299-43C9-BAE2-F335855B8707}" type="datetimeFigureOut">
               <a:rPr lang="en-US" smtClean="0"/>
               <a:pPr/>
-              <a:t>1/17/2010</a:t>
+              <a:t>1/18/2010</a:t>
             </a:fld>
             <a:endParaRPr lang="da-DK"/>
           </a:p>
@@ -2447,7 +2570,7 @@
             <a:fld id="{3E57D7DC-7299-43C9-BAE2-F335855B8707}" type="datetimeFigureOut">
               <a:rPr lang="en-US" smtClean="0"/>
               <a:pPr/>
-              <a:t>1/17/2010</a:t>
+              <a:t>1/18/2010</a:t>
             </a:fld>
             <a:endParaRPr lang="da-DK"/>
           </a:p>
@@ -2562,7 +2685,7 @@
             <a:fld id="{3E57D7DC-7299-43C9-BAE2-F335855B8707}" type="datetimeFigureOut">
               <a:rPr lang="en-US" smtClean="0"/>
               <a:pPr/>
-              <a:t>1/17/2010</a:t>
+              <a:t>1/18/2010</a:t>
             </a:fld>
             <a:endParaRPr lang="da-DK"/>
           </a:p>
@@ -2654,7 +2777,7 @@
             <a:fld id="{3E57D7DC-7299-43C9-BAE2-F335855B8707}" type="datetimeFigureOut">
               <a:rPr lang="en-US" smtClean="0"/>
               <a:pPr/>
-              <a:t>1/17/2010</a:t>
+              <a:t>1/18/2010</a:t>
             </a:fld>
             <a:endParaRPr lang="da-DK"/>
           </a:p>
@@ -2928,7 +3051,7 @@
             <a:fld id="{3E57D7DC-7299-43C9-BAE2-F335855B8707}" type="datetimeFigureOut">
               <a:rPr lang="en-US" smtClean="0"/>
               <a:pPr/>
-              <a:t>1/17/2010</a:t>
+              <a:t>1/18/2010</a:t>
             </a:fld>
             <a:endParaRPr lang="da-DK"/>
           </a:p>
@@ -3178,7 +3301,7 @@
             <a:fld id="{3E57D7DC-7299-43C9-BAE2-F335855B8707}" type="datetimeFigureOut">
               <a:rPr lang="en-US" smtClean="0"/>
               <a:pPr/>
-              <a:t>1/17/2010</a:t>
+              <a:t>1/18/2010</a:t>
             </a:fld>
             <a:endParaRPr lang="da-DK"/>
           </a:p>
@@ -3388,7 +3511,7 @@
             <a:fld id="{3E57D7DC-7299-43C9-BAE2-F335855B8707}" type="datetimeFigureOut">
               <a:rPr lang="en-US" smtClean="0"/>
               <a:pPr/>
-              <a:t>1/17/2010</a:t>
+              <a:t>1/18/2010</a:t>
             </a:fld>
             <a:endParaRPr lang="da-DK"/>
           </a:p>
@@ -3845,11 +3968,7 @@
           <a:p>
             <a:r>
               <a:rPr lang="en-US" dirty="0" smtClean="0"/>
-              <a:t>Questions</a:t>
-            </a:r>
-            <a:r>
-              <a:rPr lang="en-US" dirty="0" smtClean="0"/>
-              <a:t>?</a:t>
+              <a:t>Questions?</a:t>
             </a:r>
             <a:endParaRPr lang="en-US" dirty="0"/>
           </a:p>
@@ -3945,29 +4064,104 @@
           <a:p>
             <a:r>
               <a:rPr lang="en-US" dirty="0" smtClean="0"/>
-              <a:t>Indexed Collection of Objects, all of the same type</a:t>
+              <a:t>Indexed Collection of Objects, all of the same </a:t>
+            </a:r>
+            <a:r>
+              <a:rPr lang="en-US" dirty="0" smtClean="0"/>
+              <a:t>type</a:t>
+            </a:r>
+          </a:p>
+          <a:p>
+            <a:r>
+              <a:rPr lang="en-US" dirty="0" smtClean="0"/>
+              <a:t>Basi</a:t>
+            </a:r>
+            <a:r>
+              <a:rPr lang="en-US" dirty="0" smtClean="0"/>
+              <a:t>c declaration and initialization</a:t>
             </a:r>
             <a:endParaRPr lang="en-US" dirty="0" smtClean="0"/>
           </a:p>
           <a:p>
-            <a:r>
-              <a:rPr lang="en-US" sz="2400" i="1" dirty="0" smtClean="0"/>
-              <a:t>type[] array-name</a:t>
-            </a:r>
-            <a:r>
-              <a:rPr lang="en-US" sz="2400" i="1" dirty="0" smtClean="0"/>
+            <a:pPr lvl="1"/>
+            <a:r>
+              <a:rPr lang="en-US" sz="2000" i="1" dirty="0" smtClean="0"/>
+              <a:t>type[] array-name;</a:t>
+            </a:r>
+          </a:p>
+          <a:p>
+            <a:pPr lvl="1"/>
+            <a:r>
+              <a:rPr lang="en-US" sz="2000" dirty="0" smtClean="0"/>
+              <a:t>int[] </a:t>
+            </a:r>
+            <a:r>
+              <a:rPr lang="en-US" sz="2000" dirty="0" err="1" smtClean="0"/>
+              <a:t>myIntArray</a:t>
+            </a:r>
+            <a:r>
+              <a:rPr lang="en-US" sz="2000" dirty="0" smtClean="0"/>
               <a:t>;</a:t>
             </a:r>
           </a:p>
           <a:p>
-            <a:r>
-              <a:rPr lang="en-US" sz="2400" dirty="0" smtClean="0"/>
-              <a:t>int[] myIntArray</a:t>
-            </a:r>
-            <a:r>
-              <a:rPr lang="en-US" sz="2400" dirty="0" smtClean="0"/>
-              <a:t>;</a:t>
-            </a:r>
+            <a:pPr lvl="1"/>
+            <a:r>
+              <a:rPr lang="en-US" sz="2000" dirty="0" err="1" smtClean="0"/>
+              <a:t>myIntArray</a:t>
+            </a:r>
+            <a:r>
+              <a:rPr lang="en-US" sz="2000" dirty="0" smtClean="0"/>
+              <a:t> = new </a:t>
+            </a:r>
+            <a:r>
+              <a:rPr lang="en-US" sz="2000" dirty="0" err="1" smtClean="0"/>
+              <a:t>int</a:t>
+            </a:r>
+            <a:r>
+              <a:rPr lang="en-US" sz="2000" dirty="0" smtClean="0"/>
+              <a:t>[5</a:t>
+            </a:r>
+            <a:r>
+              <a:rPr lang="en-US" sz="2000" dirty="0" smtClean="0"/>
+              <a:t>];</a:t>
+            </a:r>
+            <a:r>
+              <a:rPr lang="en-US" sz="2000" dirty="0" smtClean="0"/>
+              <a:t> </a:t>
+            </a:r>
+            <a:endParaRPr lang="en-US" sz="2000" dirty="0" smtClean="0"/>
+          </a:p>
+          <a:p>
+            <a:pPr lvl="1"/>
+            <a:r>
+              <a:rPr lang="en-US" sz="2000" dirty="0" err="1" smtClean="0"/>
+              <a:t>int</a:t>
+            </a:r>
+            <a:r>
+              <a:rPr lang="en-US" sz="2000" dirty="0" smtClean="0"/>
+              <a:t>[] </a:t>
+            </a:r>
+            <a:r>
+              <a:rPr lang="en-US" sz="2000" dirty="0" err="1" smtClean="0"/>
+              <a:t>myIntArray</a:t>
+            </a:r>
+            <a:r>
+              <a:rPr lang="en-US" sz="2000" dirty="0" smtClean="0"/>
+              <a:t> = new </a:t>
+            </a:r>
+            <a:r>
+              <a:rPr lang="en-US" sz="2000" dirty="0" err="1" smtClean="0"/>
+              <a:t>int</a:t>
+            </a:r>
+            <a:r>
+              <a:rPr lang="en-US" sz="2000" dirty="0" smtClean="0"/>
+              <a:t>[5] { 2, 4, 6, 8, 10 }</a:t>
+            </a:r>
+            <a:endParaRPr lang="en-US" sz="2000" dirty="0" smtClean="0"/>
+          </a:p>
+          <a:p>
+            <a:endParaRPr lang="en-US" sz="2400" dirty="0" smtClean="0"/>
           </a:p>
           <a:p>
             <a:endParaRPr lang="en-US" dirty="0"/>
@@ -4383,15 +4577,7 @@
           <a:p>
             <a:r>
               <a:rPr lang="en-US" dirty="0" smtClean="0"/>
-              <a:t>O</a:t>
-            </a:r>
-            <a:r>
-              <a:rPr lang="en-US" dirty="0" smtClean="0"/>
-              <a:t>ur </a:t>
-            </a:r>
-            <a:r>
-              <a:rPr lang="en-US" dirty="0" smtClean="0"/>
-              <a:t>program</a:t>
+              <a:t>Our program</a:t>
             </a:r>
             <a:endParaRPr lang="en-US" dirty="0"/>
           </a:p>

--- a/trunk/OOPExam/03 Arrays and Collections.pptx
+++ b/trunk/OOPExam/03 Arrays and Collections.pptx
@@ -9,8 +9,8 @@
   </p:notesMasterIdLst>
   <p:sldIdLst>
     <p:sldId id="256" r:id="rId2"/>
-    <p:sldId id="257" r:id="rId3"/>
-    <p:sldId id="261" r:id="rId4"/>
+    <p:sldId id="261" r:id="rId3"/>
+    <p:sldId id="257" r:id="rId4"/>
     <p:sldId id="259" r:id="rId5"/>
     <p:sldId id="258" r:id="rId6"/>
     <p:sldId id="264" r:id="rId7"/>
@@ -202,7 +202,7 @@
             <a:fld id="{28D99349-0304-4654-BB42-E73EAD9BEBC1}" type="datetimeFigureOut">
               <a:rPr lang="en-US" smtClean="0"/>
               <a:pPr/>
-              <a:t>1/18/2010</a:t>
+              <a:t>1/19/2010</a:t>
             </a:fld>
             <a:endParaRPr lang="en-US"/>
           </a:p>
@@ -747,6 +747,166 @@
                 <a:ea typeface="+mn-ea"/>
                 <a:cs typeface="+mn-cs"/>
               </a:rPr>
+              <a:t>most of these collection classes are now type-safe, making for a greatly enhanced programming experience. These classes include the Array, List, Dictionary, Sorted Dictionary, Queue, and Stack.</a:t>
+            </a:r>
+          </a:p>
+          <a:p>
+            <a:endParaRPr lang="en-US" sz="1200" kern="1200" baseline="0" dirty="0" smtClean="0">
+              <a:solidFill>
+                <a:schemeClr val="tx1"/>
+              </a:solidFill>
+              <a:latin typeface="+mn-lt"/>
+              <a:ea typeface="+mn-ea"/>
+              <a:cs typeface="+mn-cs"/>
+            </a:endParaRPr>
+          </a:p>
+          <a:p>
+            <a:r>
+              <a:rPr lang="en-US" sz="1200" kern="1200" baseline="0" dirty="0" smtClean="0">
+                <a:solidFill>
+                  <a:schemeClr val="tx1"/>
+                </a:solidFill>
+                <a:latin typeface="+mn-lt"/>
+                <a:ea typeface="+mn-ea"/>
+                <a:cs typeface="+mn-cs"/>
+              </a:rPr>
+              <a:t>The .NET Framework provides a number of interfaces, such as </a:t>
+            </a:r>
+            <a:r>
+              <a:rPr lang="en-US" sz="1200" kern="1200" baseline="0" dirty="0" err="1" smtClean="0">
+                <a:solidFill>
+                  <a:schemeClr val="tx1"/>
+                </a:solidFill>
+                <a:latin typeface="+mn-lt"/>
+                <a:ea typeface="+mn-ea"/>
+                <a:cs typeface="+mn-cs"/>
+              </a:rPr>
+              <a:t>IEnumerable</a:t>
+            </a:r>
+            <a:r>
+              <a:rPr lang="en-US" sz="1200" kern="1200" baseline="0" dirty="0" smtClean="0">
+                <a:solidFill>
+                  <a:schemeClr val="tx1"/>
+                </a:solidFill>
+                <a:latin typeface="+mn-lt"/>
+                <a:ea typeface="+mn-ea"/>
+                <a:cs typeface="+mn-cs"/>
+              </a:rPr>
+              <a:t> and </a:t>
+            </a:r>
+            <a:r>
+              <a:rPr lang="en-US" sz="1200" kern="1200" baseline="0" dirty="0" err="1" smtClean="0">
+                <a:solidFill>
+                  <a:schemeClr val="tx1"/>
+                </a:solidFill>
+                <a:latin typeface="+mn-lt"/>
+                <a:ea typeface="+mn-ea"/>
+                <a:cs typeface="+mn-cs"/>
+              </a:rPr>
+              <a:t>ICollection</a:t>
+            </a:r>
+            <a:r>
+              <a:rPr lang="en-US" sz="1200" kern="1200" baseline="0" dirty="0" smtClean="0">
+                <a:solidFill>
+                  <a:schemeClr val="tx1"/>
+                </a:solidFill>
+                <a:latin typeface="+mn-lt"/>
+                <a:ea typeface="+mn-ea"/>
+                <a:cs typeface="+mn-cs"/>
+              </a:rPr>
+              <a:t>, whose implementation provides you with standard ways to interact with collections.</a:t>
+            </a:r>
+            <a:endParaRPr lang="en-US" dirty="0"/>
+          </a:p>
+        </p:txBody>
+      </p:sp>
+      <p:sp>
+        <p:nvSpPr>
+          <p:cNvPr id="4" name="Pladsholder til diasnummer 3"/>
+          <p:cNvSpPr>
+            <a:spLocks noGrp="1"/>
+          </p:cNvSpPr>
+          <p:nvPr>
+            <p:ph type="sldNum" sz="quarter" idx="10"/>
+          </p:nvPr>
+        </p:nvSpPr>
+        <p:spPr/>
+        <p:txBody>
+          <a:bodyPr/>
+          <a:lstStyle/>
+          <a:p>
+            <a:fld id="{41BD0771-8E2D-46E3-8723-C8AF04A84B8E}" type="slidenum">
+              <a:rPr lang="en-US" smtClean="0"/>
+              <a:pPr/>
+              <a:t>2</a:t>
+            </a:fld>
+            <a:endParaRPr lang="en-US"/>
+          </a:p>
+        </p:txBody>
+      </p:sp>
+    </p:spTree>
+  </p:cSld>
+  <p:clrMapOvr>
+    <a:masterClrMapping/>
+  </p:clrMapOvr>
+</p:notes>
+</file>
+
+<file path=ppt/notesSlides/notesSlide3.xml><?xml version="1.0" encoding="utf-8"?>
+<p:notes xmlns:a="http://schemas.openxmlformats.org/drawingml/2006/main" xmlns:r="http://schemas.openxmlformats.org/officeDocument/2006/relationships" xmlns:p="http://schemas.openxmlformats.org/presentationml/2006/main">
+  <p:cSld>
+    <p:spTree>
+      <p:nvGrpSpPr>
+        <p:cNvPr id="1" name=""/>
+        <p:cNvGrpSpPr/>
+        <p:nvPr/>
+      </p:nvGrpSpPr>
+      <p:grpSpPr>
+        <a:xfrm>
+          <a:off x="0" y="0"/>
+          <a:ext cx="0" cy="0"/>
+          <a:chOff x="0" y="0"/>
+          <a:chExt cx="0" cy="0"/>
+        </a:xfrm>
+      </p:grpSpPr>
+      <p:sp>
+        <p:nvSpPr>
+          <p:cNvPr id="2" name="Pladsholder til diasbillede 1"/>
+          <p:cNvSpPr>
+            <a:spLocks noGrp="1" noRot="1" noChangeAspect="1"/>
+          </p:cNvSpPr>
+          <p:nvPr>
+            <p:ph type="sldImg"/>
+          </p:nvPr>
+        </p:nvSpPr>
+        <p:spPr/>
+      </p:sp>
+      <p:sp>
+        <p:nvSpPr>
+          <p:cNvPr id="3" name="Pladsholder til noter 2"/>
+          <p:cNvSpPr>
+            <a:spLocks noGrp="1"/>
+          </p:cNvSpPr>
+          <p:nvPr>
+            <p:ph type="body" idx="1"/>
+          </p:nvPr>
+        </p:nvSpPr>
+        <p:spPr/>
+        <p:txBody>
+          <a:bodyPr>
+            <a:normAutofit/>
+          </a:bodyPr>
+          <a:lstStyle/>
+          <a:p>
+            <a:r>
+              <a:rPr lang="en-US" sz="1200" kern="1200" baseline="0" dirty="0" smtClean="0">
+                <a:solidFill>
+                  <a:schemeClr val="tx1"/>
+                </a:solidFill>
+                <a:latin typeface="+mn-lt"/>
+                <a:ea typeface="+mn-ea"/>
+                <a:cs typeface="+mn-cs"/>
+              </a:rPr>
               <a:t>An </a:t>
             </a:r>
             <a:r>
@@ -769,18 +929,7 @@
                 <a:ea typeface="+mn-ea"/>
                 <a:cs typeface="+mn-cs"/>
               </a:rPr>
-              <a:t>somewhat different from arrays in C++ because they are objects. This provides them with useful methods and properties</a:t>
-            </a:r>
-            <a:r>
-              <a:rPr lang="en-US" sz="1200" kern="1200" baseline="0" dirty="0" smtClean="0">
-                <a:solidFill>
-                  <a:schemeClr val="tx1"/>
-                </a:solidFill>
-                <a:latin typeface="+mn-lt"/>
-                <a:ea typeface="+mn-ea"/>
-                <a:cs typeface="+mn-cs"/>
-              </a:rPr>
-              <a:t>.</a:t>
+              <a:t>somewhat different from arrays in C++ because they are objects. This provides them with useful methods and properties.</a:t>
             </a:r>
           </a:p>
           <a:p>
@@ -916,7 +1065,7 @@
             <a:fld id="{41BD0771-8E2D-46E3-8723-C8AF04A84B8E}" type="slidenum">
               <a:rPr lang="en-US" smtClean="0"/>
               <a:pPr/>
-              <a:t>2</a:t>
+              <a:t>3</a:t>
             </a:fld>
             <a:endParaRPr lang="en-US"/>
           </a:p>
@@ -1112,7 +1261,7 @@
             <a:fld id="{3E57D7DC-7299-43C9-BAE2-F335855B8707}" type="datetimeFigureOut">
               <a:rPr lang="en-US" smtClean="0"/>
               <a:pPr/>
-              <a:t>1/18/2010</a:t>
+              <a:t>1/19/2010</a:t>
             </a:fld>
             <a:endParaRPr lang="da-DK"/>
           </a:p>
@@ -1279,7 +1428,7 @@
             <a:fld id="{3E57D7DC-7299-43C9-BAE2-F335855B8707}" type="datetimeFigureOut">
               <a:rPr lang="en-US" smtClean="0"/>
               <a:pPr/>
-              <a:t>1/18/2010</a:t>
+              <a:t>1/19/2010</a:t>
             </a:fld>
             <a:endParaRPr lang="da-DK"/>
           </a:p>
@@ -1456,7 +1605,7 @@
             <a:fld id="{3E57D7DC-7299-43C9-BAE2-F335855B8707}" type="datetimeFigureOut">
               <a:rPr lang="en-US" smtClean="0"/>
               <a:pPr/>
-              <a:t>1/18/2010</a:t>
+              <a:t>1/19/2010</a:t>
             </a:fld>
             <a:endParaRPr lang="da-DK"/>
           </a:p>
@@ -1623,7 +1772,7 @@
             <a:fld id="{3E57D7DC-7299-43C9-BAE2-F335855B8707}" type="datetimeFigureOut">
               <a:rPr lang="en-US" smtClean="0"/>
               <a:pPr/>
-              <a:t>1/18/2010</a:t>
+              <a:t>1/19/2010</a:t>
             </a:fld>
             <a:endParaRPr lang="da-DK"/>
           </a:p>
@@ -1866,7 +2015,7 @@
             <a:fld id="{3E57D7DC-7299-43C9-BAE2-F335855B8707}" type="datetimeFigureOut">
               <a:rPr lang="en-US" smtClean="0"/>
               <a:pPr/>
-              <a:t>1/18/2010</a:t>
+              <a:t>1/19/2010</a:t>
             </a:fld>
             <a:endParaRPr lang="da-DK"/>
           </a:p>
@@ -2151,7 +2300,7 @@
             <a:fld id="{3E57D7DC-7299-43C9-BAE2-F335855B8707}" type="datetimeFigureOut">
               <a:rPr lang="en-US" smtClean="0"/>
               <a:pPr/>
-              <a:t>1/18/2010</a:t>
+              <a:t>1/19/2010</a:t>
             </a:fld>
             <a:endParaRPr lang="da-DK"/>
           </a:p>
@@ -2570,7 +2719,7 @@
             <a:fld id="{3E57D7DC-7299-43C9-BAE2-F335855B8707}" type="datetimeFigureOut">
               <a:rPr lang="en-US" smtClean="0"/>
               <a:pPr/>
-              <a:t>1/18/2010</a:t>
+              <a:t>1/19/2010</a:t>
             </a:fld>
             <a:endParaRPr lang="da-DK"/>
           </a:p>
@@ -2685,7 +2834,7 @@
             <a:fld id="{3E57D7DC-7299-43C9-BAE2-F335855B8707}" type="datetimeFigureOut">
               <a:rPr lang="en-US" smtClean="0"/>
               <a:pPr/>
-              <a:t>1/18/2010</a:t>
+              <a:t>1/19/2010</a:t>
             </a:fld>
             <a:endParaRPr lang="da-DK"/>
           </a:p>
@@ -2777,7 +2926,7 @@
             <a:fld id="{3E57D7DC-7299-43C9-BAE2-F335855B8707}" type="datetimeFigureOut">
               <a:rPr lang="en-US" smtClean="0"/>
               <a:pPr/>
-              <a:t>1/18/2010</a:t>
+              <a:t>1/19/2010</a:t>
             </a:fld>
             <a:endParaRPr lang="da-DK"/>
           </a:p>
@@ -3051,7 +3200,7 @@
             <a:fld id="{3E57D7DC-7299-43C9-BAE2-F335855B8707}" type="datetimeFigureOut">
               <a:rPr lang="en-US" smtClean="0"/>
               <a:pPr/>
-              <a:t>1/18/2010</a:t>
+              <a:t>1/19/2010</a:t>
             </a:fld>
             <a:endParaRPr lang="da-DK"/>
           </a:p>
@@ -3301,7 +3450,7 @@
             <a:fld id="{3E57D7DC-7299-43C9-BAE2-F335855B8707}" type="datetimeFigureOut">
               <a:rPr lang="en-US" smtClean="0"/>
               <a:pPr/>
-              <a:t>1/18/2010</a:t>
+              <a:t>1/19/2010</a:t>
             </a:fld>
             <a:endParaRPr lang="da-DK"/>
           </a:p>
@@ -3511,7 +3660,7 @@
             <a:fld id="{3E57D7DC-7299-43C9-BAE2-F335855B8707}" type="datetimeFigureOut">
               <a:rPr lang="en-US" smtClean="0"/>
               <a:pPr/>
-              <a:t>1/18/2010</a:t>
+              <a:t>1/19/2010</a:t>
             </a:fld>
             <a:endParaRPr lang="da-DK"/>
           </a:p>
@@ -4035,7 +4184,7 @@
           <a:p>
             <a:r>
               <a:rPr lang="en-US" dirty="0" smtClean="0"/>
-              <a:t>Array</a:t>
+              <a:t>.Net Framework and Arrays</a:t>
             </a:r>
             <a:endParaRPr lang="en-US" dirty="0"/>
           </a:p>
@@ -4058,112 +4207,44 @@
           <a:p>
             <a:r>
               <a:rPr lang="en-US" dirty="0" smtClean="0"/>
-              <a:t>Array is a Object</a:t>
+              <a:t>Type Safe</a:t>
             </a:r>
           </a:p>
           <a:p>
             <a:r>
               <a:rPr lang="en-US" dirty="0" smtClean="0"/>
-              <a:t>Indexed Collection of Objects, all of the same </a:t>
+              <a:t>Array, </a:t>
             </a:r>
             <a:r>
               <a:rPr lang="en-US" dirty="0" smtClean="0"/>
-              <a:t>type</a:t>
-            </a:r>
-          </a:p>
-          <a:p>
+              <a:t>List, Dictionary</a:t>
+            </a:r>
             <a:r>
               <a:rPr lang="en-US" dirty="0" smtClean="0"/>
-              <a:t>Basi</a:t>
+              <a:t>, Sorted Dictionary, </a:t>
             </a:r>
             <a:r>
               <a:rPr lang="en-US" dirty="0" smtClean="0"/>
-              <a:t>c declaration and initialization</a:t>
-            </a:r>
-            <a:endParaRPr lang="en-US" dirty="0" smtClean="0"/>
-          </a:p>
-          <a:p>
-            <a:pPr lvl="1"/>
-            <a:r>
-              <a:rPr lang="en-US" sz="2000" i="1" dirty="0" smtClean="0"/>
-              <a:t>type[] array-name;</a:t>
-            </a:r>
-          </a:p>
-          <a:p>
-            <a:pPr lvl="1"/>
-            <a:r>
-              <a:rPr lang="en-US" sz="2000" dirty="0" smtClean="0"/>
-              <a:t>int[] </a:t>
-            </a:r>
-            <a:r>
-              <a:rPr lang="en-US" sz="2000" dirty="0" err="1" smtClean="0"/>
-              <a:t>myIntArray</a:t>
-            </a:r>
-            <a:r>
-              <a:rPr lang="en-US" sz="2000" dirty="0" smtClean="0"/>
-              <a:t>;</a:t>
-            </a:r>
-          </a:p>
-          <a:p>
-            <a:pPr lvl="1"/>
-            <a:r>
-              <a:rPr lang="en-US" sz="2000" dirty="0" err="1" smtClean="0"/>
-              <a:t>myIntArray</a:t>
-            </a:r>
-            <a:r>
-              <a:rPr lang="en-US" sz="2000" dirty="0" smtClean="0"/>
-              <a:t> = new </a:t>
-            </a:r>
-            <a:r>
-              <a:rPr lang="en-US" sz="2000" dirty="0" err="1" smtClean="0"/>
-              <a:t>int</a:t>
-            </a:r>
-            <a:r>
-              <a:rPr lang="en-US" sz="2000" dirty="0" smtClean="0"/>
-              <a:t>[5</a:t>
-            </a:r>
-            <a:r>
-              <a:rPr lang="en-US" sz="2000" dirty="0" smtClean="0"/>
-              <a:t>];</a:t>
-            </a:r>
-            <a:r>
-              <a:rPr lang="en-US" sz="2000" dirty="0" smtClean="0"/>
-              <a:t> </a:t>
-            </a:r>
-            <a:endParaRPr lang="en-US" sz="2000" dirty="0" smtClean="0"/>
-          </a:p>
-          <a:p>
-            <a:pPr lvl="1"/>
-            <a:r>
-              <a:rPr lang="en-US" sz="2000" dirty="0" err="1" smtClean="0"/>
-              <a:t>int</a:t>
-            </a:r>
-            <a:r>
-              <a:rPr lang="en-US" sz="2000" dirty="0" smtClean="0"/>
-              <a:t>[] </a:t>
-            </a:r>
-            <a:r>
-              <a:rPr lang="en-US" sz="2000" dirty="0" err="1" smtClean="0"/>
-              <a:t>myIntArray</a:t>
-            </a:r>
-            <a:r>
-              <a:rPr lang="en-US" sz="2000" dirty="0" smtClean="0"/>
-              <a:t> = new </a:t>
-            </a:r>
-            <a:r>
-              <a:rPr lang="en-US" sz="2000" dirty="0" err="1" smtClean="0"/>
-              <a:t>int</a:t>
-            </a:r>
-            <a:r>
-              <a:rPr lang="en-US" sz="2000" dirty="0" smtClean="0"/>
-              <a:t>[5] { 2, 4, 6, 8, 10 }</a:t>
-            </a:r>
-            <a:endParaRPr lang="en-US" sz="2000" dirty="0" smtClean="0"/>
-          </a:p>
-          <a:p>
-            <a:endParaRPr lang="en-US" sz="2400" dirty="0" smtClean="0"/>
-          </a:p>
-          <a:p>
+              <a:t>Queue and Stack</a:t>
+            </a:r>
+          </a:p>
+          <a:p>
+            <a:r>
+              <a:rPr lang="en-US" dirty="0" smtClean="0"/>
+              <a:t>Interfaces </a:t>
+            </a:r>
+            <a:r>
+              <a:rPr lang="en-US" dirty="0" err="1" smtClean="0"/>
+              <a:t>IEnumerable</a:t>
+            </a:r>
+            <a:r>
+              <a:rPr lang="en-US" dirty="0" smtClean="0"/>
+              <a:t> and </a:t>
+            </a:r>
+            <a:r>
+              <a:rPr lang="en-US" dirty="0" err="1" smtClean="0"/>
+              <a:t>ICollection</a:t>
+            </a:r>
             <a:endParaRPr lang="en-US" dirty="0"/>
           </a:p>
         </p:txBody>
@@ -4209,12 +4290,8 @@
           <a:lstStyle/>
           <a:p>
             <a:r>
-              <a:rPr lang="en-US" dirty="0" err="1" smtClean="0"/>
-              <a:t>.Net</a:t>
-            </a:r>
-            <a:r>
               <a:rPr lang="en-US" dirty="0" smtClean="0"/>
-              <a:t> Framework and Arrays</a:t>
+              <a:t>Array</a:t>
             </a:r>
             <a:endParaRPr lang="en-US" dirty="0"/>
           </a:p>
@@ -4235,33 +4312,101 @@
           <a:bodyPr/>
           <a:lstStyle/>
           <a:p>
-            <a:endParaRPr lang="en-US"/>
-          </a:p>
-        </p:txBody>
-      </p:sp>
-      <p:sp>
-        <p:nvSpPr>
-          <p:cNvPr id="4" name="TextBox 3"/>
-          <p:cNvSpPr txBox="1"/>
-          <p:nvPr/>
-        </p:nvSpPr>
-        <p:spPr>
-          <a:xfrm>
-            <a:off x="1500166" y="2500306"/>
-            <a:ext cx="2571768" cy="369332"/>
-          </a:xfrm>
-          <a:prstGeom prst="rect">
-            <a:avLst/>
-          </a:prstGeom>
-          <a:noFill/>
-        </p:spPr>
-        <p:txBody>
-          <a:bodyPr wrap="square" rtlCol="0">
-            <a:spAutoFit/>
-          </a:bodyPr>
-          <a:lstStyle/>
-          <a:p>
-            <a:endParaRPr lang="en-US"/>
+            <a:r>
+              <a:rPr lang="en-US" dirty="0" smtClean="0"/>
+              <a:t>Array is a </a:t>
+            </a:r>
+            <a:r>
+              <a:rPr lang="en-US" dirty="0" smtClean="0"/>
+              <a:t>Object that contains Objects</a:t>
+            </a:r>
+            <a:endParaRPr lang="en-US" dirty="0" smtClean="0"/>
+          </a:p>
+          <a:p>
+            <a:r>
+              <a:rPr lang="en-US" dirty="0" smtClean="0"/>
+              <a:t>Indexed Collection of Objects, all of the same type</a:t>
+            </a:r>
+          </a:p>
+          <a:p>
+            <a:r>
+              <a:rPr lang="en-US" dirty="0" smtClean="0"/>
+              <a:t>Basic declaration and initialization</a:t>
+            </a:r>
+          </a:p>
+          <a:p>
+            <a:pPr lvl="1"/>
+            <a:r>
+              <a:rPr lang="en-US" sz="2000" i="1" dirty="0" smtClean="0"/>
+              <a:t>type[] array-name;</a:t>
+            </a:r>
+          </a:p>
+          <a:p>
+            <a:pPr lvl="1"/>
+            <a:r>
+              <a:rPr lang="en-US" sz="2000" dirty="0" smtClean="0"/>
+              <a:t>int[] </a:t>
+            </a:r>
+            <a:r>
+              <a:rPr lang="en-US" sz="2000" dirty="0" err="1" smtClean="0"/>
+              <a:t>myIntArray</a:t>
+            </a:r>
+            <a:r>
+              <a:rPr lang="en-US" sz="2000" dirty="0" smtClean="0"/>
+              <a:t>;</a:t>
+            </a:r>
+          </a:p>
+          <a:p>
+            <a:pPr lvl="1"/>
+            <a:r>
+              <a:rPr lang="en-US" sz="2000" dirty="0" err="1" smtClean="0"/>
+              <a:t>myIntArray</a:t>
+            </a:r>
+            <a:r>
+              <a:rPr lang="en-US" sz="2000" dirty="0" smtClean="0"/>
+              <a:t> = new </a:t>
+            </a:r>
+            <a:r>
+              <a:rPr lang="en-US" sz="2000" dirty="0" err="1" smtClean="0"/>
+              <a:t>int</a:t>
+            </a:r>
+            <a:r>
+              <a:rPr lang="en-US" sz="2000" dirty="0" smtClean="0"/>
+              <a:t>[5]; </a:t>
+            </a:r>
+          </a:p>
+          <a:p>
+            <a:pPr lvl="1"/>
+            <a:r>
+              <a:rPr lang="en-US" sz="2000" dirty="0" err="1" smtClean="0"/>
+              <a:t>int</a:t>
+            </a:r>
+            <a:r>
+              <a:rPr lang="en-US" sz="2000" dirty="0" smtClean="0"/>
+              <a:t>[] </a:t>
+            </a:r>
+            <a:r>
+              <a:rPr lang="en-US" sz="2000" dirty="0" err="1" smtClean="0"/>
+              <a:t>myIntArray</a:t>
+            </a:r>
+            <a:r>
+              <a:rPr lang="en-US" sz="2000" dirty="0" smtClean="0"/>
+              <a:t> = new </a:t>
+            </a:r>
+            <a:r>
+              <a:rPr lang="en-US" sz="2000" dirty="0" err="1" smtClean="0"/>
+              <a:t>int</a:t>
+            </a:r>
+            <a:r>
+              <a:rPr lang="en-US" sz="2000" dirty="0" smtClean="0"/>
+              <a:t>[5] { 2, 4, 6, 8, 10 }</a:t>
+            </a:r>
+          </a:p>
+          <a:p>
+            <a:endParaRPr lang="en-US" sz="2400" dirty="0" smtClean="0"/>
+          </a:p>
+          <a:p>
+            <a:endParaRPr lang="en-US" dirty="0"/>
           </a:p>
         </p:txBody>
       </p:sp>
@@ -4598,10 +4743,73 @@
           <a:bodyPr/>
           <a:lstStyle/>
           <a:p>
-            <a:endParaRPr lang="da-DK"/>
-          </a:p>
-        </p:txBody>
-      </p:sp>
+            <a:r>
+              <a:rPr lang="da-DK" dirty="0" smtClean="0"/>
+              <a:t>Black Jack Game</a:t>
+            </a:r>
+          </a:p>
+          <a:p>
+            <a:endParaRPr lang="da-DK" dirty="0" smtClean="0"/>
+          </a:p>
+          <a:p>
+            <a:r>
+              <a:rPr lang="da-DK" dirty="0" smtClean="0"/>
+              <a:t>Log</a:t>
+            </a:r>
+          </a:p>
+          <a:p>
+            <a:r>
+              <a:rPr lang="da-DK" dirty="0" smtClean="0"/>
+              <a:t>Save Log</a:t>
+            </a:r>
+            <a:endParaRPr lang="da-DK" dirty="0" smtClean="0"/>
+          </a:p>
+          <a:p>
+            <a:r>
+              <a:rPr lang="da-DK" dirty="0" smtClean="0"/>
+              <a:t>Beting</a:t>
+            </a:r>
+          </a:p>
+          <a:p>
+            <a:r>
+              <a:rPr lang="da-DK" dirty="0" smtClean="0"/>
+              <a:t>Hit</a:t>
+            </a:r>
+          </a:p>
+          <a:p>
+            <a:r>
+              <a:rPr lang="da-DK" dirty="0" smtClean="0"/>
+              <a:t>Stand</a:t>
+            </a:r>
+          </a:p>
+        </p:txBody>
+      </p:sp>
+      <p:pic>
+        <p:nvPicPr>
+          <p:cNvPr id="1026" name="Picture 2" descr="C:\Users\Martin\Desktop\Personal\Civil 3 Semester\projectwork\OOPExam\appScreenshot.png"/>
+          <p:cNvPicPr>
+            <a:picLocks noChangeAspect="1" noChangeArrowheads="1"/>
+          </p:cNvPicPr>
+          <p:nvPr/>
+        </p:nvPicPr>
+        <p:blipFill>
+          <a:blip r:embed="rId2" cstate="print"/>
+          <a:srcRect/>
+          <a:stretch>
+            <a:fillRect/>
+          </a:stretch>
+        </p:blipFill>
+        <p:spPr bwMode="auto">
+          <a:xfrm>
+            <a:off x="2714612" y="2500306"/>
+            <a:ext cx="6207028" cy="3430838"/>
+          </a:xfrm>
+          <a:prstGeom prst="rect">
+            <a:avLst/>
+          </a:prstGeom>
+          <a:noFill/>
+        </p:spPr>
+      </p:pic>
     </p:spTree>
   </p:cSld>
   <p:clrMapOvr>

--- a/trunk/OOPExam/03 Arrays and Collections.pptx
+++ b/trunk/OOPExam/03 Arrays and Collections.pptx
@@ -5,7 +5,7 @@
     <p:sldMasterId id="2147483648" r:id="rId1"/>
   </p:sldMasterIdLst>
   <p:notesMasterIdLst>
-    <p:notesMasterId r:id="rId12"/>
+    <p:notesMasterId r:id="rId13"/>
   </p:notesMasterIdLst>
   <p:sldIdLst>
     <p:sldId id="256" r:id="rId2"/>
@@ -17,7 +17,8 @@
     <p:sldId id="262" r:id="rId8"/>
     <p:sldId id="260" r:id="rId9"/>
     <p:sldId id="263" r:id="rId10"/>
-    <p:sldId id="265" r:id="rId11"/>
+    <p:sldId id="266" r:id="rId11"/>
+    <p:sldId id="265" r:id="rId12"/>
   </p:sldIdLst>
   <p:sldSz cx="9144000" cy="6858000" type="screen4x3"/>
   <p:notesSz cx="6858000" cy="9144000"/>
@@ -4117,6 +4118,81 @@
           <a:p>
             <a:r>
               <a:rPr lang="en-US" dirty="0" smtClean="0"/>
+              <a:t>Use</a:t>
+            </a:r>
+            <a:r>
+              <a:rPr lang="da-DK" dirty="0" smtClean="0"/>
+              <a:t> i</a:t>
+            </a:r>
+            <a:r>
+              <a:rPr lang="en-US" dirty="0" smtClean="0"/>
+              <a:t>n our program</a:t>
+            </a:r>
+            <a:endParaRPr lang="en-US" dirty="0"/>
+          </a:p>
+        </p:txBody>
+      </p:sp>
+      <p:sp>
+        <p:nvSpPr>
+          <p:cNvPr id="3" name="Content Placeholder 2"/>
+          <p:cNvSpPr>
+            <a:spLocks noGrp="1"/>
+          </p:cNvSpPr>
+          <p:nvPr>
+            <p:ph idx="1"/>
+          </p:nvPr>
+        </p:nvSpPr>
+        <p:spPr/>
+        <p:txBody>
+          <a:bodyPr/>
+          <a:lstStyle/>
+          <a:p>
+            <a:endParaRPr lang="da-DK"/>
+          </a:p>
+        </p:txBody>
+      </p:sp>
+    </p:spTree>
+  </p:cSld>
+  <p:clrMapOvr>
+    <a:masterClrMapping/>
+  </p:clrMapOvr>
+</p:sld>
+</file>
+
+<file path=ppt/slides/slide11.xml><?xml version="1.0" encoding="utf-8"?>
+<p:sld xmlns:a="http://schemas.openxmlformats.org/drawingml/2006/main" xmlns:r="http://schemas.openxmlformats.org/officeDocument/2006/relationships" xmlns:p="http://schemas.openxmlformats.org/presentationml/2006/main">
+  <p:cSld>
+    <p:spTree>
+      <p:nvGrpSpPr>
+        <p:cNvPr id="1" name=""/>
+        <p:cNvGrpSpPr/>
+        <p:nvPr/>
+      </p:nvGrpSpPr>
+      <p:grpSpPr>
+        <a:xfrm>
+          <a:off x="0" y="0"/>
+          <a:ext cx="0" cy="0"/>
+          <a:chOff x="0" y="0"/>
+          <a:chExt cx="0" cy="0"/>
+        </a:xfrm>
+      </p:grpSpPr>
+      <p:sp>
+        <p:nvSpPr>
+          <p:cNvPr id="2" name="Title 1"/>
+          <p:cNvSpPr>
+            <a:spLocks noGrp="1"/>
+          </p:cNvSpPr>
+          <p:nvPr>
+            <p:ph type="title"/>
+          </p:nvPr>
+        </p:nvSpPr>
+        <p:spPr/>
+        <p:txBody>
+          <a:bodyPr/>
+          <a:lstStyle/>
+          <a:p>
+            <a:r>
+              <a:rPr lang="en-US" dirty="0" smtClean="0"/>
               <a:t>Questions?</a:t>
             </a:r>
             <a:endParaRPr lang="en-US" dirty="0"/>
@@ -4852,15 +4928,7 @@
           <a:p>
             <a:r>
               <a:rPr lang="en-US" dirty="0" smtClean="0"/>
-              <a:t>Use</a:t>
-            </a:r>
-            <a:r>
-              <a:rPr lang="da-DK" dirty="0" smtClean="0"/>
-              <a:t> i</a:t>
-            </a:r>
-            <a:r>
-              <a:rPr lang="en-US" dirty="0" smtClean="0"/>
-              <a:t>n our program</a:t>
+              <a:t>Our program</a:t>
             </a:r>
             <a:endParaRPr lang="en-US" dirty="0"/>
           </a:p>
@@ -4881,10 +4949,36 @@
           <a:bodyPr/>
           <a:lstStyle/>
           <a:p>
-            <a:endParaRPr lang="da-DK"/>
-          </a:p>
-        </p:txBody>
-      </p:sp>
+            <a:endParaRPr lang="en-US"/>
+          </a:p>
+        </p:txBody>
+      </p:sp>
+      <p:pic>
+        <p:nvPicPr>
+          <p:cNvPr id="2050" name="Picture 2" descr="C:\Users\Martin\Desktop\Personal\Civil 3 Semester\projectwork\OOPExam\classDiagram.png"/>
+          <p:cNvPicPr>
+            <a:picLocks noChangeAspect="1" noChangeArrowheads="1"/>
+          </p:cNvPicPr>
+          <p:nvPr/>
+        </p:nvPicPr>
+        <p:blipFill>
+          <a:blip r:embed="rId2" cstate="print"/>
+          <a:srcRect/>
+          <a:stretch>
+            <a:fillRect/>
+          </a:stretch>
+        </p:blipFill>
+        <p:spPr bwMode="auto">
+          <a:xfrm>
+            <a:off x="4500562" y="3357562"/>
+            <a:ext cx="4430954" cy="3286148"/>
+          </a:xfrm>
+          <a:prstGeom prst="rect">
+            <a:avLst/>
+          </a:prstGeom>
+          <a:noFill/>
+        </p:spPr>
+      </p:pic>
     </p:spTree>
   </p:cSld>
   <p:clrMapOvr>

--- a/trunk/OOPExam/03 Arrays and Collections.pptx
+++ b/trunk/OOPExam/03 Arrays and Collections.pptx
@@ -14,10 +14,10 @@
     <p:sldId id="259" r:id="rId5"/>
     <p:sldId id="258" r:id="rId6"/>
     <p:sldId id="264" r:id="rId7"/>
-    <p:sldId id="262" r:id="rId8"/>
-    <p:sldId id="260" r:id="rId9"/>
-    <p:sldId id="263" r:id="rId10"/>
-    <p:sldId id="266" r:id="rId11"/>
+    <p:sldId id="267" r:id="rId8"/>
+    <p:sldId id="268" r:id="rId9"/>
+    <p:sldId id="260" r:id="rId10"/>
+    <p:sldId id="263" r:id="rId11"/>
     <p:sldId id="265" r:id="rId12"/>
   </p:sldIdLst>
   <p:sldSz cx="9144000" cy="6858000" type="screen4x3"/>
@@ -1020,10 +1020,10 @@
                 <a:ea typeface="+mn-ea"/>
                 <a:cs typeface="+mn-cs"/>
               </a:rPr>
-              <a:t>It is possible to initialize the contents of an array at the time it is instantiated </a:t>
-            </a:r>
-            <a:r>
-              <a:rPr lang="en-US" sz="1200" kern="1200" baseline="0" smtClean="0">
+              <a:t>It is possible to initialize the contents of an array at the time it is instantiated by providing a list of values delimited by curly brackets </a:t>
+            </a:r>
+            <a:r>
+              <a:rPr lang="en-US" sz="1200" kern="1200" baseline="0" dirty="0" smtClean="0">
                 <a:solidFill>
                   <a:schemeClr val="tx1"/>
                 </a:solidFill>
@@ -1031,8 +1031,20 @@
                 <a:ea typeface="+mn-ea"/>
                 <a:cs typeface="+mn-cs"/>
               </a:rPr>
-              <a:t>by providing a </a:t>
-            </a:r>
+              <a:t>({}).</a:t>
+            </a:r>
+          </a:p>
+          <a:p>
+            <a:endParaRPr lang="en-US" sz="1200" kern="1200" baseline="0" dirty="0" smtClean="0">
+              <a:solidFill>
+                <a:schemeClr val="tx1"/>
+              </a:solidFill>
+              <a:latin typeface="+mn-lt"/>
+              <a:ea typeface="+mn-ea"/>
+              <a:cs typeface="+mn-cs"/>
+            </a:endParaRPr>
+          </a:p>
+          <a:p>
             <a:r>
               <a:rPr lang="en-US" sz="1200" kern="1200" baseline="0" dirty="0" smtClean="0">
                 <a:solidFill>
@@ -1042,7 +1054,143 @@
                 <a:ea typeface="+mn-ea"/>
                 <a:cs typeface="+mn-cs"/>
               </a:rPr>
-              <a:t>list of values delimited by curly brackets ({}).</a:t>
+              <a:t>Multidimensional Arrays: </a:t>
+            </a:r>
+          </a:p>
+          <a:p>
+            <a:r>
+              <a:rPr lang="en-US" sz="1200" kern="1200" baseline="0" dirty="0" err="1" smtClean="0">
+                <a:solidFill>
+                  <a:schemeClr val="tx1"/>
+                </a:solidFill>
+                <a:latin typeface="+mn-lt"/>
+                <a:ea typeface="+mn-ea"/>
+                <a:cs typeface="+mn-cs"/>
+              </a:rPr>
+              <a:t>int</a:t>
+            </a:r>
+            <a:r>
+              <a:rPr lang="en-US" sz="1200" kern="1200" baseline="0" dirty="0" smtClean="0">
+                <a:solidFill>
+                  <a:schemeClr val="tx1"/>
+                </a:solidFill>
+                <a:latin typeface="+mn-lt"/>
+                <a:ea typeface="+mn-ea"/>
+                <a:cs typeface="+mn-cs"/>
+              </a:rPr>
+              <a:t>[,] </a:t>
+            </a:r>
+            <a:r>
+              <a:rPr lang="en-US" sz="1200" kern="1200" baseline="0" dirty="0" err="1" smtClean="0">
+                <a:solidFill>
+                  <a:schemeClr val="tx1"/>
+                </a:solidFill>
+                <a:latin typeface="+mn-lt"/>
+                <a:ea typeface="+mn-ea"/>
+                <a:cs typeface="+mn-cs"/>
+              </a:rPr>
+              <a:t>rectangularArray</a:t>
+            </a:r>
+            <a:r>
+              <a:rPr lang="en-US" sz="1200" kern="1200" baseline="0" dirty="0" smtClean="0">
+                <a:solidFill>
+                  <a:schemeClr val="tx1"/>
+                </a:solidFill>
+                <a:latin typeface="+mn-lt"/>
+                <a:ea typeface="+mn-ea"/>
+                <a:cs typeface="+mn-cs"/>
+              </a:rPr>
+              <a:t> = new </a:t>
+            </a:r>
+            <a:r>
+              <a:rPr lang="en-US" sz="1200" kern="1200" baseline="0" dirty="0" err="1" smtClean="0">
+                <a:solidFill>
+                  <a:schemeClr val="tx1"/>
+                </a:solidFill>
+                <a:latin typeface="+mn-lt"/>
+                <a:ea typeface="+mn-ea"/>
+                <a:cs typeface="+mn-cs"/>
+              </a:rPr>
+              <a:t>int</a:t>
+            </a:r>
+            <a:r>
+              <a:rPr lang="en-US" sz="1200" kern="1200" baseline="0" dirty="0" smtClean="0">
+                <a:solidFill>
+                  <a:schemeClr val="tx1"/>
+                </a:solidFill>
+                <a:latin typeface="+mn-lt"/>
+                <a:ea typeface="+mn-ea"/>
+                <a:cs typeface="+mn-cs"/>
+              </a:rPr>
+              <a:t>[rows, columns];</a:t>
+            </a:r>
+          </a:p>
+          <a:p>
+            <a:r>
+              <a:rPr lang="en-US" sz="1200" kern="1200" baseline="0" dirty="0" err="1" smtClean="0">
+                <a:solidFill>
+                  <a:schemeClr val="tx1"/>
+                </a:solidFill>
+                <a:latin typeface="+mn-lt"/>
+                <a:ea typeface="+mn-ea"/>
+                <a:cs typeface="+mn-cs"/>
+              </a:rPr>
+              <a:t>int</a:t>
+            </a:r>
+            <a:r>
+              <a:rPr lang="en-US" sz="1200" kern="1200" baseline="0" dirty="0" smtClean="0">
+                <a:solidFill>
+                  <a:schemeClr val="tx1"/>
+                </a:solidFill>
+                <a:latin typeface="+mn-lt"/>
+                <a:ea typeface="+mn-ea"/>
+                <a:cs typeface="+mn-cs"/>
+              </a:rPr>
+              <a:t>[][] </a:t>
+            </a:r>
+            <a:r>
+              <a:rPr lang="en-US" sz="1200" kern="1200" baseline="0" dirty="0" err="1" smtClean="0">
+                <a:solidFill>
+                  <a:schemeClr val="tx1"/>
+                </a:solidFill>
+                <a:latin typeface="+mn-lt"/>
+                <a:ea typeface="+mn-ea"/>
+                <a:cs typeface="+mn-cs"/>
+              </a:rPr>
+              <a:t>jaggedArray</a:t>
+            </a:r>
+            <a:r>
+              <a:rPr lang="en-US" sz="1200" kern="1200" baseline="0" dirty="0" smtClean="0">
+                <a:solidFill>
+                  <a:schemeClr val="tx1"/>
+                </a:solidFill>
+                <a:latin typeface="+mn-lt"/>
+                <a:ea typeface="+mn-ea"/>
+                <a:cs typeface="+mn-cs"/>
+              </a:rPr>
+              <a:t> = new </a:t>
+            </a:r>
+            <a:r>
+              <a:rPr lang="en-US" sz="1200" kern="1200" baseline="0" dirty="0" err="1" smtClean="0">
+                <a:solidFill>
+                  <a:schemeClr val="tx1"/>
+                </a:solidFill>
+                <a:latin typeface="+mn-lt"/>
+                <a:ea typeface="+mn-ea"/>
+                <a:cs typeface="+mn-cs"/>
+              </a:rPr>
+              <a:t>int</a:t>
+            </a:r>
+            <a:r>
+              <a:rPr lang="en-US" sz="1200" kern="1200" baseline="0" dirty="0" smtClean="0">
+                <a:solidFill>
+                  <a:schemeClr val="tx1"/>
+                </a:solidFill>
+                <a:latin typeface="+mn-lt"/>
+                <a:ea typeface="+mn-ea"/>
+                <a:cs typeface="+mn-cs"/>
+              </a:rPr>
+              <a:t>[rows][];</a:t>
             </a:r>
             <a:endParaRPr lang="en-US" dirty="0"/>
           </a:p>
@@ -1067,6 +1215,863 @@
               <a:rPr lang="en-US" smtClean="0"/>
               <a:pPr/>
               <a:t>3</a:t>
+            </a:fld>
+            <a:endParaRPr lang="en-US"/>
+          </a:p>
+        </p:txBody>
+      </p:sp>
+    </p:spTree>
+  </p:cSld>
+  <p:clrMapOvr>
+    <a:masterClrMapping/>
+  </p:clrMapOvr>
+</p:notes>
+</file>
+
+<file path=ppt/notesSlides/notesSlide4.xml><?xml version="1.0" encoding="utf-8"?>
+<p:notes xmlns:a="http://schemas.openxmlformats.org/drawingml/2006/main" xmlns:r="http://schemas.openxmlformats.org/officeDocument/2006/relationships" xmlns:p="http://schemas.openxmlformats.org/presentationml/2006/main">
+  <p:cSld>
+    <p:spTree>
+      <p:nvGrpSpPr>
+        <p:cNvPr id="1" name=""/>
+        <p:cNvGrpSpPr/>
+        <p:nvPr/>
+      </p:nvGrpSpPr>
+      <p:grpSpPr>
+        <a:xfrm>
+          <a:off x="0" y="0"/>
+          <a:ext cx="0" cy="0"/>
+          <a:chOff x="0" y="0"/>
+          <a:chExt cx="0" cy="0"/>
+        </a:xfrm>
+      </p:grpSpPr>
+      <p:sp>
+        <p:nvSpPr>
+          <p:cNvPr id="2" name="Pladsholder til diasbillede 1"/>
+          <p:cNvSpPr>
+            <a:spLocks noGrp="1" noRot="1" noChangeAspect="1"/>
+          </p:cNvSpPr>
+          <p:nvPr>
+            <p:ph type="sldImg"/>
+          </p:nvPr>
+        </p:nvSpPr>
+        <p:spPr/>
+      </p:sp>
+      <p:sp>
+        <p:nvSpPr>
+          <p:cNvPr id="3" name="Pladsholder til noter 2"/>
+          <p:cNvSpPr>
+            <a:spLocks noGrp="1"/>
+          </p:cNvSpPr>
+          <p:nvPr>
+            <p:ph type="body" idx="1"/>
+          </p:nvPr>
+        </p:nvSpPr>
+        <p:spPr/>
+        <p:txBody>
+          <a:bodyPr>
+            <a:normAutofit/>
+          </a:bodyPr>
+          <a:lstStyle/>
+          <a:p>
+            <a:r>
+              <a:rPr lang="en-US" sz="1200" kern="1200" baseline="0" dirty="0" smtClean="0">
+                <a:solidFill>
+                  <a:schemeClr val="tx1"/>
+                </a:solidFill>
+                <a:latin typeface="+mn-lt"/>
+                <a:ea typeface="+mn-ea"/>
+                <a:cs typeface="+mn-cs"/>
+              </a:rPr>
+              <a:t>In previous versions of C#, the collection objects were not type-safe (you could, for example, mix strings and integers in a Dictionary). The </a:t>
+            </a:r>
+            <a:r>
+              <a:rPr lang="en-US" sz="1200" kern="1200" baseline="0" dirty="0" err="1" smtClean="0">
+                <a:solidFill>
+                  <a:schemeClr val="tx1"/>
+                </a:solidFill>
+                <a:latin typeface="+mn-lt"/>
+                <a:ea typeface="+mn-ea"/>
+                <a:cs typeface="+mn-cs"/>
+              </a:rPr>
+              <a:t>nontype</a:t>
+            </a:r>
+            <a:r>
+              <a:rPr lang="en-US" sz="1200" kern="1200" baseline="0" dirty="0" smtClean="0">
+                <a:solidFill>
+                  <a:schemeClr val="tx1"/>
+                </a:solidFill>
+                <a:latin typeface="+mn-lt"/>
+                <a:ea typeface="+mn-ea"/>
+                <a:cs typeface="+mn-cs"/>
+              </a:rPr>
+              <a:t>-safe versions of List (</a:t>
+            </a:r>
+            <a:r>
+              <a:rPr lang="en-US" sz="1200" kern="1200" baseline="0" dirty="0" err="1" smtClean="0">
+                <a:solidFill>
+                  <a:schemeClr val="tx1"/>
+                </a:solidFill>
+                <a:latin typeface="+mn-lt"/>
+                <a:ea typeface="+mn-ea"/>
+                <a:cs typeface="+mn-cs"/>
+              </a:rPr>
+              <a:t>ArrayList</a:t>
+            </a:r>
+            <a:r>
+              <a:rPr lang="en-US" sz="1200" kern="1200" baseline="0" dirty="0" smtClean="0">
+                <a:solidFill>
+                  <a:schemeClr val="tx1"/>
+                </a:solidFill>
+                <a:latin typeface="+mn-lt"/>
+                <a:ea typeface="+mn-ea"/>
+                <a:cs typeface="+mn-cs"/>
+              </a:rPr>
+              <a:t>), Dictionary, Queue, and Stack are still available for backward compatibility</a:t>
+            </a:r>
+          </a:p>
+          <a:p>
+            <a:endParaRPr lang="en-US" sz="1200" kern="1200" baseline="0" dirty="0" smtClean="0">
+              <a:solidFill>
+                <a:schemeClr val="tx1"/>
+              </a:solidFill>
+              <a:latin typeface="+mn-lt"/>
+              <a:ea typeface="+mn-ea"/>
+              <a:cs typeface="+mn-cs"/>
+            </a:endParaRPr>
+          </a:p>
+          <a:p>
+            <a:endParaRPr lang="en-US" dirty="0"/>
+          </a:p>
+        </p:txBody>
+      </p:sp>
+      <p:sp>
+        <p:nvSpPr>
+          <p:cNvPr id="4" name="Pladsholder til diasnummer 3"/>
+          <p:cNvSpPr>
+            <a:spLocks noGrp="1"/>
+          </p:cNvSpPr>
+          <p:nvPr>
+            <p:ph type="sldNum" sz="quarter" idx="10"/>
+          </p:nvPr>
+        </p:nvSpPr>
+        <p:spPr/>
+        <p:txBody>
+          <a:bodyPr/>
+          <a:lstStyle/>
+          <a:p>
+            <a:fld id="{41BD0771-8E2D-46E3-8723-C8AF04A84B8E}" type="slidenum">
+              <a:rPr lang="en-US" smtClean="0"/>
+              <a:pPr/>
+              <a:t>4</a:t>
+            </a:fld>
+            <a:endParaRPr lang="en-US"/>
+          </a:p>
+        </p:txBody>
+      </p:sp>
+    </p:spTree>
+  </p:cSld>
+  <p:clrMapOvr>
+    <a:masterClrMapping/>
+  </p:clrMapOvr>
+</p:notes>
+</file>
+
+<file path=ppt/notesSlides/notesSlide5.xml><?xml version="1.0" encoding="utf-8"?>
+<p:notes xmlns:a="http://schemas.openxmlformats.org/drawingml/2006/main" xmlns:r="http://schemas.openxmlformats.org/officeDocument/2006/relationships" xmlns:p="http://schemas.openxmlformats.org/presentationml/2006/main">
+  <p:cSld>
+    <p:spTree>
+      <p:nvGrpSpPr>
+        <p:cNvPr id="1" name=""/>
+        <p:cNvGrpSpPr/>
+        <p:nvPr/>
+      </p:nvGrpSpPr>
+      <p:grpSpPr>
+        <a:xfrm>
+          <a:off x="0" y="0"/>
+          <a:ext cx="0" cy="0"/>
+          <a:chOff x="0" y="0"/>
+          <a:chExt cx="0" cy="0"/>
+        </a:xfrm>
+      </p:grpSpPr>
+      <p:sp>
+        <p:nvSpPr>
+          <p:cNvPr id="2" name="Pladsholder til diasbillede 1"/>
+          <p:cNvSpPr>
+            <a:spLocks noGrp="1" noRot="1" noChangeAspect="1"/>
+          </p:cNvSpPr>
+          <p:nvPr>
+            <p:ph type="sldImg"/>
+          </p:nvPr>
+        </p:nvSpPr>
+        <p:spPr/>
+      </p:sp>
+      <p:sp>
+        <p:nvSpPr>
+          <p:cNvPr id="3" name="Pladsholder til noter 2"/>
+          <p:cNvSpPr>
+            <a:spLocks noGrp="1"/>
+          </p:cNvSpPr>
+          <p:nvPr>
+            <p:ph type="body" idx="1"/>
+          </p:nvPr>
+        </p:nvSpPr>
+        <p:spPr/>
+        <p:txBody>
+          <a:bodyPr>
+            <a:normAutofit/>
+          </a:bodyPr>
+          <a:lstStyle/>
+          <a:p>
+            <a:r>
+              <a:rPr lang="en-US" sz="1200" kern="1200" baseline="0" dirty="0" smtClean="0">
+                <a:solidFill>
+                  <a:schemeClr val="tx1"/>
+                </a:solidFill>
+                <a:latin typeface="+mn-lt"/>
+                <a:ea typeface="+mn-ea"/>
+                <a:cs typeface="+mn-cs"/>
+              </a:rPr>
+              <a:t>The classic problem with the Array type is its fixed size. If you don’t know in advance how many objects an array will hold, you run the risk of declaring either too small an array (and running out of room), or too large an array (and wasting memory).</a:t>
+            </a:r>
+          </a:p>
+          <a:p>
+            <a:endParaRPr lang="en-US" sz="1200" kern="1200" baseline="0" dirty="0" smtClean="0">
+              <a:solidFill>
+                <a:schemeClr val="tx1"/>
+              </a:solidFill>
+              <a:latin typeface="+mn-lt"/>
+              <a:ea typeface="+mn-ea"/>
+              <a:cs typeface="+mn-cs"/>
+            </a:endParaRPr>
+          </a:p>
+          <a:p>
+            <a:r>
+              <a:rPr lang="en-US" sz="1200" kern="1200" baseline="0" dirty="0" smtClean="0">
+                <a:solidFill>
+                  <a:schemeClr val="tx1"/>
+                </a:solidFill>
+                <a:latin typeface="+mn-lt"/>
+                <a:ea typeface="+mn-ea"/>
+                <a:cs typeface="+mn-cs"/>
+              </a:rPr>
+              <a:t>Lists provide a number of useful methods and properties for their manipulation.</a:t>
+            </a:r>
+            <a:endParaRPr lang="en-US" dirty="0"/>
+          </a:p>
+        </p:txBody>
+      </p:sp>
+      <p:sp>
+        <p:nvSpPr>
+          <p:cNvPr id="4" name="Pladsholder til diasnummer 3"/>
+          <p:cNvSpPr>
+            <a:spLocks noGrp="1"/>
+          </p:cNvSpPr>
+          <p:nvPr>
+            <p:ph type="sldNum" sz="quarter" idx="10"/>
+          </p:nvPr>
+        </p:nvSpPr>
+        <p:spPr/>
+        <p:txBody>
+          <a:bodyPr/>
+          <a:lstStyle/>
+          <a:p>
+            <a:fld id="{41BD0771-8E2D-46E3-8723-C8AF04A84B8E}" type="slidenum">
+              <a:rPr lang="en-US" smtClean="0"/>
+              <a:pPr/>
+              <a:t>5</a:t>
+            </a:fld>
+            <a:endParaRPr lang="en-US"/>
+          </a:p>
+        </p:txBody>
+      </p:sp>
+    </p:spTree>
+  </p:cSld>
+  <p:clrMapOvr>
+    <a:masterClrMapping/>
+  </p:clrMapOvr>
+</p:notes>
+</file>
+
+<file path=ppt/notesSlides/notesSlide6.xml><?xml version="1.0" encoding="utf-8"?>
+<p:notes xmlns:a="http://schemas.openxmlformats.org/drawingml/2006/main" xmlns:r="http://schemas.openxmlformats.org/officeDocument/2006/relationships" xmlns:p="http://schemas.openxmlformats.org/presentationml/2006/main">
+  <p:cSld>
+    <p:spTree>
+      <p:nvGrpSpPr>
+        <p:cNvPr id="1" name=""/>
+        <p:cNvGrpSpPr/>
+        <p:nvPr/>
+      </p:nvGrpSpPr>
+      <p:grpSpPr>
+        <a:xfrm>
+          <a:off x="0" y="0"/>
+          <a:ext cx="0" cy="0"/>
+          <a:chOff x="0" y="0"/>
+          <a:chExt cx="0" cy="0"/>
+        </a:xfrm>
+      </p:grpSpPr>
+      <p:sp>
+        <p:nvSpPr>
+          <p:cNvPr id="2" name="Pladsholder til diasbillede 1"/>
+          <p:cNvSpPr>
+            <a:spLocks noGrp="1" noRot="1" noChangeAspect="1"/>
+          </p:cNvSpPr>
+          <p:nvPr>
+            <p:ph type="sldImg"/>
+          </p:nvPr>
+        </p:nvSpPr>
+        <p:spPr/>
+      </p:sp>
+      <p:sp>
+        <p:nvSpPr>
+          <p:cNvPr id="3" name="Pladsholder til noter 2"/>
+          <p:cNvSpPr>
+            <a:spLocks noGrp="1"/>
+          </p:cNvSpPr>
+          <p:nvPr>
+            <p:ph type="body" idx="1"/>
+          </p:nvPr>
+        </p:nvSpPr>
+        <p:spPr/>
+        <p:txBody>
+          <a:bodyPr>
+            <a:normAutofit/>
+          </a:bodyPr>
+          <a:lstStyle/>
+          <a:p>
+            <a:r>
+              <a:rPr lang="en-US" sz="1200" kern="1200" baseline="0" dirty="0" smtClean="0">
+                <a:solidFill>
+                  <a:schemeClr val="tx1"/>
+                </a:solidFill>
+                <a:latin typeface="+mn-lt"/>
+                <a:ea typeface="+mn-ea"/>
+                <a:cs typeface="+mn-cs"/>
+              </a:rPr>
+              <a:t>Dictionary: A </a:t>
+            </a:r>
+            <a:r>
+              <a:rPr lang="en-US" sz="1200" i="1" kern="1200" baseline="0" dirty="0" smtClean="0">
+                <a:solidFill>
+                  <a:schemeClr val="tx1"/>
+                </a:solidFill>
+                <a:latin typeface="+mn-lt"/>
+                <a:ea typeface="+mn-ea"/>
+                <a:cs typeface="+mn-cs"/>
+              </a:rPr>
+              <a:t>dictionary is a collection that associates a key to a value. A language dictionary, </a:t>
+            </a:r>
+            <a:r>
+              <a:rPr lang="en-US" sz="1200" kern="1200" baseline="0" dirty="0" smtClean="0">
+                <a:solidFill>
+                  <a:schemeClr val="tx1"/>
+                </a:solidFill>
+                <a:latin typeface="+mn-lt"/>
+                <a:ea typeface="+mn-ea"/>
+                <a:cs typeface="+mn-cs"/>
+              </a:rPr>
+              <a:t>such as Webster’s, associates a word (the key) with its definition (the value).</a:t>
+            </a:r>
+          </a:p>
+          <a:p>
+            <a:endParaRPr lang="en-US" sz="1200" kern="1200" baseline="0" dirty="0" smtClean="0">
+              <a:solidFill>
+                <a:schemeClr val="tx1"/>
+              </a:solidFill>
+              <a:latin typeface="+mn-lt"/>
+              <a:ea typeface="+mn-ea"/>
+              <a:cs typeface="+mn-cs"/>
+            </a:endParaRPr>
+          </a:p>
+          <a:p>
+            <a:pPr marL="0" marR="0" indent="0" algn="l" defTabSz="914400" rtl="0" eaLnBrk="1" fontAlgn="auto" latinLnBrk="0" hangingPunct="1">
+              <a:lnSpc>
+                <a:spcPct val="100000"/>
+              </a:lnSpc>
+              <a:spcBef>
+                <a:spcPts val="0"/>
+              </a:spcBef>
+              <a:spcAft>
+                <a:spcPts val="0"/>
+              </a:spcAft>
+              <a:buClrTx/>
+              <a:buSzTx/>
+              <a:buFontTx/>
+              <a:buNone/>
+              <a:tabLst/>
+              <a:defRPr/>
+            </a:pPr>
+            <a:r>
+              <a:rPr lang="en-US" sz="1200" dirty="0" smtClean="0"/>
+              <a:t>Sorted Dictionary: .Net Framework includes Sorted dictionary class,</a:t>
+            </a:r>
+            <a:r>
+              <a:rPr lang="en-US" sz="1200" baseline="0" dirty="0" smtClean="0"/>
+              <a:t> any data add to a collection of this type is sorted, making it unnecessary to sorted later on.</a:t>
+            </a:r>
+          </a:p>
+          <a:p>
+            <a:pPr marL="0" marR="0" indent="0" algn="l" defTabSz="914400" rtl="0" eaLnBrk="1" fontAlgn="auto" latinLnBrk="0" hangingPunct="1">
+              <a:lnSpc>
+                <a:spcPct val="100000"/>
+              </a:lnSpc>
+              <a:spcBef>
+                <a:spcPts val="0"/>
+              </a:spcBef>
+              <a:spcAft>
+                <a:spcPts val="0"/>
+              </a:spcAft>
+              <a:buClrTx/>
+              <a:buSzTx/>
+              <a:buFontTx/>
+              <a:buNone/>
+              <a:tabLst/>
+              <a:defRPr/>
+            </a:pPr>
+            <a:endParaRPr lang="en-US" sz="1200" baseline="0" dirty="0" smtClean="0"/>
+          </a:p>
+          <a:p>
+            <a:pPr marL="0" marR="0" indent="0" algn="l" defTabSz="914400" rtl="0" eaLnBrk="1" fontAlgn="auto" latinLnBrk="0" hangingPunct="1">
+              <a:lnSpc>
+                <a:spcPct val="100000"/>
+              </a:lnSpc>
+              <a:spcBef>
+                <a:spcPts val="0"/>
+              </a:spcBef>
+              <a:spcAft>
+                <a:spcPts val="0"/>
+              </a:spcAft>
+              <a:buClrTx/>
+              <a:buSzTx/>
+              <a:buFontTx/>
+              <a:buNone/>
+              <a:tabLst/>
+              <a:defRPr/>
+            </a:pPr>
+            <a:r>
+              <a:rPr lang="en-US" sz="1200" kern="1200" baseline="0" dirty="0" smtClean="0">
+                <a:solidFill>
+                  <a:schemeClr val="tx1"/>
+                </a:solidFill>
+                <a:latin typeface="+mn-lt"/>
+                <a:ea typeface="+mn-ea"/>
+                <a:cs typeface="+mn-cs"/>
+              </a:rPr>
+              <a:t>Queue: A </a:t>
+            </a:r>
+            <a:r>
+              <a:rPr lang="en-US" sz="1200" i="1" kern="1200" baseline="0" dirty="0" smtClean="0">
+                <a:solidFill>
+                  <a:schemeClr val="tx1"/>
+                </a:solidFill>
+                <a:latin typeface="+mn-lt"/>
+                <a:ea typeface="+mn-ea"/>
+                <a:cs typeface="+mn-cs"/>
+              </a:rPr>
+              <a:t>queue represents a first-in, first-out (FIFO) collection. </a:t>
+            </a:r>
+            <a:r>
+              <a:rPr lang="en-US" sz="1200" kern="1200" baseline="0" dirty="0" smtClean="0">
+                <a:solidFill>
+                  <a:schemeClr val="tx1"/>
+                </a:solidFill>
+                <a:latin typeface="+mn-lt"/>
+                <a:ea typeface="+mn-ea"/>
+                <a:cs typeface="+mn-cs"/>
+              </a:rPr>
+              <a:t>A queue is a good collection to use when you are managing a limited resource.</a:t>
+            </a:r>
+          </a:p>
+          <a:p>
+            <a:pPr marL="0" marR="0" indent="0" algn="l" defTabSz="914400" rtl="0" eaLnBrk="1" fontAlgn="auto" latinLnBrk="0" hangingPunct="1">
+              <a:lnSpc>
+                <a:spcPct val="100000"/>
+              </a:lnSpc>
+              <a:spcBef>
+                <a:spcPts val="0"/>
+              </a:spcBef>
+              <a:spcAft>
+                <a:spcPts val="0"/>
+              </a:spcAft>
+              <a:buClrTx/>
+              <a:buSzTx/>
+              <a:buFontTx/>
+              <a:buNone/>
+              <a:tabLst/>
+              <a:defRPr/>
+            </a:pPr>
+            <a:endParaRPr lang="en-US" sz="1200" kern="1200" baseline="0" dirty="0" smtClean="0">
+              <a:solidFill>
+                <a:schemeClr val="tx1"/>
+              </a:solidFill>
+              <a:latin typeface="+mn-lt"/>
+              <a:ea typeface="+mn-ea"/>
+              <a:cs typeface="+mn-cs"/>
+            </a:endParaRPr>
+          </a:p>
+          <a:p>
+            <a:r>
+              <a:rPr lang="en-US" sz="1200" kern="1200" baseline="0" dirty="0" smtClean="0">
+                <a:solidFill>
+                  <a:schemeClr val="tx1"/>
+                </a:solidFill>
+                <a:latin typeface="+mn-lt"/>
+                <a:ea typeface="+mn-ea"/>
+                <a:cs typeface="+mn-cs"/>
+              </a:rPr>
+              <a:t>Stack: A </a:t>
+            </a:r>
+            <a:r>
+              <a:rPr lang="en-US" sz="1200" i="1" kern="1200" baseline="0" dirty="0" smtClean="0">
+                <a:solidFill>
+                  <a:schemeClr val="tx1"/>
+                </a:solidFill>
+                <a:latin typeface="+mn-lt"/>
+                <a:ea typeface="+mn-ea"/>
+                <a:cs typeface="+mn-cs"/>
+              </a:rPr>
+              <a:t>stack is a last-in, first-out (LIFO) collection, like a stack of dishes at a buffet table </a:t>
+            </a:r>
+            <a:r>
+              <a:rPr lang="en-US" sz="1200" kern="1200" baseline="0" dirty="0" smtClean="0">
+                <a:solidFill>
+                  <a:schemeClr val="tx1"/>
+                </a:solidFill>
+                <a:latin typeface="+mn-lt"/>
+                <a:ea typeface="+mn-ea"/>
+                <a:cs typeface="+mn-cs"/>
+              </a:rPr>
+              <a:t>or a stack of coins on your desk. An item added on top is the first item you take off the stack.</a:t>
+            </a:r>
+          </a:p>
+          <a:p>
+            <a:endParaRPr lang="en-US" sz="1200" kern="1200" baseline="0" dirty="0" smtClean="0">
+              <a:solidFill>
+                <a:schemeClr val="tx1"/>
+              </a:solidFill>
+              <a:latin typeface="+mn-lt"/>
+              <a:ea typeface="+mn-ea"/>
+              <a:cs typeface="+mn-cs"/>
+            </a:endParaRPr>
+          </a:p>
+          <a:p>
+            <a:r>
+              <a:rPr lang="en-US" sz="1200" kern="1200" baseline="0" dirty="0" smtClean="0">
+                <a:solidFill>
+                  <a:schemeClr val="tx1"/>
+                </a:solidFill>
+                <a:latin typeface="+mn-lt"/>
+                <a:ea typeface="+mn-ea"/>
+                <a:cs typeface="+mn-cs"/>
+              </a:rPr>
+              <a:t>Methods: </a:t>
+            </a:r>
+            <a:r>
+              <a:rPr lang="en-US" sz="1200" kern="1200" baseline="0" dirty="0" err="1" smtClean="0">
+                <a:solidFill>
+                  <a:schemeClr val="tx1"/>
+                </a:solidFill>
+                <a:latin typeface="+mn-lt"/>
+                <a:ea typeface="+mn-ea"/>
+                <a:cs typeface="+mn-cs"/>
+              </a:rPr>
+              <a:t>CopyTo</a:t>
+            </a:r>
+            <a:r>
+              <a:rPr lang="en-US" sz="1200" kern="1200" baseline="0" dirty="0" smtClean="0">
+                <a:solidFill>
+                  <a:schemeClr val="tx1"/>
+                </a:solidFill>
+                <a:latin typeface="+mn-lt"/>
+                <a:ea typeface="+mn-ea"/>
+                <a:cs typeface="+mn-cs"/>
+              </a:rPr>
+              <a:t>( ), </a:t>
+            </a:r>
+            <a:r>
+              <a:rPr lang="en-US" sz="1200" kern="1200" baseline="0" dirty="0" err="1" smtClean="0">
+                <a:solidFill>
+                  <a:schemeClr val="tx1"/>
+                </a:solidFill>
+                <a:latin typeface="+mn-lt"/>
+                <a:ea typeface="+mn-ea"/>
+                <a:cs typeface="+mn-cs"/>
+              </a:rPr>
+              <a:t>ToArray</a:t>
+            </a:r>
+            <a:r>
+              <a:rPr lang="en-US" sz="1200" kern="1200" baseline="0" dirty="0" smtClean="0">
+                <a:solidFill>
+                  <a:schemeClr val="tx1"/>
+                </a:solidFill>
+                <a:latin typeface="+mn-lt"/>
+                <a:ea typeface="+mn-ea"/>
+                <a:cs typeface="+mn-cs"/>
+              </a:rPr>
+              <a:t>( ) , Peek( ), Pop( ), Push( ), Clear(), Add(), Count()</a:t>
+            </a:r>
+          </a:p>
+        </p:txBody>
+      </p:sp>
+      <p:sp>
+        <p:nvSpPr>
+          <p:cNvPr id="4" name="Pladsholder til diasnummer 3"/>
+          <p:cNvSpPr>
+            <a:spLocks noGrp="1"/>
+          </p:cNvSpPr>
+          <p:nvPr>
+            <p:ph type="sldNum" sz="quarter" idx="10"/>
+          </p:nvPr>
+        </p:nvSpPr>
+        <p:spPr/>
+        <p:txBody>
+          <a:bodyPr/>
+          <a:lstStyle/>
+          <a:p>
+            <a:fld id="{41BD0771-8E2D-46E3-8723-C8AF04A84B8E}" type="slidenum">
+              <a:rPr lang="en-US" smtClean="0"/>
+              <a:pPr/>
+              <a:t>6</a:t>
+            </a:fld>
+            <a:endParaRPr lang="en-US"/>
+          </a:p>
+        </p:txBody>
+      </p:sp>
+    </p:spTree>
+  </p:cSld>
+  <p:clrMapOvr>
+    <a:masterClrMapping/>
+  </p:clrMapOvr>
+</p:notes>
+</file>
+
+<file path=ppt/notesSlides/notesSlide7.xml><?xml version="1.0" encoding="utf-8"?>
+<p:notes xmlns:a="http://schemas.openxmlformats.org/drawingml/2006/main" xmlns:r="http://schemas.openxmlformats.org/officeDocument/2006/relationships" xmlns:p="http://schemas.openxmlformats.org/presentationml/2006/main">
+  <p:cSld>
+    <p:spTree>
+      <p:nvGrpSpPr>
+        <p:cNvPr id="1" name=""/>
+        <p:cNvGrpSpPr/>
+        <p:nvPr/>
+      </p:nvGrpSpPr>
+      <p:grpSpPr>
+        <a:xfrm>
+          <a:off x="0" y="0"/>
+          <a:ext cx="0" cy="0"/>
+          <a:chOff x="0" y="0"/>
+          <a:chExt cx="0" cy="0"/>
+        </a:xfrm>
+      </p:grpSpPr>
+      <p:sp>
+        <p:nvSpPr>
+          <p:cNvPr id="2" name="Pladsholder til diasbillede 1"/>
+          <p:cNvSpPr>
+            <a:spLocks noGrp="1" noRot="1" noChangeAspect="1"/>
+          </p:cNvSpPr>
+          <p:nvPr>
+            <p:ph type="sldImg"/>
+          </p:nvPr>
+        </p:nvSpPr>
+        <p:spPr/>
+      </p:sp>
+      <p:sp>
+        <p:nvSpPr>
+          <p:cNvPr id="3" name="Pladsholder til noter 2"/>
+          <p:cNvSpPr>
+            <a:spLocks noGrp="1"/>
+          </p:cNvSpPr>
+          <p:nvPr>
+            <p:ph type="body" idx="1"/>
+          </p:nvPr>
+        </p:nvSpPr>
+        <p:spPr/>
+        <p:txBody>
+          <a:bodyPr>
+            <a:normAutofit/>
+          </a:bodyPr>
+          <a:lstStyle/>
+          <a:p>
+            <a:pPr marL="0" marR="0" indent="0" algn="l" defTabSz="914400" rtl="0" eaLnBrk="1" fontAlgn="auto" latinLnBrk="0" hangingPunct="1">
+              <a:lnSpc>
+                <a:spcPct val="100000"/>
+              </a:lnSpc>
+              <a:spcBef>
+                <a:spcPts val="0"/>
+              </a:spcBef>
+              <a:spcAft>
+                <a:spcPts val="0"/>
+              </a:spcAft>
+              <a:buClrTx/>
+              <a:buSzTx/>
+              <a:buFontTx/>
+              <a:buNone/>
+              <a:tabLst/>
+              <a:defRPr/>
+            </a:pPr>
+            <a:r>
+              <a:rPr lang="en-US" dirty="0" smtClean="0"/>
+              <a:t>Our application uses list to contain the cards and the </a:t>
+            </a:r>
+            <a:r>
+              <a:rPr lang="en-US" dirty="0" err="1" smtClean="0"/>
+              <a:t>foreach</a:t>
+            </a:r>
+            <a:r>
+              <a:rPr lang="en-US" dirty="0" smtClean="0"/>
+              <a:t> statement to manage the cards</a:t>
+            </a:r>
+          </a:p>
+          <a:p>
+            <a:pPr marL="0" marR="0" indent="0" algn="l" defTabSz="914400" rtl="0" eaLnBrk="1" fontAlgn="auto" latinLnBrk="0" hangingPunct="1">
+              <a:lnSpc>
+                <a:spcPct val="100000"/>
+              </a:lnSpc>
+              <a:spcBef>
+                <a:spcPts val="0"/>
+              </a:spcBef>
+              <a:spcAft>
+                <a:spcPts val="0"/>
+              </a:spcAft>
+              <a:buClrTx/>
+              <a:buSzTx/>
+              <a:buFontTx/>
+              <a:buNone/>
+              <a:tabLst/>
+              <a:defRPr/>
+            </a:pPr>
+            <a:endParaRPr lang="en-US" dirty="0" smtClean="0"/>
+          </a:p>
+          <a:p>
+            <a:pPr marL="0" marR="0" indent="0" algn="l" defTabSz="914400" rtl="0" eaLnBrk="1" fontAlgn="auto" latinLnBrk="0" hangingPunct="1">
+              <a:lnSpc>
+                <a:spcPct val="100000"/>
+              </a:lnSpc>
+              <a:spcBef>
+                <a:spcPts val="0"/>
+              </a:spcBef>
+              <a:spcAft>
+                <a:spcPts val="0"/>
+              </a:spcAft>
+              <a:buClrTx/>
+              <a:buSzTx/>
+              <a:buFontTx/>
+              <a:buNone/>
+              <a:tabLst/>
+              <a:defRPr/>
+            </a:pPr>
+            <a:r>
+              <a:rPr lang="en-US" dirty="0" smtClean="0"/>
+              <a:t>Our application contains a</a:t>
+            </a:r>
+            <a:r>
+              <a:rPr lang="en-US" baseline="0" dirty="0" smtClean="0"/>
+              <a:t> simple card class, and a deck class.</a:t>
+            </a:r>
+          </a:p>
+          <a:p>
+            <a:pPr marL="0" marR="0" indent="0" algn="l" defTabSz="914400" rtl="0" eaLnBrk="1" fontAlgn="auto" latinLnBrk="0" hangingPunct="1">
+              <a:lnSpc>
+                <a:spcPct val="100000"/>
+              </a:lnSpc>
+              <a:spcBef>
+                <a:spcPts val="0"/>
+              </a:spcBef>
+              <a:spcAft>
+                <a:spcPts val="0"/>
+              </a:spcAft>
+              <a:buClrTx/>
+              <a:buSzTx/>
+              <a:buFontTx/>
+              <a:buNone/>
+              <a:tabLst/>
+              <a:defRPr/>
+            </a:pPr>
+            <a:endParaRPr lang="en-US" baseline="0" dirty="0" smtClean="0"/>
+          </a:p>
+          <a:p>
+            <a:pPr marL="0" marR="0" indent="0" algn="l" defTabSz="914400" rtl="0" eaLnBrk="1" fontAlgn="auto" latinLnBrk="0" hangingPunct="1">
+              <a:lnSpc>
+                <a:spcPct val="100000"/>
+              </a:lnSpc>
+              <a:spcBef>
+                <a:spcPts val="0"/>
+              </a:spcBef>
+              <a:spcAft>
+                <a:spcPts val="0"/>
+              </a:spcAft>
+              <a:buClrTx/>
+              <a:buSzTx/>
+              <a:buFontTx/>
+              <a:buNone/>
+              <a:tabLst/>
+              <a:defRPr/>
+            </a:pPr>
+            <a:r>
+              <a:rPr lang="en-US" baseline="0" dirty="0" smtClean="0"/>
+              <a:t>A deck of cards is a list that contains objects of the type card.</a:t>
+            </a:r>
+          </a:p>
+          <a:p>
+            <a:pPr marL="0" marR="0" indent="0" algn="l" defTabSz="914400" rtl="0" eaLnBrk="1" fontAlgn="auto" latinLnBrk="0" hangingPunct="1">
+              <a:lnSpc>
+                <a:spcPct val="100000"/>
+              </a:lnSpc>
+              <a:spcBef>
+                <a:spcPts val="0"/>
+              </a:spcBef>
+              <a:spcAft>
+                <a:spcPts val="0"/>
+              </a:spcAft>
+              <a:buClrTx/>
+              <a:buSzTx/>
+              <a:buFontTx/>
+              <a:buNone/>
+              <a:tabLst/>
+              <a:defRPr/>
+            </a:pPr>
+            <a:endParaRPr lang="en-US" baseline="0" dirty="0" smtClean="0"/>
+          </a:p>
+          <a:p>
+            <a:pPr marL="0" marR="0" indent="0" algn="l" defTabSz="914400" rtl="0" eaLnBrk="1" fontAlgn="auto" latinLnBrk="0" hangingPunct="1">
+              <a:lnSpc>
+                <a:spcPct val="100000"/>
+              </a:lnSpc>
+              <a:spcBef>
+                <a:spcPts val="0"/>
+              </a:spcBef>
+              <a:spcAft>
+                <a:spcPts val="0"/>
+              </a:spcAft>
+              <a:buClrTx/>
+              <a:buSzTx/>
+              <a:buFontTx/>
+              <a:buNone/>
+              <a:tabLst/>
+              <a:defRPr/>
+            </a:pPr>
+            <a:endParaRPr lang="en-US" dirty="0" smtClean="0"/>
+          </a:p>
+        </p:txBody>
+      </p:sp>
+      <p:sp>
+        <p:nvSpPr>
+          <p:cNvPr id="4" name="Pladsholder til diasnummer 3"/>
+          <p:cNvSpPr>
+            <a:spLocks noGrp="1"/>
+          </p:cNvSpPr>
+          <p:nvPr>
+            <p:ph type="sldNum" sz="quarter" idx="10"/>
+          </p:nvPr>
+        </p:nvSpPr>
+        <p:spPr/>
+        <p:txBody>
+          <a:bodyPr/>
+          <a:lstStyle/>
+          <a:p>
+            <a:fld id="{41BD0771-8E2D-46E3-8723-C8AF04A84B8E}" type="slidenum">
+              <a:rPr lang="en-US" smtClean="0"/>
+              <a:pPr/>
+              <a:t>10</a:t>
             </a:fld>
             <a:endParaRPr lang="en-US"/>
           </a:p>
@@ -4101,6 +5106,38 @@
           <a:chExt cx="0" cy="0"/>
         </a:xfrm>
       </p:grpSpPr>
+      <p:pic>
+        <p:nvPicPr>
+          <p:cNvPr id="2052" name="Picture 4"/>
+          <p:cNvPicPr>
+            <a:picLocks noChangeAspect="1" noChangeArrowheads="1"/>
+          </p:cNvPicPr>
+          <p:nvPr/>
+        </p:nvPicPr>
+        <p:blipFill>
+          <a:blip r:embed="rId3" cstate="print"/>
+          <a:srcRect/>
+          <a:stretch>
+            <a:fillRect/>
+          </a:stretch>
+        </p:blipFill>
+        <p:spPr bwMode="auto">
+          <a:xfrm>
+            <a:off x="500034" y="2500306"/>
+            <a:ext cx="6219825" cy="2981325"/>
+          </a:xfrm>
+          <a:prstGeom prst="rect">
+            <a:avLst/>
+          </a:prstGeom>
+          <a:noFill/>
+          <a:ln w="9525">
+            <a:noFill/>
+            <a:miter lim="800000"/>
+            <a:headEnd/>
+            <a:tailEnd/>
+          </a:ln>
+        </p:spPr>
+      </p:pic>
       <p:sp>
         <p:nvSpPr>
           <p:cNvPr id="2" name="Title 1"/>
@@ -4118,39 +5155,69 @@
           <a:p>
             <a:r>
               <a:rPr lang="en-US" dirty="0" smtClean="0"/>
-              <a:t>Use</a:t>
-            </a:r>
-            <a:r>
-              <a:rPr lang="da-DK" dirty="0" smtClean="0"/>
-              <a:t> i</a:t>
-            </a:r>
+              <a:t>Our program</a:t>
+            </a:r>
+            <a:endParaRPr lang="en-US" dirty="0"/>
+          </a:p>
+        </p:txBody>
+      </p:sp>
+      <p:sp>
+        <p:nvSpPr>
+          <p:cNvPr id="3" name="Content Placeholder 2"/>
+          <p:cNvSpPr>
+            <a:spLocks noGrp="1"/>
+          </p:cNvSpPr>
+          <p:nvPr>
+            <p:ph idx="1"/>
+          </p:nvPr>
+        </p:nvSpPr>
+        <p:spPr/>
+        <p:txBody>
+          <a:bodyPr/>
+          <a:lstStyle/>
+          <a:p>
             <a:r>
               <a:rPr lang="en-US" dirty="0" smtClean="0"/>
-              <a:t>n our program</a:t>
+              <a:t>List and </a:t>
+            </a:r>
+            <a:r>
+              <a:rPr lang="en-US" dirty="0" err="1" smtClean="0"/>
+              <a:t>foreach</a:t>
+            </a:r>
+            <a:r>
+              <a:rPr lang="en-US" dirty="0" smtClean="0"/>
+              <a:t> in our application</a:t>
             </a:r>
             <a:endParaRPr lang="en-US" dirty="0"/>
           </a:p>
         </p:txBody>
       </p:sp>
-      <p:sp>
-        <p:nvSpPr>
-          <p:cNvPr id="3" name="Content Placeholder 2"/>
-          <p:cNvSpPr>
-            <a:spLocks noGrp="1"/>
-          </p:cNvSpPr>
-          <p:nvPr>
-            <p:ph idx="1"/>
-          </p:nvPr>
-        </p:nvSpPr>
-        <p:spPr/>
-        <p:txBody>
-          <a:bodyPr/>
-          <a:lstStyle/>
-          <a:p>
-            <a:endParaRPr lang="da-DK"/>
-          </a:p>
-        </p:txBody>
-      </p:sp>
+      <p:pic>
+        <p:nvPicPr>
+          <p:cNvPr id="2050" name="Picture 2" descr="C:\Users\Martin\Desktop\Personal\Civil 3 Semester\projectwork\OOPExam\classDiagram.png"/>
+          <p:cNvPicPr>
+            <a:picLocks noChangeAspect="1" noChangeArrowheads="1"/>
+          </p:cNvPicPr>
+          <p:nvPr/>
+        </p:nvPicPr>
+        <p:blipFill>
+          <a:blip r:embed="rId4" cstate="print"/>
+          <a:srcRect/>
+          <a:stretch>
+            <a:fillRect/>
+          </a:stretch>
+        </p:blipFill>
+        <p:spPr bwMode="auto">
+          <a:xfrm>
+            <a:off x="4500562" y="3357562"/>
+            <a:ext cx="4430954" cy="3286148"/>
+          </a:xfrm>
+          <a:prstGeom prst="rect">
+            <a:avLst/>
+          </a:prstGeom>
+          <a:noFill/>
+        </p:spPr>
+      </p:pic>
     </p:spTree>
   </p:cSld>
   <p:clrMapOvr>
@@ -4319,8 +5386,17 @@
             </a:r>
             <a:r>
               <a:rPr lang="en-US" dirty="0" err="1" smtClean="0"/>
-              <a:t>ICollection</a:t>
-            </a:r>
+              <a:t>Icollection</a:t>
+            </a:r>
+            <a:endParaRPr lang="en-US" dirty="0" smtClean="0"/>
+          </a:p>
+          <a:p>
+            <a:r>
+              <a:rPr lang="en-US" dirty="0" smtClean="0"/>
+              <a:t>Array is a Object that contains Objects</a:t>
+            </a:r>
+          </a:p>
+          <a:p>
             <a:endParaRPr lang="en-US" dirty="0"/>
           </a:p>
         </p:txBody>
@@ -4390,18 +5466,11 @@
           <a:p>
             <a:r>
               <a:rPr lang="en-US" dirty="0" smtClean="0"/>
-              <a:t>Array is a </a:t>
+              <a:t>Indexed </a:t>
             </a:r>
             <a:r>
               <a:rPr lang="en-US" dirty="0" smtClean="0"/>
-              <a:t>Object that contains Objects</a:t>
-            </a:r>
-            <a:endParaRPr lang="en-US" dirty="0" smtClean="0"/>
-          </a:p>
-          <a:p>
-            <a:r>
-              <a:rPr lang="en-US" dirty="0" smtClean="0"/>
-              <a:t>Indexed Collection of Objects, all of the same type</a:t>
+              <a:t>Collection of Objects, all of the same type</a:t>
             </a:r>
           </a:p>
           <a:p>
@@ -4479,7 +5548,11 @@
             </a:r>
           </a:p>
           <a:p>
-            <a:endParaRPr lang="en-US" sz="2400" dirty="0" smtClean="0"/>
+            <a:r>
+              <a:rPr lang="en-US" dirty="0" smtClean="0"/>
+              <a:t>Multidimensional Arrays like C++, Rectangular and Jagged</a:t>
+            </a:r>
+            <a:endParaRPr lang="en-US" dirty="0" smtClean="0"/>
           </a:p>
           <a:p>
             <a:endParaRPr lang="en-US" dirty="0"/>
@@ -4527,32 +5600,106 @@
           <a:lstStyle/>
           <a:p>
             <a:r>
-              <a:rPr lang="en-US" smtClean="0"/>
+              <a:rPr lang="en-US" dirty="0" smtClean="0"/>
+              <a:t>List</a:t>
+            </a:r>
+            <a:endParaRPr lang="en-US" dirty="0"/>
+          </a:p>
+        </p:txBody>
+      </p:sp>
+      <p:sp>
+        <p:nvSpPr>
+          <p:cNvPr id="3" name="Content Placeholder 2"/>
+          <p:cNvSpPr>
+            <a:spLocks noGrp="1"/>
+          </p:cNvSpPr>
+          <p:nvPr>
+            <p:ph idx="1"/>
+          </p:nvPr>
+        </p:nvSpPr>
+        <p:spPr/>
+        <p:txBody>
+          <a:bodyPr/>
+          <a:lstStyle/>
+          <a:p>
+            <a:r>
+              <a:rPr lang="en-US" dirty="0" err="1" smtClean="0"/>
               <a:t>ArrayList</a:t>
             </a:r>
-            <a:endParaRPr lang="en-US"/>
-          </a:p>
-        </p:txBody>
-      </p:sp>
-      <p:sp>
-        <p:nvSpPr>
-          <p:cNvPr id="3" name="Content Placeholder 2"/>
-          <p:cNvSpPr>
-            <a:spLocks noGrp="1"/>
-          </p:cNvSpPr>
-          <p:nvPr>
-            <p:ph idx="1"/>
-          </p:nvPr>
-        </p:nvSpPr>
-        <p:spPr/>
-        <p:txBody>
-          <a:bodyPr/>
-          <a:lstStyle/>
-          <a:p>
-            <a:endParaRPr lang="en-US" smtClean="0"/>
-          </a:p>
-        </p:txBody>
-      </p:sp>
+            <a:r>
+              <a:rPr lang="en-US" dirty="0" smtClean="0"/>
+              <a:t> is the </a:t>
+            </a:r>
+            <a:r>
+              <a:rPr lang="en-US" dirty="0" err="1" smtClean="0"/>
+              <a:t>nontype</a:t>
+            </a:r>
+            <a:r>
+              <a:rPr lang="en-US" dirty="0" smtClean="0"/>
+              <a:t>-safe version of list</a:t>
+            </a:r>
+          </a:p>
+          <a:p>
+            <a:r>
+              <a:rPr lang="en-US" dirty="0" smtClean="0"/>
+              <a:t>In C#2.0 and higher the </a:t>
+            </a:r>
+            <a:r>
+              <a:rPr lang="en-US" dirty="0" err="1" smtClean="0"/>
+              <a:t>ArrayList</a:t>
+            </a:r>
+            <a:r>
+              <a:rPr lang="en-US" dirty="0" smtClean="0"/>
+              <a:t> is still available for backward compatibility</a:t>
+            </a:r>
+          </a:p>
+          <a:p>
+            <a:endParaRPr lang="en-US" dirty="0" smtClean="0"/>
+          </a:p>
+          <a:p>
+            <a:endParaRPr lang="en-US" dirty="0" smtClean="0"/>
+          </a:p>
+          <a:p>
+            <a:r>
+              <a:rPr lang="en-US" dirty="0" smtClean="0"/>
+              <a:t>In our application we used List to contain card objects</a:t>
+            </a:r>
+            <a:endParaRPr lang="en-US" dirty="0" smtClean="0"/>
+          </a:p>
+        </p:txBody>
+      </p:sp>
+      <p:pic>
+        <p:nvPicPr>
+          <p:cNvPr id="3074" name="Picture 2"/>
+          <p:cNvPicPr>
+            <a:picLocks noChangeAspect="1" noChangeArrowheads="1"/>
+          </p:cNvPicPr>
+          <p:nvPr/>
+        </p:nvPicPr>
+        <p:blipFill>
+          <a:blip r:embed="rId3" cstate="print"/>
+          <a:srcRect/>
+          <a:stretch>
+            <a:fillRect/>
+          </a:stretch>
+        </p:blipFill>
+        <p:spPr bwMode="auto">
+          <a:xfrm>
+            <a:off x="1428728" y="3429000"/>
+            <a:ext cx="6037482" cy="695328"/>
+          </a:xfrm>
+          <a:prstGeom prst="rect">
+            <a:avLst/>
+          </a:prstGeom>
+          <a:noFill/>
+          <a:ln w="9525">
+            <a:noFill/>
+            <a:miter lim="800000"/>
+            <a:headEnd/>
+            <a:tailEnd/>
+          </a:ln>
+        </p:spPr>
+      </p:pic>
     </p:spTree>
   </p:cSld>
   <p:clrMapOvr>
@@ -4594,10 +5741,10 @@
           <a:lstStyle/>
           <a:p>
             <a:r>
-              <a:rPr lang="en-US" smtClean="0"/>
-              <a:t>ArrayList</a:t>
-            </a:r>
-            <a:endParaRPr lang="en-US"/>
+              <a:rPr lang="en-US" dirty="0" smtClean="0"/>
+              <a:t>List</a:t>
+            </a:r>
+            <a:endParaRPr lang="en-US" dirty="0"/>
           </a:p>
         </p:txBody>
       </p:sp>
@@ -4616,7 +5763,42 @@
           <a:bodyPr/>
           <a:lstStyle/>
           <a:p>
-            <a:endParaRPr lang="en-US"/>
+            <a:r>
+              <a:rPr lang="en-US" dirty="0" smtClean="0"/>
+              <a:t>Can change in size</a:t>
+            </a:r>
+          </a:p>
+          <a:p>
+            <a:r>
+              <a:rPr lang="en-US" dirty="0" smtClean="0"/>
+              <a:t>List has a number of useful methods which we used in out application</a:t>
+            </a:r>
+          </a:p>
+          <a:p>
+            <a:pPr lvl="1"/>
+            <a:r>
+              <a:rPr lang="en-US" dirty="0" smtClean="0"/>
+              <a:t>Count() to count the number of card left in the deck</a:t>
+            </a:r>
+            <a:endParaRPr lang="en-US" dirty="0"/>
+          </a:p>
+          <a:p>
+            <a:pPr lvl="1"/>
+            <a:r>
+              <a:rPr lang="en-US" dirty="0" smtClean="0"/>
+              <a:t>Clear() to empty the deck</a:t>
+            </a:r>
+            <a:endParaRPr lang="en-US" dirty="0" smtClean="0"/>
+          </a:p>
+          <a:p>
+            <a:pPr lvl="1"/>
+            <a:r>
+              <a:rPr lang="en-US" dirty="0" smtClean="0"/>
+              <a:t>Add() to add card to the deck</a:t>
+            </a:r>
+          </a:p>
+          <a:p>
+            <a:endParaRPr lang="en-US" dirty="0" smtClean="0"/>
           </a:p>
         </p:txBody>
       </p:sp>
@@ -4678,15 +5860,161 @@
             <p:ph idx="1"/>
           </p:nvPr>
         </p:nvSpPr>
-        <p:spPr/>
-        <p:txBody>
-          <a:bodyPr/>
-          <a:lstStyle/>
-          <a:p>
-            <a:endParaRPr lang="da-DK"/>
-          </a:p>
-        </p:txBody>
-      </p:sp>
+        <p:spPr>
+          <a:xfrm>
+            <a:off x="457200" y="1600200"/>
+            <a:ext cx="8229600" cy="4829196"/>
+          </a:xfrm>
+        </p:spPr>
+        <p:txBody>
+          <a:bodyPr>
+            <a:normAutofit/>
+          </a:bodyPr>
+          <a:lstStyle/>
+          <a:p>
+            <a:r>
+              <a:rPr lang="en-US" dirty="0" smtClean="0"/>
+              <a:t>Dictionary</a:t>
+            </a:r>
+          </a:p>
+          <a:p>
+            <a:endParaRPr lang="en-US" sz="1800" dirty="0" smtClean="0"/>
+          </a:p>
+          <a:p>
+            <a:r>
+              <a:rPr lang="en-US" dirty="0" smtClean="0"/>
+              <a:t>Sorted Dictionary</a:t>
+            </a:r>
+          </a:p>
+          <a:p>
+            <a:r>
+              <a:rPr lang="en-US" sz="2000" dirty="0" smtClean="0"/>
+              <a:t>A sorted version of the Dictionary, everything added is sorted</a:t>
+            </a:r>
+          </a:p>
+          <a:p>
+            <a:r>
+              <a:rPr lang="en-US" dirty="0" smtClean="0"/>
+              <a:t>Queue</a:t>
+            </a:r>
+          </a:p>
+          <a:p>
+            <a:endParaRPr lang="en-US" sz="1200" dirty="0" smtClean="0"/>
+          </a:p>
+          <a:p>
+            <a:r>
+              <a:rPr lang="en-US" dirty="0" smtClean="0"/>
+              <a:t>Stack</a:t>
+            </a:r>
+            <a:endParaRPr lang="en-US" dirty="0" smtClean="0"/>
+          </a:p>
+          <a:p>
+            <a:endParaRPr lang="en-US" sz="1200" dirty="0" smtClean="0"/>
+          </a:p>
+          <a:p>
+            <a:r>
+              <a:rPr lang="en-US" dirty="0" smtClean="0"/>
+              <a:t>Each collection has useful methods to managed the content </a:t>
+            </a:r>
+          </a:p>
+        </p:txBody>
+      </p:sp>
+      <p:pic>
+        <p:nvPicPr>
+          <p:cNvPr id="5123" name="Picture 3"/>
+          <p:cNvPicPr>
+            <a:picLocks noChangeAspect="1" noChangeArrowheads="1"/>
+          </p:cNvPicPr>
+          <p:nvPr/>
+        </p:nvPicPr>
+        <p:blipFill>
+          <a:blip r:embed="rId3" cstate="print"/>
+          <a:srcRect/>
+          <a:stretch>
+            <a:fillRect/>
+          </a:stretch>
+        </p:blipFill>
+        <p:spPr bwMode="auto">
+          <a:xfrm>
+            <a:off x="857224" y="2214554"/>
+            <a:ext cx="7274770" cy="285752"/>
+          </a:xfrm>
+          <a:prstGeom prst="rect">
+            <a:avLst/>
+          </a:prstGeom>
+          <a:noFill/>
+          <a:ln w="9525">
+            <a:noFill/>
+            <a:miter lim="800000"/>
+            <a:headEnd/>
+            <a:tailEnd/>
+          </a:ln>
+        </p:spPr>
+      </p:pic>
+      <p:pic>
+        <p:nvPicPr>
+          <p:cNvPr id="5124" name="Picture 4"/>
+          <p:cNvPicPr>
+            <a:picLocks noChangeAspect="1" noChangeArrowheads="1"/>
+          </p:cNvPicPr>
+          <p:nvPr/>
+        </p:nvPicPr>
+        <p:blipFill>
+          <a:blip r:embed="rId4" cstate="print"/>
+          <a:srcRect/>
+          <a:stretch>
+            <a:fillRect/>
+          </a:stretch>
+        </p:blipFill>
+        <p:spPr bwMode="auto">
+          <a:xfrm>
+            <a:off x="857223" y="4071942"/>
+            <a:ext cx="4871391" cy="285752"/>
+          </a:xfrm>
+          <a:prstGeom prst="rect">
+            <a:avLst/>
+          </a:prstGeom>
+          <a:noFill/>
+          <a:ln w="9525">
+            <a:noFill/>
+            <a:miter lim="800000"/>
+            <a:headEnd/>
+            <a:tailEnd/>
+          </a:ln>
+        </p:spPr>
+      </p:pic>
+      <p:pic>
+        <p:nvPicPr>
+          <p:cNvPr id="5125" name="Picture 5"/>
+          <p:cNvPicPr>
+            <a:picLocks noChangeAspect="1" noChangeArrowheads="1"/>
+          </p:cNvPicPr>
+          <p:nvPr/>
+        </p:nvPicPr>
+        <p:blipFill>
+          <a:blip r:embed="rId5" cstate="print"/>
+          <a:srcRect/>
+          <a:stretch>
+            <a:fillRect/>
+          </a:stretch>
+        </p:blipFill>
+        <p:spPr bwMode="auto">
+          <a:xfrm>
+            <a:off x="928662" y="4857760"/>
+            <a:ext cx="4748926" cy="285752"/>
+          </a:xfrm>
+          <a:prstGeom prst="rect">
+            <a:avLst/>
+          </a:prstGeom>
+          <a:noFill/>
+          <a:ln w="9525">
+            <a:noFill/>
+            <a:miter lim="800000"/>
+            <a:headEnd/>
+            <a:tailEnd/>
+          </a:ln>
+        </p:spPr>
+      </p:pic>
     </p:spTree>
   </p:cSld>
   <p:clrMapOvr>
@@ -4731,7 +6059,7 @@
           <a:p>
             <a:r>
               <a:rPr lang="en-US" dirty="0" smtClean="0"/>
-              <a:t>Indexers, Stack and Dictionaries</a:t>
+              <a:t>Generics</a:t>
             </a:r>
             <a:endParaRPr lang="en-US" dirty="0"/>
           </a:p>
@@ -4793,12 +6121,14 @@
         </p:nvSpPr>
         <p:spPr/>
         <p:txBody>
-          <a:bodyPr/>
+          <a:bodyPr>
+            <a:normAutofit/>
+          </a:bodyPr>
           <a:lstStyle/>
           <a:p>
             <a:r>
               <a:rPr lang="en-US" dirty="0" smtClean="0"/>
-              <a:t>Our program</a:t>
+              <a:t>Foreach</a:t>
             </a:r>
             <a:endParaRPr lang="en-US" dirty="0"/>
           </a:p>
@@ -4814,55 +6144,26 @@
             <p:ph idx="1"/>
           </p:nvPr>
         </p:nvSpPr>
-        <p:spPr/>
-        <p:txBody>
-          <a:bodyPr/>
-          <a:lstStyle/>
-          <a:p>
-            <a:r>
-              <a:rPr lang="da-DK" dirty="0" smtClean="0"/>
-              <a:t>Black Jack Game</a:t>
-            </a:r>
-          </a:p>
-          <a:p>
-            <a:endParaRPr lang="da-DK" dirty="0" smtClean="0"/>
-          </a:p>
-          <a:p>
-            <a:r>
-              <a:rPr lang="da-DK" dirty="0" smtClean="0"/>
-              <a:t>Log</a:t>
-            </a:r>
-          </a:p>
-          <a:p>
-            <a:r>
-              <a:rPr lang="da-DK" dirty="0" smtClean="0"/>
-              <a:t>Save Log</a:t>
-            </a:r>
-            <a:endParaRPr lang="da-DK" dirty="0" smtClean="0"/>
-          </a:p>
-          <a:p>
-            <a:r>
-              <a:rPr lang="da-DK" dirty="0" smtClean="0"/>
-              <a:t>Beting</a:t>
-            </a:r>
-          </a:p>
-          <a:p>
-            <a:r>
-              <a:rPr lang="da-DK" dirty="0" smtClean="0"/>
-              <a:t>Hit</a:t>
-            </a:r>
-          </a:p>
-          <a:p>
-            <a:r>
-              <a:rPr lang="da-DK" dirty="0" smtClean="0"/>
-              <a:t>Stand</a:t>
+        <p:spPr>
+          <a:xfrm>
+            <a:off x="457200" y="1600201"/>
+            <a:ext cx="8229600" cy="1185858"/>
+          </a:xfrm>
+        </p:spPr>
+        <p:txBody>
+          <a:bodyPr/>
+          <a:lstStyle/>
+          <a:p>
+            <a:r>
+              <a:rPr lang="en-US" dirty="0" smtClean="0"/>
+              <a:t>Iterates through the array or collection examining each of the elements</a:t>
             </a:r>
           </a:p>
         </p:txBody>
       </p:sp>
       <p:pic>
         <p:nvPicPr>
-          <p:cNvPr id="1026" name="Picture 2" descr="C:\Users\Martin\Desktop\Personal\Civil 3 Semester\projectwork\OOPExam\appScreenshot.png"/>
+          <p:cNvPr id="4098" name="Picture 2"/>
           <p:cNvPicPr>
             <a:picLocks noChangeAspect="1" noChangeArrowheads="1"/>
           </p:cNvPicPr>
@@ -4877,15 +6178,112 @@
         </p:blipFill>
         <p:spPr bwMode="auto">
           <a:xfrm>
-            <a:off x="2714612" y="2500306"/>
-            <a:ext cx="6207028" cy="3430838"/>
+            <a:off x="3786182" y="2786058"/>
+            <a:ext cx="5210175" cy="3905250"/>
           </a:xfrm>
           <a:prstGeom prst="rect">
             <a:avLst/>
           </a:prstGeom>
           <a:noFill/>
+          <a:ln w="9525">
+            <a:noFill/>
+            <a:miter lim="800000"/>
+            <a:headEnd/>
+            <a:tailEnd/>
+          </a:ln>
         </p:spPr>
       </p:pic>
+      <p:sp>
+        <p:nvSpPr>
+          <p:cNvPr id="6" name="Content Placeholder 2"/>
+          <p:cNvSpPr txBox="1">
+            <a:spLocks/>
+          </p:cNvSpPr>
+          <p:nvPr/>
+        </p:nvSpPr>
+        <p:spPr>
+          <a:xfrm>
+            <a:off x="485804" y="3000372"/>
+            <a:ext cx="3443254" cy="1185858"/>
+          </a:xfrm>
+          <a:prstGeom prst="rect">
+            <a:avLst/>
+          </a:prstGeom>
+        </p:spPr>
+        <p:txBody>
+          <a:bodyPr vert="horz" lIns="91440" tIns="45720" rIns="91440" bIns="45720" rtlCol="0">
+            <a:normAutofit/>
+          </a:bodyPr>
+          <a:lstStyle/>
+          <a:p>
+            <a:pPr marL="342900" marR="0" lvl="0" indent="-342900" algn="l" defTabSz="914400" rtl="0" eaLnBrk="1" fontAlgn="auto" latinLnBrk="0" hangingPunct="1">
+              <a:lnSpc>
+                <a:spcPct val="100000"/>
+              </a:lnSpc>
+              <a:spcBef>
+                <a:spcPct val="20000"/>
+              </a:spcBef>
+              <a:spcAft>
+                <a:spcPts val="0"/>
+              </a:spcAft>
+              <a:buClrTx/>
+              <a:buSzTx/>
+              <a:buFont typeface="Arial" pitchFamily="34" charset="0"/>
+              <a:buChar char="•"/>
+              <a:tabLst/>
+              <a:defRPr/>
+            </a:pPr>
+            <a:r>
+              <a:rPr kumimoji="0" lang="en-US" sz="3200" b="0" i="0" u="none" strike="noStrike" kern="1200" cap="none" spc="0" normalizeH="0" baseline="0" noProof="0" dirty="0" smtClean="0">
+                <a:ln>
+                  <a:noFill/>
+                </a:ln>
+                <a:solidFill>
+                  <a:schemeClr val="tx1"/>
+                </a:solidFill>
+                <a:effectLst/>
+                <a:uLnTx/>
+                <a:uFillTx/>
+                <a:latin typeface="+mn-lt"/>
+                <a:ea typeface="+mn-ea"/>
+                <a:cs typeface="+mn-cs"/>
+              </a:rPr>
+              <a:t>Example</a:t>
+            </a:r>
+            <a:r>
+              <a:rPr kumimoji="0" lang="en-US" sz="3200" b="0" i="0" u="none" strike="noStrike" kern="1200" cap="none" spc="0" normalizeH="0" noProof="0" dirty="0" smtClean="0">
+                <a:ln>
+                  <a:noFill/>
+                </a:ln>
+                <a:solidFill>
+                  <a:schemeClr val="tx1"/>
+                </a:solidFill>
+                <a:effectLst/>
+                <a:uLnTx/>
+                <a:uFillTx/>
+                <a:latin typeface="+mn-lt"/>
+                <a:ea typeface="+mn-ea"/>
+                <a:cs typeface="+mn-cs"/>
+              </a:rPr>
+              <a:t> from our application</a:t>
+            </a:r>
+            <a:endParaRPr kumimoji="0" lang="en-US" sz="3200" b="0" i="0" u="none" strike="noStrike" kern="1200" cap="none" spc="0" normalizeH="0" baseline="0" noProof="0" dirty="0" smtClean="0">
+              <a:ln>
+                <a:noFill/>
+              </a:ln>
+              <a:solidFill>
+                <a:schemeClr val="tx1"/>
+              </a:solidFill>
+              <a:effectLst/>
+              <a:uLnTx/>
+              <a:uFillTx/>
+              <a:latin typeface="+mn-lt"/>
+              <a:ea typeface="+mn-ea"/>
+              <a:cs typeface="+mn-cs"/>
+            </a:endParaRPr>
+          </a:p>
+        </p:txBody>
+      </p:sp>
     </p:spTree>
   </p:cSld>
   <p:clrMapOvr>
@@ -4949,13 +6347,50 @@
           <a:bodyPr/>
           <a:lstStyle/>
           <a:p>
-            <a:endParaRPr lang="en-US"/>
+            <a:r>
+              <a:rPr lang="da-DK" dirty="0" smtClean="0"/>
+              <a:t>Black Jack Game</a:t>
+            </a:r>
+          </a:p>
+          <a:p>
+            <a:endParaRPr lang="da-DK" dirty="0" smtClean="0"/>
+          </a:p>
+          <a:p>
+            <a:r>
+              <a:rPr lang="da-DK" dirty="0" smtClean="0"/>
+              <a:t>Log</a:t>
+            </a:r>
+          </a:p>
+          <a:p>
+            <a:r>
+              <a:rPr lang="da-DK" dirty="0" smtClean="0"/>
+              <a:t>Save Log</a:t>
+            </a:r>
+            <a:endParaRPr lang="da-DK" dirty="0" smtClean="0"/>
+          </a:p>
+          <a:p>
+            <a:r>
+              <a:rPr lang="da-DK" dirty="0" smtClean="0"/>
+              <a:t>Beting</a:t>
+            </a:r>
+          </a:p>
+          <a:p>
+            <a:r>
+              <a:rPr lang="da-DK" dirty="0" smtClean="0"/>
+              <a:t>Hit</a:t>
+            </a:r>
+          </a:p>
+          <a:p>
+            <a:r>
+              <a:rPr lang="da-DK" dirty="0" smtClean="0"/>
+              <a:t>Stand</a:t>
+            </a:r>
           </a:p>
         </p:txBody>
       </p:sp>
       <p:pic>
         <p:nvPicPr>
-          <p:cNvPr id="2050" name="Picture 2" descr="C:\Users\Martin\Desktop\Personal\Civil 3 Semester\projectwork\OOPExam\classDiagram.png"/>
+          <p:cNvPr id="1026" name="Picture 2" descr="C:\Users\Martin\Desktop\Personal\Civil 3 Semester\projectwork\OOPExam\appScreenshot.png"/>
           <p:cNvPicPr>
             <a:picLocks noChangeAspect="1" noChangeArrowheads="1"/>
           </p:cNvPicPr>
@@ -4970,8 +6405,8 @@
         </p:blipFill>
         <p:spPr bwMode="auto">
           <a:xfrm>
-            <a:off x="4500562" y="3357562"/>
-            <a:ext cx="4430954" cy="3286148"/>
+            <a:off x="2714612" y="2500306"/>
+            <a:ext cx="6207028" cy="3430838"/>
           </a:xfrm>
           <a:prstGeom prst="rect">
             <a:avLst/>

--- a/trunk/OOPExam/03 Arrays and Collections.pptx
+++ b/trunk/OOPExam/03 Arrays and Collections.pptx
@@ -1846,6 +1846,140 @@
 </file>
 
 <file path=ppt/notesSlides/notesSlide7.xml><?xml version="1.0" encoding="utf-8"?>
+<p:notes xmlns:a="http://schemas.openxmlformats.org/drawingml/2006/main" xmlns:r="http://schemas.openxmlformats.org/officeDocument/2006/relationships" xmlns:p="http://schemas.openxmlformats.org/presentationml/2006/main">
+  <p:cSld>
+    <p:spTree>
+      <p:nvGrpSpPr>
+        <p:cNvPr id="1" name=""/>
+        <p:cNvGrpSpPr/>
+        <p:nvPr/>
+      </p:nvGrpSpPr>
+      <p:grpSpPr>
+        <a:xfrm>
+          <a:off x="0" y="0"/>
+          <a:ext cx="0" cy="0"/>
+          <a:chOff x="0" y="0"/>
+          <a:chExt cx="0" cy="0"/>
+        </a:xfrm>
+      </p:grpSpPr>
+      <p:sp>
+        <p:nvSpPr>
+          <p:cNvPr id="2" name="Pladsholder til diasbillede 1"/>
+          <p:cNvSpPr>
+            <a:spLocks noGrp="1" noRot="1" noChangeAspect="1"/>
+          </p:cNvSpPr>
+          <p:nvPr>
+            <p:ph type="sldImg"/>
+          </p:nvPr>
+        </p:nvSpPr>
+        <p:spPr/>
+      </p:sp>
+      <p:sp>
+        <p:nvSpPr>
+          <p:cNvPr id="3" name="Pladsholder til noter 2"/>
+          <p:cNvSpPr>
+            <a:spLocks noGrp="1"/>
+          </p:cNvSpPr>
+          <p:nvPr>
+            <p:ph type="body" idx="1"/>
+          </p:nvPr>
+        </p:nvSpPr>
+        <p:spPr/>
+        <p:txBody>
+          <a:bodyPr>
+            <a:normAutofit/>
+          </a:bodyPr>
+          <a:lstStyle/>
+          <a:p>
+            <a:pPr marL="0" marR="0" indent="0" algn="l" defTabSz="914400" rtl="0" eaLnBrk="1" fontAlgn="auto" latinLnBrk="0" hangingPunct="1">
+              <a:lnSpc>
+                <a:spcPct val="100000"/>
+              </a:lnSpc>
+              <a:spcBef>
+                <a:spcPts val="0"/>
+              </a:spcBef>
+              <a:spcAft>
+                <a:spcPts val="0"/>
+              </a:spcAft>
+              <a:buClrTx/>
+              <a:buSzTx/>
+              <a:buFontTx/>
+              <a:buNone/>
+              <a:tabLst/>
+              <a:defRPr/>
+            </a:pPr>
+            <a:r>
+              <a:rPr lang="en-US" dirty="0" smtClean="0"/>
+              <a:t>A generic type declares </a:t>
+            </a:r>
+            <a:r>
+              <a:rPr lang="en-US" i="1" dirty="0" smtClean="0"/>
+              <a:t>generic parameters</a:t>
+            </a:r>
+            <a:r>
+              <a:rPr lang="en-US" dirty="0" smtClean="0"/>
+              <a:t>—placeholder types to be filled in by the consumer of the generic type, which supplies the </a:t>
+            </a:r>
+            <a:r>
+              <a:rPr lang="en-US" i="1" dirty="0" smtClean="0"/>
+              <a:t>generic arguments</a:t>
+            </a:r>
+            <a:r>
+              <a:rPr lang="en-US" dirty="0" smtClean="0"/>
+              <a:t>. Here is a generic type Stack&lt;T&gt;, designed to stack instances </a:t>
+            </a:r>
+            <a:r>
+              <a:rPr lang="en-US" smtClean="0"/>
+              <a:t>of type</a:t>
+            </a:r>
+            <a:r>
+              <a:rPr lang="en-US" baseline="0" smtClean="0"/>
+              <a:t> </a:t>
+            </a:r>
+            <a:r>
+              <a:rPr lang="en-US" smtClean="0"/>
+              <a:t>T</a:t>
+            </a:r>
+            <a:r>
+              <a:rPr lang="en-US" dirty="0" smtClean="0"/>
+              <a:t>. Stack&lt;T&gt; declares a single generic parameter T:</a:t>
+            </a:r>
+          </a:p>
+        </p:txBody>
+      </p:sp>
+      <p:sp>
+        <p:nvSpPr>
+          <p:cNvPr id="4" name="Pladsholder til diasnummer 3"/>
+          <p:cNvSpPr>
+            <a:spLocks noGrp="1"/>
+          </p:cNvSpPr>
+          <p:nvPr>
+            <p:ph type="sldNum" sz="quarter" idx="10"/>
+          </p:nvPr>
+        </p:nvSpPr>
+        <p:spPr/>
+        <p:txBody>
+          <a:bodyPr/>
+          <a:lstStyle/>
+          <a:p>
+            <a:fld id="{41BD0771-8E2D-46E3-8723-C8AF04A84B8E}" type="slidenum">
+              <a:rPr lang="en-US" smtClean="0"/>
+              <a:pPr/>
+              <a:t>7</a:t>
+            </a:fld>
+            <a:endParaRPr lang="en-US"/>
+          </a:p>
+        </p:txBody>
+      </p:sp>
+    </p:spTree>
+  </p:cSld>
+  <p:clrMapOvr>
+    <a:masterClrMapping/>
+  </p:clrMapOvr>
+</p:notes>
+</file>
+
+<file path=ppt/notesSlides/notesSlide8.xml><?xml version="1.0" encoding="utf-8"?>
 <p:notes xmlns:a="http://schemas.openxmlformats.org/drawingml/2006/main" xmlns:r="http://schemas.openxmlformats.org/officeDocument/2006/relationships" xmlns:p="http://schemas.openxmlformats.org/presentationml/2006/main">
   <p:cSld>
     <p:spTree>
@@ -6059,7 +6193,7 @@
           <a:p>
             <a:r>
               <a:rPr lang="en-US" dirty="0" smtClean="0"/>
-              <a:t>Generics</a:t>
+              <a:t>Generic types</a:t>
             </a:r>
             <a:endParaRPr lang="en-US" dirty="0"/>
           </a:p>
@@ -6080,10 +6214,46 @@
           <a:bodyPr/>
           <a:lstStyle/>
           <a:p>
+            <a:r>
+              <a:rPr lang="en-US" dirty="0" smtClean="0"/>
+              <a:t>Generic Parameter is a type placeholder</a:t>
+            </a:r>
             <a:endParaRPr lang="en-US" dirty="0"/>
           </a:p>
         </p:txBody>
       </p:sp>
+      <p:pic>
+        <p:nvPicPr>
+          <p:cNvPr id="6146" name="Picture 2"/>
+          <p:cNvPicPr>
+            <a:picLocks noChangeAspect="1" noChangeArrowheads="1"/>
+          </p:cNvPicPr>
+          <p:nvPr/>
+        </p:nvPicPr>
+        <p:blipFill>
+          <a:blip r:embed="rId3" cstate="print"/>
+          <a:srcRect/>
+          <a:stretch>
+            <a:fillRect/>
+          </a:stretch>
+        </p:blipFill>
+        <p:spPr bwMode="auto">
+          <a:xfrm>
+            <a:off x="1857356" y="3071810"/>
+            <a:ext cx="4476750" cy="2933700"/>
+          </a:xfrm>
+          <a:prstGeom prst="rect">
+            <a:avLst/>
+          </a:prstGeom>
+          <a:noFill/>
+          <a:ln w="9525">
+            <a:noFill/>
+            <a:miter lim="800000"/>
+            <a:headEnd/>
+            <a:tailEnd/>
+          </a:ln>
+        </p:spPr>
+      </p:pic>
     </p:spTree>
   </p:cSld>
   <p:clrMapOvr>

--- a/trunk/OOPExam/03 Arrays and Collections.pptx
+++ b/trunk/OOPExam/03 Arrays and Collections.pptx
@@ -14,8 +14,8 @@
     <p:sldId id="259" r:id="rId5"/>
     <p:sldId id="258" r:id="rId6"/>
     <p:sldId id="264" r:id="rId7"/>
-    <p:sldId id="267" r:id="rId8"/>
-    <p:sldId id="268" r:id="rId9"/>
+    <p:sldId id="268" r:id="rId8"/>
+    <p:sldId id="267" r:id="rId9"/>
     <p:sldId id="260" r:id="rId10"/>
     <p:sldId id="263" r:id="rId11"/>
     <p:sldId id="265" r:id="rId12"/>
@@ -1926,23 +1926,104 @@
             </a:r>
             <a:r>
               <a:rPr lang="en-US" dirty="0" smtClean="0"/>
-              <a:t>. Here is a generic type Stack&lt;T&gt;, designed to stack instances </a:t>
-            </a:r>
-            <a:r>
-              <a:rPr lang="en-US" smtClean="0"/>
-              <a:t>of type</a:t>
-            </a:r>
-            <a:r>
-              <a:rPr lang="en-US" baseline="0" smtClean="0"/>
+              <a:t>.</a:t>
+            </a:r>
+          </a:p>
+          <a:p>
+            <a:pPr marL="0" marR="0" indent="0" algn="l" defTabSz="914400" rtl="0" eaLnBrk="1" fontAlgn="auto" latinLnBrk="0" hangingPunct="1">
+              <a:lnSpc>
+                <a:spcPct val="100000"/>
+              </a:lnSpc>
+              <a:spcBef>
+                <a:spcPts val="0"/>
+              </a:spcBef>
+              <a:spcAft>
+                <a:spcPts val="0"/>
+              </a:spcAft>
+              <a:buClrTx/>
+              <a:buSzTx/>
+              <a:buFontTx/>
+              <a:buNone/>
+              <a:tabLst/>
+              <a:defRPr/>
+            </a:pPr>
+            <a:r>
+              <a:rPr lang="en-US" dirty="0" smtClean="0"/>
+              <a:t>Here is a generic type Stack&lt;T&gt;, designed to stack instances of type</a:t>
+            </a:r>
+            <a:r>
+              <a:rPr lang="en-US" baseline="0" dirty="0" smtClean="0"/>
               <a:t> </a:t>
             </a:r>
             <a:r>
-              <a:rPr lang="en-US" smtClean="0"/>
-              <a:t>T</a:t>
-            </a:r>
-            <a:r>
               <a:rPr lang="en-US" dirty="0" smtClean="0"/>
-              <a:t>. Stack&lt;T&gt; declares a single generic parameter T:</a:t>
+              <a:t>T.</a:t>
+            </a:r>
+          </a:p>
+          <a:p>
+            <a:pPr marL="0" marR="0" indent="0" algn="l" defTabSz="914400" rtl="0" eaLnBrk="1" fontAlgn="auto" latinLnBrk="0" hangingPunct="1">
+              <a:lnSpc>
+                <a:spcPct val="100000"/>
+              </a:lnSpc>
+              <a:spcBef>
+                <a:spcPts val="0"/>
+              </a:spcBef>
+              <a:spcAft>
+                <a:spcPts val="0"/>
+              </a:spcAft>
+              <a:buClrTx/>
+              <a:buSzTx/>
+              <a:buFontTx/>
+              <a:buNone/>
+              <a:tabLst/>
+              <a:defRPr/>
+            </a:pPr>
+            <a:r>
+              <a:rPr lang="en-US" dirty="0" smtClean="0"/>
+              <a:t>Stack&lt;T&gt; declares a single generic parameter T:</a:t>
+            </a:r>
+          </a:p>
+          <a:p>
+            <a:pPr marL="0" marR="0" indent="0" algn="l" defTabSz="914400" rtl="0" eaLnBrk="1" fontAlgn="auto" latinLnBrk="0" hangingPunct="1">
+              <a:lnSpc>
+                <a:spcPct val="100000"/>
+              </a:lnSpc>
+              <a:spcBef>
+                <a:spcPts val="0"/>
+              </a:spcBef>
+              <a:spcAft>
+                <a:spcPts val="0"/>
+              </a:spcAft>
+              <a:buClrTx/>
+              <a:buSzTx/>
+              <a:buFontTx/>
+              <a:buNone/>
+              <a:tabLst/>
+              <a:defRPr/>
+            </a:pPr>
+            <a:endParaRPr lang="en-US" dirty="0" smtClean="0"/>
+          </a:p>
+          <a:p>
+            <a:pPr marL="0" marR="0" indent="0" algn="l" defTabSz="914400" rtl="0" eaLnBrk="1" fontAlgn="auto" latinLnBrk="0" hangingPunct="1">
+              <a:lnSpc>
+                <a:spcPct val="100000"/>
+              </a:lnSpc>
+              <a:spcBef>
+                <a:spcPts val="0"/>
+              </a:spcBef>
+              <a:spcAft>
+                <a:spcPts val="0"/>
+              </a:spcAft>
+              <a:buClrTx/>
+              <a:buSzTx/>
+              <a:buFontTx/>
+              <a:buNone/>
+              <a:tabLst/>
+              <a:defRPr/>
+            </a:pPr>
+            <a:r>
+              <a:rPr lang="en-US" dirty="0" smtClean="0"/>
+              <a:t>Generics exist to write code that is reusable across different types. Suppose we need a stack of integers, but we don't have generic types. We would have two options. The first and most primitive solution is to copy code from an existing stack implementation, changing the name of the type and the element type to match our specific element type.</a:t>
             </a:r>
           </a:p>
         </p:txBody>
@@ -1965,7 +2046,7 @@
             <a:fld id="{41BD0771-8E2D-46E3-8723-C8AF04A84B8E}" type="slidenum">
               <a:rPr lang="en-US" smtClean="0"/>
               <a:pPr/>
-              <a:t>7</a:t>
+              <a:t>8</a:t>
             </a:fld>
             <a:endParaRPr lang="en-US"/>
           </a:p>
@@ -6193,111 +6274,6 @@
           <a:p>
             <a:r>
               <a:rPr lang="en-US" dirty="0" smtClean="0"/>
-              <a:t>Generic types</a:t>
-            </a:r>
-            <a:endParaRPr lang="en-US" dirty="0"/>
-          </a:p>
-        </p:txBody>
-      </p:sp>
-      <p:sp>
-        <p:nvSpPr>
-          <p:cNvPr id="3" name="Content Placeholder 2"/>
-          <p:cNvSpPr>
-            <a:spLocks noGrp="1"/>
-          </p:cNvSpPr>
-          <p:nvPr>
-            <p:ph idx="1"/>
-          </p:nvPr>
-        </p:nvSpPr>
-        <p:spPr/>
-        <p:txBody>
-          <a:bodyPr/>
-          <a:lstStyle/>
-          <a:p>
-            <a:r>
-              <a:rPr lang="en-US" dirty="0" smtClean="0"/>
-              <a:t>Generic Parameter is a type placeholder</a:t>
-            </a:r>
-            <a:endParaRPr lang="en-US" dirty="0"/>
-          </a:p>
-        </p:txBody>
-      </p:sp>
-      <p:pic>
-        <p:nvPicPr>
-          <p:cNvPr id="6146" name="Picture 2"/>
-          <p:cNvPicPr>
-            <a:picLocks noChangeAspect="1" noChangeArrowheads="1"/>
-          </p:cNvPicPr>
-          <p:nvPr/>
-        </p:nvPicPr>
-        <p:blipFill>
-          <a:blip r:embed="rId3" cstate="print"/>
-          <a:srcRect/>
-          <a:stretch>
-            <a:fillRect/>
-          </a:stretch>
-        </p:blipFill>
-        <p:spPr bwMode="auto">
-          <a:xfrm>
-            <a:off x="1857356" y="3071810"/>
-            <a:ext cx="4476750" cy="2933700"/>
-          </a:xfrm>
-          <a:prstGeom prst="rect">
-            <a:avLst/>
-          </a:prstGeom>
-          <a:noFill/>
-          <a:ln w="9525">
-            <a:noFill/>
-            <a:miter lim="800000"/>
-            <a:headEnd/>
-            <a:tailEnd/>
-          </a:ln>
-        </p:spPr>
-      </p:pic>
-    </p:spTree>
-  </p:cSld>
-  <p:clrMapOvr>
-    <a:masterClrMapping/>
-  </p:clrMapOvr>
-</p:sld>
-</file>
-
-<file path=ppt/slides/slide8.xml><?xml version="1.0" encoding="utf-8"?>
-<p:sld xmlns:a="http://schemas.openxmlformats.org/drawingml/2006/main" xmlns:r="http://schemas.openxmlformats.org/officeDocument/2006/relationships" xmlns:p="http://schemas.openxmlformats.org/presentationml/2006/main">
-  <p:cSld>
-    <p:spTree>
-      <p:nvGrpSpPr>
-        <p:cNvPr id="1" name=""/>
-        <p:cNvGrpSpPr/>
-        <p:nvPr/>
-      </p:nvGrpSpPr>
-      <p:grpSpPr>
-        <a:xfrm>
-          <a:off x="0" y="0"/>
-          <a:ext cx="0" cy="0"/>
-          <a:chOff x="0" y="0"/>
-          <a:chExt cx="0" cy="0"/>
-        </a:xfrm>
-      </p:grpSpPr>
-      <p:sp>
-        <p:nvSpPr>
-          <p:cNvPr id="2" name="Title 1"/>
-          <p:cNvSpPr>
-            <a:spLocks noGrp="1"/>
-          </p:cNvSpPr>
-          <p:nvPr>
-            <p:ph type="title"/>
-          </p:nvPr>
-        </p:nvSpPr>
-        <p:spPr/>
-        <p:txBody>
-          <a:bodyPr>
-            <a:normAutofit/>
-          </a:bodyPr>
-          <a:lstStyle/>
-          <a:p>
-            <a:r>
-              <a:rPr lang="en-US" dirty="0" smtClean="0"/>
               <a:t>Foreach</a:t>
             </a:r>
             <a:endParaRPr lang="en-US" dirty="0"/>
@@ -6454,6 +6430,111 @@
           </a:p>
         </p:txBody>
       </p:sp>
+    </p:spTree>
+  </p:cSld>
+  <p:clrMapOvr>
+    <a:masterClrMapping/>
+  </p:clrMapOvr>
+</p:sld>
+</file>
+
+<file path=ppt/slides/slide8.xml><?xml version="1.0" encoding="utf-8"?>
+<p:sld xmlns:a="http://schemas.openxmlformats.org/drawingml/2006/main" xmlns:r="http://schemas.openxmlformats.org/officeDocument/2006/relationships" xmlns:p="http://schemas.openxmlformats.org/presentationml/2006/main">
+  <p:cSld>
+    <p:spTree>
+      <p:nvGrpSpPr>
+        <p:cNvPr id="1" name=""/>
+        <p:cNvGrpSpPr/>
+        <p:nvPr/>
+      </p:nvGrpSpPr>
+      <p:grpSpPr>
+        <a:xfrm>
+          <a:off x="0" y="0"/>
+          <a:ext cx="0" cy="0"/>
+          <a:chOff x="0" y="0"/>
+          <a:chExt cx="0" cy="0"/>
+        </a:xfrm>
+      </p:grpSpPr>
+      <p:sp>
+        <p:nvSpPr>
+          <p:cNvPr id="2" name="Title 1"/>
+          <p:cNvSpPr>
+            <a:spLocks noGrp="1"/>
+          </p:cNvSpPr>
+          <p:nvPr>
+            <p:ph type="title"/>
+          </p:nvPr>
+        </p:nvSpPr>
+        <p:spPr/>
+        <p:txBody>
+          <a:bodyPr>
+            <a:normAutofit/>
+          </a:bodyPr>
+          <a:lstStyle/>
+          <a:p>
+            <a:r>
+              <a:rPr lang="en-US" dirty="0" smtClean="0"/>
+              <a:t>Generic types</a:t>
+            </a:r>
+            <a:endParaRPr lang="en-US" dirty="0"/>
+          </a:p>
+        </p:txBody>
+      </p:sp>
+      <p:sp>
+        <p:nvSpPr>
+          <p:cNvPr id="3" name="Content Placeholder 2"/>
+          <p:cNvSpPr>
+            <a:spLocks noGrp="1"/>
+          </p:cNvSpPr>
+          <p:nvPr>
+            <p:ph idx="1"/>
+          </p:nvPr>
+        </p:nvSpPr>
+        <p:spPr/>
+        <p:txBody>
+          <a:bodyPr/>
+          <a:lstStyle/>
+          <a:p>
+            <a:r>
+              <a:rPr lang="en-US" dirty="0" smtClean="0"/>
+              <a:t>Generic Parameter is a type placeholder</a:t>
+            </a:r>
+            <a:endParaRPr lang="en-US" dirty="0"/>
+          </a:p>
+        </p:txBody>
+      </p:sp>
+      <p:pic>
+        <p:nvPicPr>
+          <p:cNvPr id="6146" name="Picture 2"/>
+          <p:cNvPicPr>
+            <a:picLocks noChangeAspect="1" noChangeArrowheads="1"/>
+          </p:cNvPicPr>
+          <p:nvPr/>
+        </p:nvPicPr>
+        <p:blipFill>
+          <a:blip r:embed="rId3" cstate="print"/>
+          <a:srcRect/>
+          <a:stretch>
+            <a:fillRect/>
+          </a:stretch>
+        </p:blipFill>
+        <p:spPr bwMode="auto">
+          <a:xfrm>
+            <a:off x="2214546" y="2357430"/>
+            <a:ext cx="4476750" cy="2933700"/>
+          </a:xfrm>
+          <a:prstGeom prst="rect">
+            <a:avLst/>
+          </a:prstGeom>
+          <a:noFill/>
+          <a:ln w="9525">
+            <a:noFill/>
+            <a:miter lim="800000"/>
+            <a:headEnd/>
+            <a:tailEnd/>
+          </a:ln>
+        </p:spPr>
+      </p:pic>
     </p:spTree>
   </p:cSld>
   <p:clrMapOvr>

--- a/trunk/OOPExam/03 Arrays and Collections.pptx
+++ b/trunk/OOPExam/03 Arrays and Collections.pptx
@@ -1020,18 +1020,7 @@
                 <a:ea typeface="+mn-ea"/>
                 <a:cs typeface="+mn-cs"/>
               </a:rPr>
-              <a:t>It is possible to initialize the contents of an array at the time it is instantiated by providing a list of values delimited by curly brackets </a:t>
-            </a:r>
-            <a:r>
-              <a:rPr lang="en-US" sz="1200" kern="1200" baseline="0" dirty="0" smtClean="0">
-                <a:solidFill>
-                  <a:schemeClr val="tx1"/>
-                </a:solidFill>
-                <a:latin typeface="+mn-lt"/>
-                <a:ea typeface="+mn-ea"/>
-                <a:cs typeface="+mn-cs"/>
-              </a:rPr>
-              <a:t>({}).</a:t>
+              <a:t>It is possible to initialize the contents of an array at the time it is instantiated by providing a list of values delimited by curly brackets ({}).</a:t>
             </a:r>
           </a:p>
           <a:p>
@@ -5571,19 +5560,7 @@
           <a:p>
             <a:r>
               <a:rPr lang="en-US" dirty="0" smtClean="0"/>
-              <a:t>Array, </a:t>
-            </a:r>
-            <a:r>
-              <a:rPr lang="en-US" dirty="0" smtClean="0"/>
-              <a:t>List, Dictionary</a:t>
-            </a:r>
-            <a:r>
-              <a:rPr lang="en-US" dirty="0" smtClean="0"/>
-              <a:t>, Sorted Dictionary, </a:t>
-            </a:r>
-            <a:r>
-              <a:rPr lang="en-US" dirty="0" smtClean="0"/>
-              <a:t>Queue and Stack</a:t>
+              <a:t>Array, List, Dictionary, Sorted Dictionary, Queue and Stack</a:t>
             </a:r>
           </a:p>
           <a:p>
@@ -5681,11 +5658,7 @@
           <a:p>
             <a:r>
               <a:rPr lang="en-US" dirty="0" smtClean="0"/>
-              <a:t>Indexed </a:t>
-            </a:r>
-            <a:r>
-              <a:rPr lang="en-US" dirty="0" smtClean="0"/>
-              <a:t>Collection of Objects, all of the same type</a:t>
+              <a:t>Indexed Collection of Objects, all of the same type</a:t>
             </a:r>
           </a:p>
           <a:p>
@@ -5767,7 +5740,6 @@
               <a:rPr lang="en-US" dirty="0" smtClean="0"/>
               <a:t>Multidimensional Arrays like C++, Rectangular and Jagged</a:t>
             </a:r>
-            <a:endParaRPr lang="en-US" dirty="0" smtClean="0"/>
           </a:p>
           <a:p>
             <a:endParaRPr lang="en-US" dirty="0"/>
@@ -5879,7 +5851,6 @@
               <a:rPr lang="en-US" dirty="0" smtClean="0"/>
               <a:t>In our application we used List to contain card objects</a:t>
             </a:r>
-            <a:endParaRPr lang="en-US" dirty="0" smtClean="0"/>
           </a:p>
         </p:txBody>
       </p:sp>
@@ -6003,7 +5974,6 @@
               <a:rPr lang="en-US" dirty="0" smtClean="0"/>
               <a:t>Clear() to empty the deck</a:t>
             </a:r>
-            <a:endParaRPr lang="en-US" dirty="0" smtClean="0"/>
           </a:p>
           <a:p>
             <a:pPr lvl="1"/>
@@ -6121,7 +6091,6 @@
               <a:rPr lang="en-US" dirty="0" smtClean="0"/>
               <a:t>Stack</a:t>
             </a:r>
-            <a:endParaRPr lang="en-US" dirty="0" smtClean="0"/>
           </a:p>
           <a:p>
             <a:endParaRPr lang="en-US" sz="1200" dirty="0" smtClean="0"/>
@@ -6617,7 +6586,6 @@
               <a:rPr lang="da-DK" dirty="0" smtClean="0"/>
               <a:t>Save Log</a:t>
             </a:r>
-            <a:endParaRPr lang="da-DK" dirty="0" smtClean="0"/>
           </a:p>
           <a:p>
             <a:r>

--- a/trunk/OOPExam/03 Arrays and Collections.pptx
+++ b/trunk/OOPExam/03 Arrays and Collections.pptx
@@ -771,10 +771,10 @@
                 <a:ea typeface="+mn-ea"/>
                 <a:cs typeface="+mn-cs"/>
               </a:rPr>
-              <a:t>The .NET Framework provides a number of interfaces, such as </a:t>
-            </a:r>
-            <a:r>
-              <a:rPr lang="en-US" sz="1200" kern="1200" baseline="0" dirty="0" err="1" smtClean="0">
+              <a:t>The .NET Framework provides a number of interfaces, such as IEnumerable and ICollection, whose implementation provides you with standard ways to interact with </a:t>
+            </a:r>
+            <a:r>
+              <a:rPr lang="en-US" sz="1200" kern="1200" baseline="0" dirty="0" smtClean="0">
                 <a:solidFill>
                   <a:schemeClr val="tx1"/>
                 </a:solidFill>
@@ -782,40 +782,7 @@
                 <a:ea typeface="+mn-ea"/>
                 <a:cs typeface="+mn-cs"/>
               </a:rPr>
-              <a:t>IEnumerable</a:t>
-            </a:r>
-            <a:r>
-              <a:rPr lang="en-US" sz="1200" kern="1200" baseline="0" dirty="0" smtClean="0">
-                <a:solidFill>
-                  <a:schemeClr val="tx1"/>
-                </a:solidFill>
-                <a:latin typeface="+mn-lt"/>
-                <a:ea typeface="+mn-ea"/>
-                <a:cs typeface="+mn-cs"/>
-              </a:rPr>
-              <a:t> and </a:t>
-            </a:r>
-            <a:r>
-              <a:rPr lang="en-US" sz="1200" kern="1200" baseline="0" dirty="0" err="1" smtClean="0">
-                <a:solidFill>
-                  <a:schemeClr val="tx1"/>
-                </a:solidFill>
-                <a:latin typeface="+mn-lt"/>
-                <a:ea typeface="+mn-ea"/>
-                <a:cs typeface="+mn-cs"/>
-              </a:rPr>
-              <a:t>ICollection</a:t>
-            </a:r>
-            <a:r>
-              <a:rPr lang="en-US" sz="1200" kern="1200" baseline="0" dirty="0" smtClean="0">
-                <a:solidFill>
-                  <a:schemeClr val="tx1"/>
-                </a:solidFill>
-                <a:latin typeface="+mn-lt"/>
-                <a:ea typeface="+mn-ea"/>
-                <a:cs typeface="+mn-cs"/>
-              </a:rPr>
-              <a:t>, whose implementation provides you with standard ways to interact with collections.</a:t>
+              <a:t>array, collection and data to compare and control.</a:t>
             </a:r>
             <a:endParaRPr lang="en-US" dirty="0"/>
           </a:p>
@@ -5569,16 +5536,20 @@
               <a:t>Interfaces </a:t>
             </a:r>
             <a:r>
-              <a:rPr lang="en-US" dirty="0" err="1" smtClean="0"/>
+              <a:rPr lang="en-US" dirty="0" smtClean="0"/>
               <a:t>IEnumerable</a:t>
             </a:r>
             <a:r>
               <a:rPr lang="en-US" dirty="0" smtClean="0"/>
-              <a:t> and </a:t>
-            </a:r>
-            <a:r>
-              <a:rPr lang="en-US" dirty="0" err="1" smtClean="0"/>
-              <a:t>Icollection</a:t>
+              <a:t>,</a:t>
+            </a:r>
+            <a:r>
+              <a:rPr lang="en-US" dirty="0" smtClean="0"/>
+              <a:t> ICollection and </a:t>
+            </a:r>
+            <a:r>
+              <a:rPr lang="da-DK" dirty="0" smtClean="0"/>
+              <a:t>IComparable</a:t>
             </a:r>
             <a:endParaRPr lang="en-US" dirty="0" smtClean="0"/>
           </a:p>

--- a/trunk/OOPExam/03 Arrays and Collections.pptx
+++ b/trunk/OOPExam/03 Arrays and Collections.pptx
@@ -5,7 +5,7 @@
     <p:sldMasterId id="2147483648" r:id="rId1"/>
   </p:sldMasterIdLst>
   <p:notesMasterIdLst>
-    <p:notesMasterId r:id="rId13"/>
+    <p:notesMasterId r:id="rId12"/>
   </p:notesMasterIdLst>
   <p:sldIdLst>
     <p:sldId id="256" r:id="rId2"/>
@@ -18,7 +18,6 @@
     <p:sldId id="267" r:id="rId9"/>
     <p:sldId id="260" r:id="rId10"/>
     <p:sldId id="263" r:id="rId11"/>
-    <p:sldId id="265" r:id="rId12"/>
   </p:sldIdLst>
   <p:sldSz cx="9144000" cy="6858000" type="screen4x3"/>
   <p:notesSz cx="6858000" cy="9144000"/>
@@ -771,18 +770,7 @@
                 <a:ea typeface="+mn-ea"/>
                 <a:cs typeface="+mn-cs"/>
               </a:rPr>
-              <a:t>The .NET Framework provides a number of interfaces, such as IEnumerable and ICollection, whose implementation provides you with standard ways to interact with </a:t>
-            </a:r>
-            <a:r>
-              <a:rPr lang="en-US" sz="1200" kern="1200" baseline="0" dirty="0" smtClean="0">
-                <a:solidFill>
-                  <a:schemeClr val="tx1"/>
-                </a:solidFill>
-                <a:latin typeface="+mn-lt"/>
-                <a:ea typeface="+mn-ea"/>
-                <a:cs typeface="+mn-cs"/>
-              </a:rPr>
-              <a:t>array, collection and data to compare and control.</a:t>
+              <a:t>The .NET Framework provides a number of interfaces, such as IEnumerable and ICollection, whose implementation provides you with standard ways to interact with array, collection and data to compare and control.</a:t>
             </a:r>
             <a:endParaRPr lang="en-US" dirty="0"/>
           </a:p>
@@ -5397,73 +5385,6 @@
 </p:sld>
 </file>
 
-<file path=ppt/slides/slide11.xml><?xml version="1.0" encoding="utf-8"?>
-<p:sld xmlns:a="http://schemas.openxmlformats.org/drawingml/2006/main" xmlns:r="http://schemas.openxmlformats.org/officeDocument/2006/relationships" xmlns:p="http://schemas.openxmlformats.org/presentationml/2006/main">
-  <p:cSld>
-    <p:spTree>
-      <p:nvGrpSpPr>
-        <p:cNvPr id="1" name=""/>
-        <p:cNvGrpSpPr/>
-        <p:nvPr/>
-      </p:nvGrpSpPr>
-      <p:grpSpPr>
-        <a:xfrm>
-          <a:off x="0" y="0"/>
-          <a:ext cx="0" cy="0"/>
-          <a:chOff x="0" y="0"/>
-          <a:chExt cx="0" cy="0"/>
-        </a:xfrm>
-      </p:grpSpPr>
-      <p:sp>
-        <p:nvSpPr>
-          <p:cNvPr id="2" name="Title 1"/>
-          <p:cNvSpPr>
-            <a:spLocks noGrp="1"/>
-          </p:cNvSpPr>
-          <p:nvPr>
-            <p:ph type="title"/>
-          </p:nvPr>
-        </p:nvSpPr>
-        <p:spPr/>
-        <p:txBody>
-          <a:bodyPr/>
-          <a:lstStyle/>
-          <a:p>
-            <a:r>
-              <a:rPr lang="en-US" dirty="0" smtClean="0"/>
-              <a:t>Questions?</a:t>
-            </a:r>
-            <a:endParaRPr lang="en-US" dirty="0"/>
-          </a:p>
-        </p:txBody>
-      </p:sp>
-      <p:sp>
-        <p:nvSpPr>
-          <p:cNvPr id="3" name="Content Placeholder 2"/>
-          <p:cNvSpPr>
-            <a:spLocks noGrp="1"/>
-          </p:cNvSpPr>
-          <p:nvPr>
-            <p:ph idx="1"/>
-          </p:nvPr>
-        </p:nvSpPr>
-        <p:spPr/>
-        <p:txBody>
-          <a:bodyPr/>
-          <a:lstStyle/>
-          <a:p>
-            <a:endParaRPr lang="da-DK" dirty="0"/>
-          </a:p>
-        </p:txBody>
-      </p:sp>
-    </p:spTree>
-  </p:cSld>
-  <p:clrMapOvr>
-    <a:masterClrMapping/>
-  </p:clrMapOvr>
-</p:sld>
-</file>
-
 <file path=ppt/slides/slide2.xml><?xml version="1.0" encoding="utf-8"?>
 <p:sld xmlns:a="http://schemas.openxmlformats.org/drawingml/2006/main" xmlns:r="http://schemas.openxmlformats.org/officeDocument/2006/relationships" xmlns:p="http://schemas.openxmlformats.org/presentationml/2006/main">
   <p:cSld>
@@ -5533,19 +5454,7 @@
           <a:p>
             <a:r>
               <a:rPr lang="en-US" dirty="0" smtClean="0"/>
-              <a:t>Interfaces </a:t>
-            </a:r>
-            <a:r>
-              <a:rPr lang="en-US" dirty="0" smtClean="0"/>
-              <a:t>IEnumerable</a:t>
-            </a:r>
-            <a:r>
-              <a:rPr lang="en-US" dirty="0" smtClean="0"/>
-              <a:t>,</a:t>
-            </a:r>
-            <a:r>
-              <a:rPr lang="en-US" dirty="0" smtClean="0"/>
-              <a:t> ICollection and </a:t>
+              <a:t>Interfaces IEnumerable, ICollection and </a:t>
             </a:r>
             <a:r>
               <a:rPr lang="da-DK" dirty="0" smtClean="0"/>
@@ -6560,9 +6469,10 @@
           </a:p>
           <a:p>
             <a:r>
-              <a:rPr lang="da-DK" dirty="0" smtClean="0"/>
-              <a:t>Beting</a:t>
-            </a:r>
+              <a:rPr lang="da-DK" dirty="0" err="1" smtClean="0"/>
+              <a:t>Betting</a:t>
+            </a:r>
+            <a:endParaRPr lang="da-DK" dirty="0" smtClean="0"/>
           </a:p>
           <a:p>
             <a:r>
